--- a/presentation/Presentation-A2.pptx
+++ b/presentation/Presentation-A2.pptx
@@ -1,47 +1,48 @@
 
 <file path=ppt/presentation.xml><?xml version="1.0" encoding="utf-8"?>
-<p:presentation xmlns:a="http://schemas.openxmlformats.org/drawingml/2006/main" xmlns:r="http://schemas.openxmlformats.org/officeDocument/2006/relationships" xmlns:mc="http://schemas.openxmlformats.org/markup-compatibility/2006" xmlns:mv="urn:schemas-microsoft-com:mac:vml" xmlns:p="http://schemas.openxmlformats.org/presentationml/2006/main" xmlns:c="http://schemas.openxmlformats.org/drawingml/2006/chart" xmlns:dgm="http://schemas.openxmlformats.org/drawingml/2006/diagram" xmlns:o="urn:schemas-microsoft-com:office:office" xmlns:v="urn:schemas-microsoft-com:vml" xmlns:pvml="urn:schemas-microsoft-com:office:powerpoint" xmlns:com="http://schemas.openxmlformats.org/drawingml/2006/compatibility" xmlns:p14="http://schemas.microsoft.com/office/powerpoint/2010/main" xmlns:p15="http://schemas.microsoft.com/office/powerpoint/2012/main" autoCompressPictures="0" embedTrueTypeFonts="1" strictFirstAndLastChars="0" saveSubsetFonts="1" showSpecialPlsOnTitleSld="0">
+<p:presentation xmlns:a="http://schemas.openxmlformats.org/drawingml/2006/main" xmlns:r="http://schemas.openxmlformats.org/officeDocument/2006/relationships" xmlns:p="http://schemas.openxmlformats.org/presentationml/2006/main" showSpecialPlsOnTitleSld="0" strictFirstAndLastChars="0" embedTrueTypeFonts="1" saveSubsetFonts="1" autoCompressPictures="0">
   <p:sldMasterIdLst>
-    <p:sldMasterId id="2147483659" r:id="rId3"/>
+    <p:sldMasterId id="2147483659" r:id="rId1"/>
   </p:sldMasterIdLst>
   <p:notesMasterIdLst>
-    <p:notesMasterId r:id="rId4"/>
+    <p:notesMasterId r:id="rId16"/>
   </p:notesMasterIdLst>
   <p:sldIdLst>
-    <p:sldId id="256" r:id="rId5"/>
-    <p:sldId id="257" r:id="rId6"/>
-    <p:sldId id="258" r:id="rId7"/>
-    <p:sldId id="259" r:id="rId8"/>
-    <p:sldId id="260" r:id="rId9"/>
-    <p:sldId id="261" r:id="rId10"/>
-    <p:sldId id="262" r:id="rId11"/>
-    <p:sldId id="263" r:id="rId12"/>
-    <p:sldId id="264" r:id="rId13"/>
-    <p:sldId id="265" r:id="rId14"/>
-    <p:sldId id="266" r:id="rId15"/>
-    <p:sldId id="267" r:id="rId16"/>
-    <p:sldId id="268" r:id="rId17"/>
+    <p:sldId id="256" r:id="rId2"/>
+    <p:sldId id="257" r:id="rId3"/>
+    <p:sldId id="258" r:id="rId4"/>
+    <p:sldId id="269" r:id="rId5"/>
+    <p:sldId id="259" r:id="rId6"/>
+    <p:sldId id="264" r:id="rId7"/>
+    <p:sldId id="263" r:id="rId8"/>
+    <p:sldId id="266" r:id="rId9"/>
+    <p:sldId id="260" r:id="rId10"/>
+    <p:sldId id="261" r:id="rId11"/>
+    <p:sldId id="262" r:id="rId12"/>
+    <p:sldId id="265" r:id="rId13"/>
+    <p:sldId id="267" r:id="rId14"/>
+    <p:sldId id="268" r:id="rId15"/>
   </p:sldIdLst>
-  <p:sldSz cy="5143500" cx="9144000"/>
+  <p:sldSz cx="9144000" cy="5143500" type="screen16x9"/>
   <p:notesSz cx="6858000" cy="9144000"/>
   <p:embeddedFontLst>
     <p:embeddedFont>
-      <p:font typeface="Raleway"/>
-      <p:regular r:id="rId18"/>
-      <p:bold r:id="rId19"/>
-      <p:italic r:id="rId20"/>
-      <p:boldItalic r:id="rId21"/>
+      <p:font typeface="Raleway" panose="020B0604020202020204" charset="0"/>
+      <p:regular r:id="rId17"/>
+      <p:bold r:id="rId18"/>
+      <p:italic r:id="rId19"/>
+      <p:boldItalic r:id="rId20"/>
     </p:embeddedFont>
     <p:embeddedFont>
-      <p:font typeface="Lato"/>
-      <p:regular r:id="rId22"/>
-      <p:bold r:id="rId23"/>
-      <p:italic r:id="rId24"/>
-      <p:boldItalic r:id="rId25"/>
+      <p:font typeface="Lato" panose="020B0604020202020204" charset="0"/>
+      <p:regular r:id="rId21"/>
+      <p:bold r:id="rId22"/>
+      <p:italic r:id="rId23"/>
+      <p:boldItalic r:id="rId24"/>
     </p:embeddedFont>
   </p:embeddedFontLst>
   <p:defaultTextStyle>
-    <a:defPPr lvl="0" marR="0" rtl="0" algn="l">
+    <a:defPPr marR="0" lvl="0" algn="l" rtl="0">
       <a:lnSpc>
         <a:spcPct val="100000"/>
       </a:lnSpc>
@@ -52,7 +53,7 @@
         <a:spcPts val="0"/>
       </a:spcAft>
     </a:defPPr>
-    <a:lvl1pPr lvl="0" marR="0" rtl="0" algn="l">
+    <a:lvl1pPr marR="0" lvl="0" algn="l" rtl="0">
       <a:lnSpc>
         <a:spcPct val="100000"/>
       </a:lnSpc>
@@ -63,7 +64,7 @@
         <a:spcPts val="0"/>
       </a:spcAft>
       <a:buNone/>
-      <a:defRPr b="0" i="0" sz="1400" u="none" cap="none" strike="noStrike">
+      <a:defRPr sz="1400" b="0" i="0" u="none" strike="noStrike" cap="none">
         <a:solidFill>
           <a:srgbClr val="000000"/>
         </a:solidFill>
@@ -73,7 +74,7 @@
         <a:sym typeface="Arial"/>
       </a:defRPr>
     </a:lvl1pPr>
-    <a:lvl2pPr lvl="1" marR="0" rtl="0" algn="l">
+    <a:lvl2pPr marR="0" lvl="1" algn="l" rtl="0">
       <a:lnSpc>
         <a:spcPct val="100000"/>
       </a:lnSpc>
@@ -84,7 +85,7 @@
         <a:spcPts val="0"/>
       </a:spcAft>
       <a:buNone/>
-      <a:defRPr b="0" i="0" sz="1400" u="none" cap="none" strike="noStrike">
+      <a:defRPr sz="1400" b="0" i="0" u="none" strike="noStrike" cap="none">
         <a:solidFill>
           <a:srgbClr val="000000"/>
         </a:solidFill>
@@ -94,7 +95,7 @@
         <a:sym typeface="Arial"/>
       </a:defRPr>
     </a:lvl2pPr>
-    <a:lvl3pPr lvl="2" marR="0" rtl="0" algn="l">
+    <a:lvl3pPr marR="0" lvl="2" algn="l" rtl="0">
       <a:lnSpc>
         <a:spcPct val="100000"/>
       </a:lnSpc>
@@ -105,7 +106,7 @@
         <a:spcPts val="0"/>
       </a:spcAft>
       <a:buNone/>
-      <a:defRPr b="0" i="0" sz="1400" u="none" cap="none" strike="noStrike">
+      <a:defRPr sz="1400" b="0" i="0" u="none" strike="noStrike" cap="none">
         <a:solidFill>
           <a:srgbClr val="000000"/>
         </a:solidFill>
@@ -115,7 +116,7 @@
         <a:sym typeface="Arial"/>
       </a:defRPr>
     </a:lvl3pPr>
-    <a:lvl4pPr lvl="3" marR="0" rtl="0" algn="l">
+    <a:lvl4pPr marR="0" lvl="3" algn="l" rtl="0">
       <a:lnSpc>
         <a:spcPct val="100000"/>
       </a:lnSpc>
@@ -126,7 +127,7 @@
         <a:spcPts val="0"/>
       </a:spcAft>
       <a:buNone/>
-      <a:defRPr b="0" i="0" sz="1400" u="none" cap="none" strike="noStrike">
+      <a:defRPr sz="1400" b="0" i="0" u="none" strike="noStrike" cap="none">
         <a:solidFill>
           <a:srgbClr val="000000"/>
         </a:solidFill>
@@ -136,7 +137,7 @@
         <a:sym typeface="Arial"/>
       </a:defRPr>
     </a:lvl4pPr>
-    <a:lvl5pPr lvl="4" marR="0" rtl="0" algn="l">
+    <a:lvl5pPr marR="0" lvl="4" algn="l" rtl="0">
       <a:lnSpc>
         <a:spcPct val="100000"/>
       </a:lnSpc>
@@ -147,7 +148,7 @@
         <a:spcPts val="0"/>
       </a:spcAft>
       <a:buNone/>
-      <a:defRPr b="0" i="0" sz="1400" u="none" cap="none" strike="noStrike">
+      <a:defRPr sz="1400" b="0" i="0" u="none" strike="noStrike" cap="none">
         <a:solidFill>
           <a:srgbClr val="000000"/>
         </a:solidFill>
@@ -157,7 +158,7 @@
         <a:sym typeface="Arial"/>
       </a:defRPr>
     </a:lvl5pPr>
-    <a:lvl6pPr lvl="5" marR="0" rtl="0" algn="l">
+    <a:lvl6pPr marR="0" lvl="5" algn="l" rtl="0">
       <a:lnSpc>
         <a:spcPct val="100000"/>
       </a:lnSpc>
@@ -168,7 +169,7 @@
         <a:spcPts val="0"/>
       </a:spcAft>
       <a:buNone/>
-      <a:defRPr b="0" i="0" sz="1400" u="none" cap="none" strike="noStrike">
+      <a:defRPr sz="1400" b="0" i="0" u="none" strike="noStrike" cap="none">
         <a:solidFill>
           <a:srgbClr val="000000"/>
         </a:solidFill>
@@ -178,7 +179,7 @@
         <a:sym typeface="Arial"/>
       </a:defRPr>
     </a:lvl6pPr>
-    <a:lvl7pPr lvl="6" marR="0" rtl="0" algn="l">
+    <a:lvl7pPr marR="0" lvl="6" algn="l" rtl="0">
       <a:lnSpc>
         <a:spcPct val="100000"/>
       </a:lnSpc>
@@ -189,7 +190,7 @@
         <a:spcPts val="0"/>
       </a:spcAft>
       <a:buNone/>
-      <a:defRPr b="0" i="0" sz="1400" u="none" cap="none" strike="noStrike">
+      <a:defRPr sz="1400" b="0" i="0" u="none" strike="noStrike" cap="none">
         <a:solidFill>
           <a:srgbClr val="000000"/>
         </a:solidFill>
@@ -199,7 +200,7 @@
         <a:sym typeface="Arial"/>
       </a:defRPr>
     </a:lvl7pPr>
-    <a:lvl8pPr lvl="7" marR="0" rtl="0" algn="l">
+    <a:lvl8pPr marR="0" lvl="7" algn="l" rtl="0">
       <a:lnSpc>
         <a:spcPct val="100000"/>
       </a:lnSpc>
@@ -210,7 +211,7 @@
         <a:spcPts val="0"/>
       </a:spcAft>
       <a:buNone/>
-      <a:defRPr b="0" i="0" sz="1400" u="none" cap="none" strike="noStrike">
+      <a:defRPr sz="1400" b="0" i="0" u="none" strike="noStrike" cap="none">
         <a:solidFill>
           <a:srgbClr val="000000"/>
         </a:solidFill>
@@ -220,7 +221,7 @@
         <a:sym typeface="Arial"/>
       </a:defRPr>
     </a:lvl8pPr>
-    <a:lvl9pPr lvl="8" marR="0" rtl="0" algn="l">
+    <a:lvl9pPr marR="0" lvl="8" algn="l" rtl="0">
       <a:lnSpc>
         <a:spcPct val="100000"/>
       </a:lnSpc>
@@ -231,7 +232,7 @@
         <a:spcPts val="0"/>
       </a:spcAft>
       <a:buNone/>
-      <a:defRPr b="0" i="0" sz="1400" u="none" cap="none" strike="noStrike">
+      <a:defRPr sz="1400" b="0" i="0" u="none" strike="noStrike" cap="none">
         <a:solidFill>
           <a:srgbClr val="000000"/>
         </a:solidFill>
@@ -245,12 +246,21 @@
 </p:presentation>
 </file>
 
+<file path=ppt/revisionInfo.xml><?xml version="1.0" encoding="utf-8"?>
+<p1510:revInfo xmlns:a="http://schemas.openxmlformats.org/drawingml/2006/main" xmlns:r="http://schemas.openxmlformats.org/officeDocument/2006/relationships" xmlns:p1510="http://schemas.microsoft.com/office/powerpoint/2015/10/main"/>
+</file>
+
 <file path=ppt/notesMasters/notesMaster1.xml><?xml version="1.0" encoding="utf-8"?>
-<p:notesMaster xmlns:a="http://schemas.openxmlformats.org/drawingml/2006/main" xmlns:r="http://schemas.openxmlformats.org/officeDocument/2006/relationships" xmlns:mc="http://schemas.openxmlformats.org/markup-compatibility/2006" xmlns:mv="urn:schemas-microsoft-com:mac:vml" xmlns:p="http://schemas.openxmlformats.org/presentationml/2006/main" xmlns:c="http://schemas.openxmlformats.org/drawingml/2006/chart" xmlns:dgm="http://schemas.openxmlformats.org/drawingml/2006/diagram" xmlns:o="urn:schemas-microsoft-com:office:office" xmlns:v="urn:schemas-microsoft-com:vml" xmlns:pvml="urn:schemas-microsoft-com:office:powerpoint" xmlns:com="http://schemas.openxmlformats.org/drawingml/2006/compatibility" xmlns:p14="http://schemas.microsoft.com/office/powerpoint/2010/main" xmlns:p15="http://schemas.microsoft.com/office/powerpoint/2012/main">
+<p:notesMaster xmlns:a="http://schemas.openxmlformats.org/drawingml/2006/main" xmlns:r="http://schemas.openxmlformats.org/officeDocument/2006/relationships" xmlns:p="http://schemas.openxmlformats.org/presentationml/2006/main">
   <p:cSld>
+    <p:bg>
+      <p:bgRef idx="1001">
+        <a:schemeClr val="bg1"/>
+      </p:bgRef>
+    </p:bg>
     <p:spTree>
       <p:nvGrpSpPr>
-        <p:cNvPr id="2" name="Shape 2"/>
+        <p:cNvPr id="1" name="Shape 2"/>
         <p:cNvGrpSpPr/>
         <p:nvPr/>
       </p:nvGrpSpPr>
@@ -265,9 +275,11 @@
       <p:sp>
         <p:nvSpPr>
           <p:cNvPr id="3" name="Shape 3"/>
-          <p:cNvSpPr/>
+          <p:cNvSpPr>
+            <a:spLocks noGrp="1" noRot="1" noChangeAspect="1"/>
+          </p:cNvSpPr>
           <p:nvPr>
-            <p:ph idx="2" type="sldImg"/>
+            <p:ph type="sldImg" idx="2"/>
           </p:nvPr>
         </p:nvSpPr>
         <p:spPr>
@@ -276,8 +288,13 @@
             <a:ext cx="6096075" cy="3429000"/>
           </a:xfrm>
           <a:custGeom>
+            <a:avLst/>
+            <a:gdLst/>
+            <a:ahLst/>
+            <a:cxnLst/>
+            <a:rect l="0" t="0" r="0" b="0"/>
             <a:pathLst>
-              <a:path extrusionOk="0" h="120000" w="120000">
+              <a:path w="120000" h="120000" extrusionOk="0">
                 <a:moveTo>
                   <a:pt x="0" y="0"/>
                 </a:moveTo>
@@ -295,23 +312,25 @@
             </a:pathLst>
           </a:custGeom>
           <a:noFill/>
-          <a:ln cap="flat" cmpd="sng" w="9525">
+          <a:ln w="9525" cap="flat" cmpd="sng">
             <a:solidFill>
               <a:srgbClr val="000000"/>
             </a:solidFill>
             <a:prstDash val="solid"/>
             <a:round/>
-            <a:headEnd len="med" w="med" type="none"/>
-            <a:tailEnd len="med" w="med" type="none"/>
+            <a:headEnd type="none" w="med" len="med"/>
+            <a:tailEnd type="none" w="med" len="med"/>
           </a:ln>
         </p:spPr>
       </p:sp>
       <p:sp>
         <p:nvSpPr>
           <p:cNvPr id="4" name="Shape 4"/>
-          <p:cNvSpPr txBox="1"/>
+          <p:cNvSpPr txBox="1">
+            <a:spLocks noGrp="1"/>
+          </p:cNvSpPr>
           <p:nvPr>
-            <p:ph idx="1" type="body"/>
+            <p:ph type="body" idx="1"/>
           </p:nvPr>
         </p:nvSpPr>
         <p:spPr>
@@ -328,7 +347,7 @@
           </a:ln>
         </p:spPr>
         <p:txBody>
-          <a:bodyPr anchorCtr="0" anchor="t" bIns="91425" lIns="91425" rIns="91425" wrap="square" tIns="91425"/>
+          <a:bodyPr wrap="square" lIns="91425" tIns="91425" rIns="91425" bIns="91425" anchor="t" anchorCtr="0"/>
           <a:lstStyle>
             <a:lvl1pPr lvl="0">
               <a:spcBef>
@@ -403,21 +422,115 @@
               <a:defRPr sz="1100"/>
             </a:lvl9pPr>
           </a:lstStyle>
-          <a:p/>
+          <a:p>
+            <a:endParaRPr/>
+          </a:p>
         </p:txBody>
       </p:sp>
     </p:spTree>
   </p:cSld>
-  <p:clrMap accent1="accent1" accent2="accent2" accent3="accent3" accent4="accent4" accent5="accent5" accent6="accent6" bg1="lt1" bg2="dk2" tx1="dk1" tx2="lt2" folHlink="folHlink" hlink="hlink"/>
+  <p:clrMap bg1="lt1" tx1="dk1" bg2="dk2" tx2="lt2" accent1="accent1" accent2="accent2" accent3="accent3" accent4="accent4" accent5="accent5" accent6="accent6" hlink="hlink" folHlink="folHlink"/>
+  <p:notesStyle>
+    <a:lvl1pPr marL="0" algn="l" defTabSz="914400" rtl="0" eaLnBrk="1" latinLnBrk="0" hangingPunct="1">
+      <a:defRPr sz="1200" kern="1200">
+        <a:solidFill>
+          <a:schemeClr val="tx1"/>
+        </a:solidFill>
+        <a:latin typeface="+mn-lt"/>
+        <a:ea typeface="+mn-ea"/>
+        <a:cs typeface="+mn-cs"/>
+      </a:defRPr>
+    </a:lvl1pPr>
+    <a:lvl2pPr marL="457200" algn="l" defTabSz="914400" rtl="0" eaLnBrk="1" latinLnBrk="0" hangingPunct="1">
+      <a:defRPr sz="1200" kern="1200">
+        <a:solidFill>
+          <a:schemeClr val="tx1"/>
+        </a:solidFill>
+        <a:latin typeface="+mn-lt"/>
+        <a:ea typeface="+mn-ea"/>
+        <a:cs typeface="+mn-cs"/>
+      </a:defRPr>
+    </a:lvl2pPr>
+    <a:lvl3pPr marL="914400" algn="l" defTabSz="914400" rtl="0" eaLnBrk="1" latinLnBrk="0" hangingPunct="1">
+      <a:defRPr sz="1200" kern="1200">
+        <a:solidFill>
+          <a:schemeClr val="tx1"/>
+        </a:solidFill>
+        <a:latin typeface="+mn-lt"/>
+        <a:ea typeface="+mn-ea"/>
+        <a:cs typeface="+mn-cs"/>
+      </a:defRPr>
+    </a:lvl3pPr>
+    <a:lvl4pPr marL="1371600" algn="l" defTabSz="914400" rtl="0" eaLnBrk="1" latinLnBrk="0" hangingPunct="1">
+      <a:defRPr sz="1200" kern="1200">
+        <a:solidFill>
+          <a:schemeClr val="tx1"/>
+        </a:solidFill>
+        <a:latin typeface="+mn-lt"/>
+        <a:ea typeface="+mn-ea"/>
+        <a:cs typeface="+mn-cs"/>
+      </a:defRPr>
+    </a:lvl4pPr>
+    <a:lvl5pPr marL="1828800" algn="l" defTabSz="914400" rtl="0" eaLnBrk="1" latinLnBrk="0" hangingPunct="1">
+      <a:defRPr sz="1200" kern="1200">
+        <a:solidFill>
+          <a:schemeClr val="tx1"/>
+        </a:solidFill>
+        <a:latin typeface="+mn-lt"/>
+        <a:ea typeface="+mn-ea"/>
+        <a:cs typeface="+mn-cs"/>
+      </a:defRPr>
+    </a:lvl5pPr>
+    <a:lvl6pPr marL="2286000" algn="l" defTabSz="914400" rtl="0" eaLnBrk="1" latinLnBrk="0" hangingPunct="1">
+      <a:defRPr sz="1200" kern="1200">
+        <a:solidFill>
+          <a:schemeClr val="tx1"/>
+        </a:solidFill>
+        <a:latin typeface="+mn-lt"/>
+        <a:ea typeface="+mn-ea"/>
+        <a:cs typeface="+mn-cs"/>
+      </a:defRPr>
+    </a:lvl6pPr>
+    <a:lvl7pPr marL="2743200" algn="l" defTabSz="914400" rtl="0" eaLnBrk="1" latinLnBrk="0" hangingPunct="1">
+      <a:defRPr sz="1200" kern="1200">
+        <a:solidFill>
+          <a:schemeClr val="tx1"/>
+        </a:solidFill>
+        <a:latin typeface="+mn-lt"/>
+        <a:ea typeface="+mn-ea"/>
+        <a:cs typeface="+mn-cs"/>
+      </a:defRPr>
+    </a:lvl7pPr>
+    <a:lvl8pPr marL="3200400" algn="l" defTabSz="914400" rtl="0" eaLnBrk="1" latinLnBrk="0" hangingPunct="1">
+      <a:defRPr sz="1200" kern="1200">
+        <a:solidFill>
+          <a:schemeClr val="tx1"/>
+        </a:solidFill>
+        <a:latin typeface="+mn-lt"/>
+        <a:ea typeface="+mn-ea"/>
+        <a:cs typeface="+mn-cs"/>
+      </a:defRPr>
+    </a:lvl8pPr>
+    <a:lvl9pPr marL="3657600" algn="l" defTabSz="914400" rtl="0" eaLnBrk="1" latinLnBrk="0" hangingPunct="1">
+      <a:defRPr sz="1200" kern="1200">
+        <a:solidFill>
+          <a:schemeClr val="tx1"/>
+        </a:solidFill>
+        <a:latin typeface="+mn-lt"/>
+        <a:ea typeface="+mn-ea"/>
+        <a:cs typeface="+mn-cs"/>
+      </a:defRPr>
+    </a:lvl9pPr>
+  </p:notesStyle>
 </p:notesMaster>
 </file>
 
 <file path=ppt/notesSlides/notesSlide1.xml><?xml version="1.0" encoding="utf-8"?>
-<p:notes xmlns:a="http://schemas.openxmlformats.org/drawingml/2006/main" xmlns:r="http://schemas.openxmlformats.org/officeDocument/2006/relationships" xmlns:mc="http://schemas.openxmlformats.org/markup-compatibility/2006" xmlns:mv="urn:schemas-microsoft-com:mac:vml" xmlns:p="http://schemas.openxmlformats.org/presentationml/2006/main" xmlns:c="http://schemas.openxmlformats.org/drawingml/2006/chart" xmlns:dgm="http://schemas.openxmlformats.org/drawingml/2006/diagram" xmlns:o="urn:schemas-microsoft-com:office:office" xmlns:v="urn:schemas-microsoft-com:vml" xmlns:pvml="urn:schemas-microsoft-com:office:powerpoint" xmlns:com="http://schemas.openxmlformats.org/drawingml/2006/compatibility" xmlns:p14="http://schemas.microsoft.com/office/powerpoint/2010/main" xmlns:p15="http://schemas.microsoft.com/office/powerpoint/2012/main" showMasterPhAnim="0" showMasterSp="0">
+<p:notes xmlns:a="http://schemas.openxmlformats.org/drawingml/2006/main" xmlns:r="http://schemas.openxmlformats.org/officeDocument/2006/relationships" xmlns:p="http://schemas.openxmlformats.org/presentationml/2006/main" showMasterSp="0" showMasterPhAnim="0">
   <p:cSld>
     <p:spTree>
       <p:nvGrpSpPr>
-        <p:cNvPr id="82" name="Shape 82"/>
+        <p:cNvPr id="1" name="Shape 82"/>
         <p:cNvGrpSpPr/>
         <p:nvPr/>
       </p:nvGrpSpPr>
@@ -432,19 +545,26 @@
       <p:sp>
         <p:nvSpPr>
           <p:cNvPr id="83" name="Shape 83"/>
-          <p:cNvSpPr/>
+          <p:cNvSpPr>
+            <a:spLocks noGrp="1" noRot="1" noChangeAspect="1"/>
+          </p:cNvSpPr>
           <p:nvPr>
-            <p:ph idx="2" type="sldImg"/>
+            <p:ph type="sldImg" idx="2"/>
           </p:nvPr>
         </p:nvSpPr>
         <p:spPr>
           <a:xfrm>
-            <a:off x="381300" y="685800"/>
-            <a:ext cx="6096075" cy="3429000"/>
+            <a:off x="381000" y="685800"/>
+            <a:ext cx="6096000" cy="3429000"/>
           </a:xfrm>
           <a:custGeom>
+            <a:avLst/>
+            <a:gdLst/>
+            <a:ahLst/>
+            <a:cxnLst/>
+            <a:rect l="0" t="0" r="0" b="0"/>
             <a:pathLst>
-              <a:path extrusionOk="0" h="120000" w="120000">
+              <a:path w="120000" h="120000" extrusionOk="0">
                 <a:moveTo>
                   <a:pt x="0" y="0"/>
                 </a:moveTo>
@@ -466,9 +586,11 @@
       <p:sp>
         <p:nvSpPr>
           <p:cNvPr id="84" name="Shape 84"/>
-          <p:cNvSpPr txBox="1"/>
+          <p:cNvSpPr txBox="1">
+            <a:spLocks noGrp="1"/>
+          </p:cNvSpPr>
           <p:nvPr>
-            <p:ph idx="1" type="body"/>
+            <p:ph type="body" idx="1"/>
           </p:nvPr>
         </p:nvSpPr>
         <p:spPr>
@@ -481,7 +603,7 @@
           </a:prstGeom>
         </p:spPr>
         <p:txBody>
-          <a:bodyPr anchorCtr="0" anchor="t" bIns="91425" lIns="91425" rIns="91425" wrap="square" tIns="91425">
+          <a:bodyPr wrap="square" lIns="91425" tIns="91425" rIns="91425" bIns="91425" anchor="t" anchorCtr="0">
             <a:noAutofit/>
           </a:bodyPr>
           <a:lstStyle/>
@@ -492,9 +614,6 @@
               </a:spcBef>
               <a:buNone/>
             </a:pPr>
-            <a:r>
-              <a:t/>
-            </a:r>
             <a:endParaRPr/>
           </a:p>
         </p:txBody>
@@ -508,11 +627,11 @@
 </file>
 
 <file path=ppt/notesSlides/notesSlide10.xml><?xml version="1.0" encoding="utf-8"?>
-<p:notes xmlns:a="http://schemas.openxmlformats.org/drawingml/2006/main" xmlns:r="http://schemas.openxmlformats.org/officeDocument/2006/relationships" xmlns:mc="http://schemas.openxmlformats.org/markup-compatibility/2006" xmlns:mv="urn:schemas-microsoft-com:mac:vml" xmlns:p="http://schemas.openxmlformats.org/presentationml/2006/main" xmlns:c="http://schemas.openxmlformats.org/drawingml/2006/chart" xmlns:dgm="http://schemas.openxmlformats.org/drawingml/2006/diagram" xmlns:o="urn:schemas-microsoft-com:office:office" xmlns:v="urn:schemas-microsoft-com:vml" xmlns:pvml="urn:schemas-microsoft-com:office:powerpoint" xmlns:com="http://schemas.openxmlformats.org/drawingml/2006/compatibility" xmlns:p14="http://schemas.microsoft.com/office/powerpoint/2010/main" xmlns:p15="http://schemas.microsoft.com/office/powerpoint/2012/main" showMasterPhAnim="0" showMasterSp="0">
+<p:notes xmlns:a="http://schemas.openxmlformats.org/drawingml/2006/main" xmlns:r="http://schemas.openxmlformats.org/officeDocument/2006/relationships" xmlns:p="http://schemas.openxmlformats.org/presentationml/2006/main" showMasterSp="0" showMasterPhAnim="0">
   <p:cSld>
     <p:spTree>
       <p:nvGrpSpPr>
-        <p:cNvPr id="150" name="Shape 150"/>
+        <p:cNvPr id="1" name="Shape 126"/>
         <p:cNvGrpSpPr/>
         <p:nvPr/>
       </p:nvGrpSpPr>
@@ -526,20 +645,27 @@
       </p:grpSpPr>
       <p:sp>
         <p:nvSpPr>
-          <p:cNvPr id="151" name="Shape 151"/>
-          <p:cNvSpPr/>
+          <p:cNvPr id="127" name="Shape 127"/>
+          <p:cNvSpPr>
+            <a:spLocks noGrp="1" noRot="1" noChangeAspect="1"/>
+          </p:cNvSpPr>
           <p:nvPr>
-            <p:ph idx="2" type="sldImg"/>
+            <p:ph type="sldImg" idx="2"/>
           </p:nvPr>
         </p:nvSpPr>
         <p:spPr>
           <a:xfrm>
-            <a:off x="381300" y="685800"/>
+            <a:off x="381000" y="685800"/>
             <a:ext cx="6096000" cy="3429000"/>
           </a:xfrm>
           <a:custGeom>
+            <a:avLst/>
+            <a:gdLst/>
+            <a:ahLst/>
+            <a:cxnLst/>
+            <a:rect l="0" t="0" r="0" b="0"/>
             <a:pathLst>
-              <a:path extrusionOk="0" h="120000" w="120000">
+              <a:path w="120000" h="120000" extrusionOk="0">
                 <a:moveTo>
                   <a:pt x="0" y="0"/>
                 </a:moveTo>
@@ -560,10 +686,12 @@
       </p:sp>
       <p:sp>
         <p:nvSpPr>
-          <p:cNvPr id="152" name="Shape 152"/>
-          <p:cNvSpPr txBox="1"/>
+          <p:cNvPr id="128" name="Shape 128"/>
+          <p:cNvSpPr txBox="1">
+            <a:spLocks noGrp="1"/>
+          </p:cNvSpPr>
           <p:nvPr>
-            <p:ph idx="1" type="body"/>
+            <p:ph type="body" idx="1"/>
           </p:nvPr>
         </p:nvSpPr>
         <p:spPr>
@@ -576,7 +704,7 @@
           </a:prstGeom>
         </p:spPr>
         <p:txBody>
-          <a:bodyPr anchorCtr="0" anchor="t" bIns="91425" lIns="91425" rIns="91425" wrap="square" tIns="91425">
+          <a:bodyPr wrap="square" lIns="91425" tIns="91425" rIns="91425" bIns="91425" anchor="t" anchorCtr="0">
             <a:noAutofit/>
           </a:bodyPr>
           <a:lstStyle/>
@@ -587,9 +715,6 @@
               </a:spcBef>
               <a:buNone/>
             </a:pPr>
-            <a:r>
-              <a:t/>
-            </a:r>
             <a:endParaRPr/>
           </a:p>
         </p:txBody>
@@ -603,11 +728,11 @@
 </file>
 
 <file path=ppt/notesSlides/notesSlide11.xml><?xml version="1.0" encoding="utf-8"?>
-<p:notes xmlns:a="http://schemas.openxmlformats.org/drawingml/2006/main" xmlns:r="http://schemas.openxmlformats.org/officeDocument/2006/relationships" xmlns:mc="http://schemas.openxmlformats.org/markup-compatibility/2006" xmlns:mv="urn:schemas-microsoft-com:mac:vml" xmlns:p="http://schemas.openxmlformats.org/presentationml/2006/main" xmlns:c="http://schemas.openxmlformats.org/drawingml/2006/chart" xmlns:dgm="http://schemas.openxmlformats.org/drawingml/2006/diagram" xmlns:o="urn:schemas-microsoft-com:office:office" xmlns:v="urn:schemas-microsoft-com:vml" xmlns:pvml="urn:schemas-microsoft-com:office:powerpoint" xmlns:com="http://schemas.openxmlformats.org/drawingml/2006/compatibility" xmlns:p14="http://schemas.microsoft.com/office/powerpoint/2010/main" xmlns:p15="http://schemas.microsoft.com/office/powerpoint/2012/main" showMasterPhAnim="0" showMasterSp="0">
+<p:notes xmlns:a="http://schemas.openxmlformats.org/drawingml/2006/main" xmlns:r="http://schemas.openxmlformats.org/officeDocument/2006/relationships" xmlns:p="http://schemas.openxmlformats.org/presentationml/2006/main" showMasterSp="0" showMasterPhAnim="0">
   <p:cSld>
     <p:spTree>
       <p:nvGrpSpPr>
-        <p:cNvPr id="158" name="Shape 158"/>
+        <p:cNvPr id="1" name="Shape 150"/>
         <p:cNvGrpSpPr/>
         <p:nvPr/>
       </p:nvGrpSpPr>
@@ -621,20 +746,27 @@
       </p:grpSpPr>
       <p:sp>
         <p:nvSpPr>
-          <p:cNvPr id="159" name="Shape 159"/>
-          <p:cNvSpPr/>
+          <p:cNvPr id="151" name="Shape 151"/>
+          <p:cNvSpPr>
+            <a:spLocks noGrp="1" noRot="1" noChangeAspect="1"/>
+          </p:cNvSpPr>
           <p:nvPr>
-            <p:ph idx="2" type="sldImg"/>
+            <p:ph type="sldImg" idx="2"/>
           </p:nvPr>
         </p:nvSpPr>
         <p:spPr>
           <a:xfrm>
-            <a:off x="381300" y="685800"/>
+            <a:off x="381000" y="685800"/>
             <a:ext cx="6096000" cy="3429000"/>
           </a:xfrm>
           <a:custGeom>
+            <a:avLst/>
+            <a:gdLst/>
+            <a:ahLst/>
+            <a:cxnLst/>
+            <a:rect l="0" t="0" r="0" b="0"/>
             <a:pathLst>
-              <a:path extrusionOk="0" h="120000" w="120000">
+              <a:path w="120000" h="120000" extrusionOk="0">
                 <a:moveTo>
                   <a:pt x="0" y="0"/>
                 </a:moveTo>
@@ -655,10 +787,12 @@
       </p:sp>
       <p:sp>
         <p:nvSpPr>
-          <p:cNvPr id="160" name="Shape 160"/>
-          <p:cNvSpPr txBox="1"/>
+          <p:cNvPr id="152" name="Shape 152"/>
+          <p:cNvSpPr txBox="1">
+            <a:spLocks noGrp="1"/>
+          </p:cNvSpPr>
           <p:nvPr>
-            <p:ph idx="1" type="body"/>
+            <p:ph type="body" idx="1"/>
           </p:nvPr>
         </p:nvSpPr>
         <p:spPr>
@@ -671,7 +805,7 @@
           </a:prstGeom>
         </p:spPr>
         <p:txBody>
-          <a:bodyPr anchorCtr="0" anchor="t" bIns="91425" lIns="91425" rIns="91425" wrap="square" tIns="91425">
+          <a:bodyPr wrap="square" lIns="91425" tIns="91425" rIns="91425" bIns="91425" anchor="t" anchorCtr="0">
             <a:noAutofit/>
           </a:bodyPr>
           <a:lstStyle/>
@@ -682,9 +816,6 @@
               </a:spcBef>
               <a:buNone/>
             </a:pPr>
-            <a:r>
-              <a:t/>
-            </a:r>
             <a:endParaRPr/>
           </a:p>
         </p:txBody>
@@ -698,11 +829,11 @@
 </file>
 
 <file path=ppt/notesSlides/notesSlide12.xml><?xml version="1.0" encoding="utf-8"?>
-<p:notes xmlns:a="http://schemas.openxmlformats.org/drawingml/2006/main" xmlns:r="http://schemas.openxmlformats.org/officeDocument/2006/relationships" xmlns:mc="http://schemas.openxmlformats.org/markup-compatibility/2006" xmlns:mv="urn:schemas-microsoft-com:mac:vml" xmlns:p="http://schemas.openxmlformats.org/presentationml/2006/main" xmlns:c="http://schemas.openxmlformats.org/drawingml/2006/chart" xmlns:dgm="http://schemas.openxmlformats.org/drawingml/2006/diagram" xmlns:o="urn:schemas-microsoft-com:office:office" xmlns:v="urn:schemas-microsoft-com:vml" xmlns:pvml="urn:schemas-microsoft-com:office:powerpoint" xmlns:com="http://schemas.openxmlformats.org/drawingml/2006/compatibility" xmlns:p14="http://schemas.microsoft.com/office/powerpoint/2010/main" xmlns:p15="http://schemas.microsoft.com/office/powerpoint/2012/main" showMasterPhAnim="0" showMasterSp="0">
+<p:notes xmlns:a="http://schemas.openxmlformats.org/drawingml/2006/main" xmlns:r="http://schemas.openxmlformats.org/officeDocument/2006/relationships" xmlns:p="http://schemas.openxmlformats.org/presentationml/2006/main" showMasterSp="0" showMasterPhAnim="0">
   <p:cSld>
     <p:spTree>
       <p:nvGrpSpPr>
-        <p:cNvPr id="166" name="Shape 166"/>
+        <p:cNvPr id="1" name="Shape 166"/>
         <p:cNvGrpSpPr/>
         <p:nvPr/>
       </p:nvGrpSpPr>
@@ -717,19 +848,26 @@
       <p:sp>
         <p:nvSpPr>
           <p:cNvPr id="167" name="Shape 167"/>
-          <p:cNvSpPr/>
+          <p:cNvSpPr>
+            <a:spLocks noGrp="1" noRot="1" noChangeAspect="1"/>
+          </p:cNvSpPr>
           <p:nvPr>
-            <p:ph idx="2" type="sldImg"/>
+            <p:ph type="sldImg" idx="2"/>
           </p:nvPr>
         </p:nvSpPr>
         <p:spPr>
           <a:xfrm>
-            <a:off x="381300" y="685800"/>
+            <a:off x="381000" y="685800"/>
             <a:ext cx="6096000" cy="3429000"/>
           </a:xfrm>
           <a:custGeom>
+            <a:avLst/>
+            <a:gdLst/>
+            <a:ahLst/>
+            <a:cxnLst/>
+            <a:rect l="0" t="0" r="0" b="0"/>
             <a:pathLst>
-              <a:path extrusionOk="0" h="120000" w="120000">
+              <a:path w="120000" h="120000" extrusionOk="0">
                 <a:moveTo>
                   <a:pt x="0" y="0"/>
                 </a:moveTo>
@@ -751,9 +889,11 @@
       <p:sp>
         <p:nvSpPr>
           <p:cNvPr id="168" name="Shape 168"/>
-          <p:cNvSpPr txBox="1"/>
+          <p:cNvSpPr txBox="1">
+            <a:spLocks noGrp="1"/>
+          </p:cNvSpPr>
           <p:nvPr>
-            <p:ph idx="1" type="body"/>
+            <p:ph type="body" idx="1"/>
           </p:nvPr>
         </p:nvSpPr>
         <p:spPr>
@@ -766,7 +906,7 @@
           </a:prstGeom>
         </p:spPr>
         <p:txBody>
-          <a:bodyPr anchorCtr="0" anchor="t" bIns="91425" lIns="91425" rIns="91425" wrap="square" tIns="91425">
+          <a:bodyPr wrap="square" lIns="91425" tIns="91425" rIns="91425" bIns="91425" anchor="t" anchorCtr="0">
             <a:noAutofit/>
           </a:bodyPr>
           <a:lstStyle/>
@@ -777,9 +917,6 @@
               </a:spcBef>
               <a:buNone/>
             </a:pPr>
-            <a:r>
-              <a:t/>
-            </a:r>
             <a:endParaRPr/>
           </a:p>
         </p:txBody>
@@ -793,11 +930,11 @@
 </file>
 
 <file path=ppt/notesSlides/notesSlide13.xml><?xml version="1.0" encoding="utf-8"?>
-<p:notes xmlns:a="http://schemas.openxmlformats.org/drawingml/2006/main" xmlns:r="http://schemas.openxmlformats.org/officeDocument/2006/relationships" xmlns:mc="http://schemas.openxmlformats.org/markup-compatibility/2006" xmlns:mv="urn:schemas-microsoft-com:mac:vml" xmlns:p="http://schemas.openxmlformats.org/presentationml/2006/main" xmlns:c="http://schemas.openxmlformats.org/drawingml/2006/chart" xmlns:dgm="http://schemas.openxmlformats.org/drawingml/2006/diagram" xmlns:o="urn:schemas-microsoft-com:office:office" xmlns:v="urn:schemas-microsoft-com:vml" xmlns:pvml="urn:schemas-microsoft-com:office:powerpoint" xmlns:com="http://schemas.openxmlformats.org/drawingml/2006/compatibility" xmlns:p14="http://schemas.microsoft.com/office/powerpoint/2010/main" xmlns:p15="http://schemas.microsoft.com/office/powerpoint/2012/main" showMasterPhAnim="0" showMasterSp="0">
+<p:notes xmlns:a="http://schemas.openxmlformats.org/drawingml/2006/main" xmlns:r="http://schemas.openxmlformats.org/officeDocument/2006/relationships" xmlns:p="http://schemas.openxmlformats.org/presentationml/2006/main" showMasterSp="0" showMasterPhAnim="0">
   <p:cSld>
     <p:spTree>
       <p:nvGrpSpPr>
-        <p:cNvPr id="174" name="Shape 174"/>
+        <p:cNvPr id="1" name="Shape 174"/>
         <p:cNvGrpSpPr/>
         <p:nvPr/>
       </p:nvGrpSpPr>
@@ -812,19 +949,26 @@
       <p:sp>
         <p:nvSpPr>
           <p:cNvPr id="175" name="Shape 175"/>
-          <p:cNvSpPr/>
+          <p:cNvSpPr>
+            <a:spLocks noGrp="1" noRot="1" noChangeAspect="1"/>
+          </p:cNvSpPr>
           <p:nvPr>
-            <p:ph idx="2" type="sldImg"/>
+            <p:ph type="sldImg" idx="2"/>
           </p:nvPr>
         </p:nvSpPr>
         <p:spPr>
           <a:xfrm>
-            <a:off x="381300" y="685800"/>
+            <a:off x="381000" y="685800"/>
             <a:ext cx="6096000" cy="3429000"/>
           </a:xfrm>
           <a:custGeom>
+            <a:avLst/>
+            <a:gdLst/>
+            <a:ahLst/>
+            <a:cxnLst/>
+            <a:rect l="0" t="0" r="0" b="0"/>
             <a:pathLst>
-              <a:path extrusionOk="0" h="120000" w="120000">
+              <a:path w="120000" h="120000" extrusionOk="0">
                 <a:moveTo>
                   <a:pt x="0" y="0"/>
                 </a:moveTo>
@@ -846,9 +990,11 @@
       <p:sp>
         <p:nvSpPr>
           <p:cNvPr id="176" name="Shape 176"/>
-          <p:cNvSpPr txBox="1"/>
+          <p:cNvSpPr txBox="1">
+            <a:spLocks noGrp="1"/>
+          </p:cNvSpPr>
           <p:nvPr>
-            <p:ph idx="1" type="body"/>
+            <p:ph type="body" idx="1"/>
           </p:nvPr>
         </p:nvSpPr>
         <p:spPr>
@@ -861,7 +1007,7 @@
           </a:prstGeom>
         </p:spPr>
         <p:txBody>
-          <a:bodyPr anchorCtr="0" anchor="t" bIns="91425" lIns="91425" rIns="91425" wrap="square" tIns="91425">
+          <a:bodyPr wrap="square" lIns="91425" tIns="91425" rIns="91425" bIns="91425" anchor="t" anchorCtr="0">
             <a:noAutofit/>
           </a:bodyPr>
           <a:lstStyle/>
@@ -872,9 +1018,6 @@
               </a:spcBef>
               <a:buNone/>
             </a:pPr>
-            <a:r>
-              <a:t/>
-            </a:r>
             <a:endParaRPr/>
           </a:p>
         </p:txBody>
@@ -888,11 +1031,11 @@
 </file>
 
 <file path=ppt/notesSlides/notesSlide2.xml><?xml version="1.0" encoding="utf-8"?>
-<p:notes xmlns:a="http://schemas.openxmlformats.org/drawingml/2006/main" xmlns:r="http://schemas.openxmlformats.org/officeDocument/2006/relationships" xmlns:mc="http://schemas.openxmlformats.org/markup-compatibility/2006" xmlns:mv="urn:schemas-microsoft-com:mac:vml" xmlns:p="http://schemas.openxmlformats.org/presentationml/2006/main" xmlns:c="http://schemas.openxmlformats.org/drawingml/2006/chart" xmlns:dgm="http://schemas.openxmlformats.org/drawingml/2006/diagram" xmlns:o="urn:schemas-microsoft-com:office:office" xmlns:v="urn:schemas-microsoft-com:vml" xmlns:pvml="urn:schemas-microsoft-com:office:powerpoint" xmlns:com="http://schemas.openxmlformats.org/drawingml/2006/compatibility" xmlns:p14="http://schemas.microsoft.com/office/powerpoint/2010/main" xmlns:p15="http://schemas.microsoft.com/office/powerpoint/2012/main" showMasterPhAnim="0" showMasterSp="0">
+<p:notes xmlns:a="http://schemas.openxmlformats.org/drawingml/2006/main" xmlns:r="http://schemas.openxmlformats.org/officeDocument/2006/relationships" xmlns:p="http://schemas.openxmlformats.org/presentationml/2006/main" showMasterSp="0" showMasterPhAnim="0">
   <p:cSld>
     <p:spTree>
       <p:nvGrpSpPr>
-        <p:cNvPr id="88" name="Shape 88"/>
+        <p:cNvPr id="1" name="Shape 88"/>
         <p:cNvGrpSpPr/>
         <p:nvPr/>
       </p:nvGrpSpPr>
@@ -907,19 +1050,26 @@
       <p:sp>
         <p:nvSpPr>
           <p:cNvPr id="89" name="Shape 89"/>
-          <p:cNvSpPr/>
+          <p:cNvSpPr>
+            <a:spLocks noGrp="1" noRot="1" noChangeAspect="1"/>
+          </p:cNvSpPr>
           <p:nvPr>
-            <p:ph idx="2" type="sldImg"/>
+            <p:ph type="sldImg" idx="2"/>
           </p:nvPr>
         </p:nvSpPr>
         <p:spPr>
           <a:xfrm>
-            <a:off x="381300" y="685800"/>
+            <a:off x="381000" y="685800"/>
             <a:ext cx="6096000" cy="3429000"/>
           </a:xfrm>
           <a:custGeom>
+            <a:avLst/>
+            <a:gdLst/>
+            <a:ahLst/>
+            <a:cxnLst/>
+            <a:rect l="0" t="0" r="0" b="0"/>
             <a:pathLst>
-              <a:path extrusionOk="0" h="120000" w="120000">
+              <a:path w="120000" h="120000" extrusionOk="0">
                 <a:moveTo>
                   <a:pt x="0" y="0"/>
                 </a:moveTo>
@@ -941,9 +1091,11 @@
       <p:sp>
         <p:nvSpPr>
           <p:cNvPr id="90" name="Shape 90"/>
-          <p:cNvSpPr txBox="1"/>
+          <p:cNvSpPr txBox="1">
+            <a:spLocks noGrp="1"/>
+          </p:cNvSpPr>
           <p:nvPr>
-            <p:ph idx="1" type="body"/>
+            <p:ph type="body" idx="1"/>
           </p:nvPr>
         </p:nvSpPr>
         <p:spPr>
@@ -956,7 +1108,7 @@
           </a:prstGeom>
         </p:spPr>
         <p:txBody>
-          <a:bodyPr anchorCtr="0" anchor="t" bIns="91425" lIns="91425" rIns="91425" wrap="square" tIns="91425">
+          <a:bodyPr wrap="square" lIns="91425" tIns="91425" rIns="91425" bIns="91425" anchor="t" anchorCtr="0">
             <a:noAutofit/>
           </a:bodyPr>
           <a:lstStyle/>
@@ -967,9 +1119,6 @@
               </a:spcBef>
               <a:buNone/>
             </a:pPr>
-            <a:r>
-              <a:t/>
-            </a:r>
             <a:endParaRPr/>
           </a:p>
         </p:txBody>
@@ -983,11 +1132,11 @@
 </file>
 
 <file path=ppt/notesSlides/notesSlide3.xml><?xml version="1.0" encoding="utf-8"?>
-<p:notes xmlns:a="http://schemas.openxmlformats.org/drawingml/2006/main" xmlns:r="http://schemas.openxmlformats.org/officeDocument/2006/relationships" xmlns:mc="http://schemas.openxmlformats.org/markup-compatibility/2006" xmlns:mv="urn:schemas-microsoft-com:mac:vml" xmlns:p="http://schemas.openxmlformats.org/presentationml/2006/main" xmlns:c="http://schemas.openxmlformats.org/drawingml/2006/chart" xmlns:dgm="http://schemas.openxmlformats.org/drawingml/2006/diagram" xmlns:o="urn:schemas-microsoft-com:office:office" xmlns:v="urn:schemas-microsoft-com:vml" xmlns:pvml="urn:schemas-microsoft-com:office:powerpoint" xmlns:com="http://schemas.openxmlformats.org/drawingml/2006/compatibility" xmlns:p14="http://schemas.microsoft.com/office/powerpoint/2010/main" xmlns:p15="http://schemas.microsoft.com/office/powerpoint/2012/main" showMasterPhAnim="0" showMasterSp="0">
+<p:notes xmlns:a="http://schemas.openxmlformats.org/drawingml/2006/main" xmlns:r="http://schemas.openxmlformats.org/officeDocument/2006/relationships" xmlns:p="http://schemas.openxmlformats.org/presentationml/2006/main" showMasterSp="0" showMasterPhAnim="0">
   <p:cSld>
     <p:spTree>
       <p:nvGrpSpPr>
-        <p:cNvPr id="95" name="Shape 95"/>
+        <p:cNvPr id="1" name="Shape 95"/>
         <p:cNvGrpSpPr/>
         <p:nvPr/>
       </p:nvGrpSpPr>
@@ -1002,19 +1151,26 @@
       <p:sp>
         <p:nvSpPr>
           <p:cNvPr id="96" name="Shape 96"/>
-          <p:cNvSpPr/>
+          <p:cNvSpPr>
+            <a:spLocks noGrp="1" noRot="1" noChangeAspect="1"/>
+          </p:cNvSpPr>
           <p:nvPr>
-            <p:ph idx="2" type="sldImg"/>
+            <p:ph type="sldImg" idx="2"/>
           </p:nvPr>
         </p:nvSpPr>
         <p:spPr>
           <a:xfrm>
-            <a:off x="381300" y="685800"/>
+            <a:off x="381000" y="685800"/>
             <a:ext cx="6096000" cy="3429000"/>
           </a:xfrm>
           <a:custGeom>
+            <a:avLst/>
+            <a:gdLst/>
+            <a:ahLst/>
+            <a:cxnLst/>
+            <a:rect l="0" t="0" r="0" b="0"/>
             <a:pathLst>
-              <a:path extrusionOk="0" h="120000" w="120000">
+              <a:path w="120000" h="120000" extrusionOk="0">
                 <a:moveTo>
                   <a:pt x="0" y="0"/>
                 </a:moveTo>
@@ -1036,9 +1192,11 @@
       <p:sp>
         <p:nvSpPr>
           <p:cNvPr id="97" name="Shape 97"/>
-          <p:cNvSpPr txBox="1"/>
+          <p:cNvSpPr txBox="1">
+            <a:spLocks noGrp="1"/>
+          </p:cNvSpPr>
           <p:nvPr>
-            <p:ph idx="1" type="body"/>
+            <p:ph type="body" idx="1"/>
           </p:nvPr>
         </p:nvSpPr>
         <p:spPr>
@@ -1051,7 +1209,7 @@
           </a:prstGeom>
         </p:spPr>
         <p:txBody>
-          <a:bodyPr anchorCtr="0" anchor="t" bIns="91425" lIns="91425" rIns="91425" wrap="square" tIns="91425">
+          <a:bodyPr wrap="square" lIns="91425" tIns="91425" rIns="91425" bIns="91425" anchor="t" anchorCtr="0">
             <a:noAutofit/>
           </a:bodyPr>
           <a:lstStyle/>
@@ -1062,9 +1220,6 @@
               </a:spcBef>
               <a:buNone/>
             </a:pPr>
-            <a:r>
-              <a:t/>
-            </a:r>
             <a:endParaRPr/>
           </a:p>
         </p:txBody>
@@ -1078,11 +1233,11 @@
 </file>
 
 <file path=ppt/notesSlides/notesSlide4.xml><?xml version="1.0" encoding="utf-8"?>
-<p:notes xmlns:a="http://schemas.openxmlformats.org/drawingml/2006/main" xmlns:r="http://schemas.openxmlformats.org/officeDocument/2006/relationships" xmlns:mc="http://schemas.openxmlformats.org/markup-compatibility/2006" xmlns:mv="urn:schemas-microsoft-com:mac:vml" xmlns:p="http://schemas.openxmlformats.org/presentationml/2006/main" xmlns:c="http://schemas.openxmlformats.org/drawingml/2006/chart" xmlns:dgm="http://schemas.openxmlformats.org/drawingml/2006/diagram" xmlns:o="urn:schemas-microsoft-com:office:office" xmlns:v="urn:schemas-microsoft-com:vml" xmlns:pvml="urn:schemas-microsoft-com:office:powerpoint" xmlns:com="http://schemas.openxmlformats.org/drawingml/2006/compatibility" xmlns:p14="http://schemas.microsoft.com/office/powerpoint/2010/main" xmlns:p15="http://schemas.microsoft.com/office/powerpoint/2012/main" showMasterPhAnim="0" showMasterSp="0">
+<p:notes xmlns:a="http://schemas.openxmlformats.org/drawingml/2006/main" xmlns:r="http://schemas.openxmlformats.org/officeDocument/2006/relationships" xmlns:p="http://schemas.openxmlformats.org/presentationml/2006/main" showMasterSp="0" showMasterPhAnim="0">
   <p:cSld>
     <p:spTree>
       <p:nvGrpSpPr>
-        <p:cNvPr id="102" name="Shape 102"/>
+        <p:cNvPr id="1" name="Shape 102"/>
         <p:cNvGrpSpPr/>
         <p:nvPr/>
       </p:nvGrpSpPr>
@@ -1097,19 +1252,26 @@
       <p:sp>
         <p:nvSpPr>
           <p:cNvPr id="103" name="Shape 103"/>
-          <p:cNvSpPr/>
+          <p:cNvSpPr>
+            <a:spLocks noGrp="1" noRot="1" noChangeAspect="1"/>
+          </p:cNvSpPr>
           <p:nvPr>
-            <p:ph idx="2" type="sldImg"/>
+            <p:ph type="sldImg" idx="2"/>
           </p:nvPr>
         </p:nvSpPr>
         <p:spPr>
           <a:xfrm>
-            <a:off x="381300" y="685800"/>
+            <a:off x="381000" y="685800"/>
             <a:ext cx="6096000" cy="3429000"/>
           </a:xfrm>
           <a:custGeom>
+            <a:avLst/>
+            <a:gdLst/>
+            <a:ahLst/>
+            <a:cxnLst/>
+            <a:rect l="0" t="0" r="0" b="0"/>
             <a:pathLst>
-              <a:path extrusionOk="0" h="120000" w="120000">
+              <a:path w="120000" h="120000" extrusionOk="0">
                 <a:moveTo>
                   <a:pt x="0" y="0"/>
                 </a:moveTo>
@@ -1131,9 +1293,11 @@
       <p:sp>
         <p:nvSpPr>
           <p:cNvPr id="104" name="Shape 104"/>
-          <p:cNvSpPr txBox="1"/>
+          <p:cNvSpPr txBox="1">
+            <a:spLocks noGrp="1"/>
+          </p:cNvSpPr>
           <p:nvPr>
-            <p:ph idx="1" type="body"/>
+            <p:ph type="body" idx="1"/>
           </p:nvPr>
         </p:nvSpPr>
         <p:spPr>
@@ -1146,7 +1310,7 @@
           </a:prstGeom>
         </p:spPr>
         <p:txBody>
-          <a:bodyPr anchorCtr="0" anchor="t" bIns="91425" lIns="91425" rIns="91425" wrap="square" tIns="91425">
+          <a:bodyPr wrap="square" lIns="91425" tIns="91425" rIns="91425" bIns="91425" anchor="t" anchorCtr="0">
             <a:noAutofit/>
           </a:bodyPr>
           <a:lstStyle/>
@@ -1157,9 +1321,6 @@
               </a:spcBef>
               <a:buNone/>
             </a:pPr>
-            <a:r>
-              <a:t/>
-            </a:r>
             <a:endParaRPr/>
           </a:p>
         </p:txBody>
@@ -1173,11 +1334,11 @@
 </file>
 
 <file path=ppt/notesSlides/notesSlide5.xml><?xml version="1.0" encoding="utf-8"?>
-<p:notes xmlns:a="http://schemas.openxmlformats.org/drawingml/2006/main" xmlns:r="http://schemas.openxmlformats.org/officeDocument/2006/relationships" xmlns:mc="http://schemas.openxmlformats.org/markup-compatibility/2006" xmlns:mv="urn:schemas-microsoft-com:mac:vml" xmlns:p="http://schemas.openxmlformats.org/presentationml/2006/main" xmlns:c="http://schemas.openxmlformats.org/drawingml/2006/chart" xmlns:dgm="http://schemas.openxmlformats.org/drawingml/2006/diagram" xmlns:o="urn:schemas-microsoft-com:office:office" xmlns:v="urn:schemas-microsoft-com:vml" xmlns:pvml="urn:schemas-microsoft-com:office:powerpoint" xmlns:com="http://schemas.openxmlformats.org/drawingml/2006/compatibility" xmlns:p14="http://schemas.microsoft.com/office/powerpoint/2010/main" xmlns:p15="http://schemas.microsoft.com/office/powerpoint/2012/main" showMasterPhAnim="0" showMasterSp="0">
+<p:notes xmlns:a="http://schemas.openxmlformats.org/drawingml/2006/main" xmlns:r="http://schemas.openxmlformats.org/officeDocument/2006/relationships" xmlns:p="http://schemas.openxmlformats.org/presentationml/2006/main" showMasterSp="0" showMasterPhAnim="0">
   <p:cSld>
     <p:spTree>
       <p:nvGrpSpPr>
-        <p:cNvPr id="110" name="Shape 110"/>
+        <p:cNvPr id="1" name="Shape 142"/>
         <p:cNvGrpSpPr/>
         <p:nvPr/>
       </p:nvGrpSpPr>
@@ -1191,20 +1352,27 @@
       </p:grpSpPr>
       <p:sp>
         <p:nvSpPr>
-          <p:cNvPr id="111" name="Shape 111"/>
-          <p:cNvSpPr/>
+          <p:cNvPr id="143" name="Shape 143"/>
+          <p:cNvSpPr>
+            <a:spLocks noGrp="1" noRot="1" noChangeAspect="1"/>
+          </p:cNvSpPr>
           <p:nvPr>
-            <p:ph idx="2" type="sldImg"/>
+            <p:ph type="sldImg" idx="2"/>
           </p:nvPr>
         </p:nvSpPr>
         <p:spPr>
           <a:xfrm>
-            <a:off x="381300" y="685800"/>
+            <a:off x="381000" y="685800"/>
             <a:ext cx="6096000" cy="3429000"/>
           </a:xfrm>
           <a:custGeom>
+            <a:avLst/>
+            <a:gdLst/>
+            <a:ahLst/>
+            <a:cxnLst/>
+            <a:rect l="0" t="0" r="0" b="0"/>
             <a:pathLst>
-              <a:path extrusionOk="0" h="120000" w="120000">
+              <a:path w="120000" h="120000" extrusionOk="0">
                 <a:moveTo>
                   <a:pt x="0" y="0"/>
                 </a:moveTo>
@@ -1225,10 +1393,12 @@
       </p:sp>
       <p:sp>
         <p:nvSpPr>
-          <p:cNvPr id="112" name="Shape 112"/>
-          <p:cNvSpPr txBox="1"/>
+          <p:cNvPr id="144" name="Shape 144"/>
+          <p:cNvSpPr txBox="1">
+            <a:spLocks noGrp="1"/>
+          </p:cNvSpPr>
           <p:nvPr>
-            <p:ph idx="1" type="body"/>
+            <p:ph type="body" idx="1"/>
           </p:nvPr>
         </p:nvSpPr>
         <p:spPr>
@@ -1241,7 +1411,7 @@
           </a:prstGeom>
         </p:spPr>
         <p:txBody>
-          <a:bodyPr anchorCtr="0" anchor="t" bIns="91425" lIns="91425" rIns="91425" wrap="square" tIns="91425">
+          <a:bodyPr wrap="square" lIns="91425" tIns="91425" rIns="91425" bIns="91425" anchor="t" anchorCtr="0">
             <a:noAutofit/>
           </a:bodyPr>
           <a:lstStyle/>
@@ -1252,9 +1422,6 @@
               </a:spcBef>
               <a:buNone/>
             </a:pPr>
-            <a:r>
-              <a:t/>
-            </a:r>
             <a:endParaRPr/>
           </a:p>
         </p:txBody>
@@ -1268,11 +1435,11 @@
 </file>
 
 <file path=ppt/notesSlides/notesSlide6.xml><?xml version="1.0" encoding="utf-8"?>
-<p:notes xmlns:a="http://schemas.openxmlformats.org/drawingml/2006/main" xmlns:r="http://schemas.openxmlformats.org/officeDocument/2006/relationships" xmlns:mc="http://schemas.openxmlformats.org/markup-compatibility/2006" xmlns:mv="urn:schemas-microsoft-com:mac:vml" xmlns:p="http://schemas.openxmlformats.org/presentationml/2006/main" xmlns:c="http://schemas.openxmlformats.org/drawingml/2006/chart" xmlns:dgm="http://schemas.openxmlformats.org/drawingml/2006/diagram" xmlns:o="urn:schemas-microsoft-com:office:office" xmlns:v="urn:schemas-microsoft-com:vml" xmlns:pvml="urn:schemas-microsoft-com:office:powerpoint" xmlns:com="http://schemas.openxmlformats.org/drawingml/2006/compatibility" xmlns:p14="http://schemas.microsoft.com/office/powerpoint/2010/main" xmlns:p15="http://schemas.microsoft.com/office/powerpoint/2012/main" showMasterPhAnim="0" showMasterSp="0">
+<p:notes xmlns:a="http://schemas.openxmlformats.org/drawingml/2006/main" xmlns:r="http://schemas.openxmlformats.org/officeDocument/2006/relationships" xmlns:p="http://schemas.openxmlformats.org/presentationml/2006/main" showMasterSp="0" showMasterPhAnim="0">
   <p:cSld>
     <p:spTree>
       <p:nvGrpSpPr>
-        <p:cNvPr id="118" name="Shape 118"/>
+        <p:cNvPr id="1" name="Shape 134"/>
         <p:cNvGrpSpPr/>
         <p:nvPr/>
       </p:nvGrpSpPr>
@@ -1286,20 +1453,27 @@
       </p:grpSpPr>
       <p:sp>
         <p:nvSpPr>
-          <p:cNvPr id="119" name="Shape 119"/>
-          <p:cNvSpPr/>
+          <p:cNvPr id="135" name="Shape 135"/>
+          <p:cNvSpPr>
+            <a:spLocks noGrp="1" noRot="1" noChangeAspect="1"/>
+          </p:cNvSpPr>
           <p:nvPr>
-            <p:ph idx="2" type="sldImg"/>
+            <p:ph type="sldImg" idx="2"/>
           </p:nvPr>
         </p:nvSpPr>
         <p:spPr>
           <a:xfrm>
-            <a:off x="381300" y="685800"/>
+            <a:off x="381000" y="685800"/>
             <a:ext cx="6096000" cy="3429000"/>
           </a:xfrm>
           <a:custGeom>
+            <a:avLst/>
+            <a:gdLst/>
+            <a:ahLst/>
+            <a:cxnLst/>
+            <a:rect l="0" t="0" r="0" b="0"/>
             <a:pathLst>
-              <a:path extrusionOk="0" h="120000" w="120000">
+              <a:path w="120000" h="120000" extrusionOk="0">
                 <a:moveTo>
                   <a:pt x="0" y="0"/>
                 </a:moveTo>
@@ -1320,10 +1494,12 @@
       </p:sp>
       <p:sp>
         <p:nvSpPr>
-          <p:cNvPr id="120" name="Shape 120"/>
-          <p:cNvSpPr txBox="1"/>
+          <p:cNvPr id="136" name="Shape 136"/>
+          <p:cNvSpPr txBox="1">
+            <a:spLocks noGrp="1"/>
+          </p:cNvSpPr>
           <p:nvPr>
-            <p:ph idx="1" type="body"/>
+            <p:ph type="body" idx="1"/>
           </p:nvPr>
         </p:nvSpPr>
         <p:spPr>
@@ -1336,7 +1512,7 @@
           </a:prstGeom>
         </p:spPr>
         <p:txBody>
-          <a:bodyPr anchorCtr="0" anchor="t" bIns="91425" lIns="91425" rIns="91425" wrap="square" tIns="91425">
+          <a:bodyPr wrap="square" lIns="91425" tIns="91425" rIns="91425" bIns="91425" anchor="t" anchorCtr="0">
             <a:noAutofit/>
           </a:bodyPr>
           <a:lstStyle/>
@@ -1347,9 +1523,6 @@
               </a:spcBef>
               <a:buNone/>
             </a:pPr>
-            <a:r>
-              <a:t/>
-            </a:r>
             <a:endParaRPr/>
           </a:p>
         </p:txBody>
@@ -1363,11 +1536,11 @@
 </file>
 
 <file path=ppt/notesSlides/notesSlide7.xml><?xml version="1.0" encoding="utf-8"?>
-<p:notes xmlns:a="http://schemas.openxmlformats.org/drawingml/2006/main" xmlns:r="http://schemas.openxmlformats.org/officeDocument/2006/relationships" xmlns:mc="http://schemas.openxmlformats.org/markup-compatibility/2006" xmlns:mv="urn:schemas-microsoft-com:mac:vml" xmlns:p="http://schemas.openxmlformats.org/presentationml/2006/main" xmlns:c="http://schemas.openxmlformats.org/drawingml/2006/chart" xmlns:dgm="http://schemas.openxmlformats.org/drawingml/2006/diagram" xmlns:o="urn:schemas-microsoft-com:office:office" xmlns:v="urn:schemas-microsoft-com:vml" xmlns:pvml="urn:schemas-microsoft-com:office:powerpoint" xmlns:com="http://schemas.openxmlformats.org/drawingml/2006/compatibility" xmlns:p14="http://schemas.microsoft.com/office/powerpoint/2010/main" xmlns:p15="http://schemas.microsoft.com/office/powerpoint/2012/main" showMasterPhAnim="0" showMasterSp="0">
+<p:notes xmlns:a="http://schemas.openxmlformats.org/drawingml/2006/main" xmlns:r="http://schemas.openxmlformats.org/officeDocument/2006/relationships" xmlns:p="http://schemas.openxmlformats.org/presentationml/2006/main" showMasterSp="0" showMasterPhAnim="0">
   <p:cSld>
     <p:spTree>
       <p:nvGrpSpPr>
-        <p:cNvPr id="126" name="Shape 126"/>
+        <p:cNvPr id="1" name="Shape 158"/>
         <p:cNvGrpSpPr/>
         <p:nvPr/>
       </p:nvGrpSpPr>
@@ -1381,20 +1554,27 @@
       </p:grpSpPr>
       <p:sp>
         <p:nvSpPr>
-          <p:cNvPr id="127" name="Shape 127"/>
-          <p:cNvSpPr/>
+          <p:cNvPr id="159" name="Shape 159"/>
+          <p:cNvSpPr>
+            <a:spLocks noGrp="1" noRot="1" noChangeAspect="1"/>
+          </p:cNvSpPr>
           <p:nvPr>
-            <p:ph idx="2" type="sldImg"/>
+            <p:ph type="sldImg" idx="2"/>
           </p:nvPr>
         </p:nvSpPr>
         <p:spPr>
           <a:xfrm>
-            <a:off x="381300" y="685800"/>
+            <a:off x="381000" y="685800"/>
             <a:ext cx="6096000" cy="3429000"/>
           </a:xfrm>
           <a:custGeom>
+            <a:avLst/>
+            <a:gdLst/>
+            <a:ahLst/>
+            <a:cxnLst/>
+            <a:rect l="0" t="0" r="0" b="0"/>
             <a:pathLst>
-              <a:path extrusionOk="0" h="120000" w="120000">
+              <a:path w="120000" h="120000" extrusionOk="0">
                 <a:moveTo>
                   <a:pt x="0" y="0"/>
                 </a:moveTo>
@@ -1415,10 +1595,12 @@
       </p:sp>
       <p:sp>
         <p:nvSpPr>
-          <p:cNvPr id="128" name="Shape 128"/>
-          <p:cNvSpPr txBox="1"/>
+          <p:cNvPr id="160" name="Shape 160"/>
+          <p:cNvSpPr txBox="1">
+            <a:spLocks noGrp="1"/>
+          </p:cNvSpPr>
           <p:nvPr>
-            <p:ph idx="1" type="body"/>
+            <p:ph type="body" idx="1"/>
           </p:nvPr>
         </p:nvSpPr>
         <p:spPr>
@@ -1431,7 +1613,7 @@
           </a:prstGeom>
         </p:spPr>
         <p:txBody>
-          <a:bodyPr anchorCtr="0" anchor="t" bIns="91425" lIns="91425" rIns="91425" wrap="square" tIns="91425">
+          <a:bodyPr wrap="square" lIns="91425" tIns="91425" rIns="91425" bIns="91425" anchor="t" anchorCtr="0">
             <a:noAutofit/>
           </a:bodyPr>
           <a:lstStyle/>
@@ -1442,9 +1624,6 @@
               </a:spcBef>
               <a:buNone/>
             </a:pPr>
-            <a:r>
-              <a:t/>
-            </a:r>
             <a:endParaRPr/>
           </a:p>
         </p:txBody>
@@ -1458,11 +1637,11 @@
 </file>
 
 <file path=ppt/notesSlides/notesSlide8.xml><?xml version="1.0" encoding="utf-8"?>
-<p:notes xmlns:a="http://schemas.openxmlformats.org/drawingml/2006/main" xmlns:r="http://schemas.openxmlformats.org/officeDocument/2006/relationships" xmlns:mc="http://schemas.openxmlformats.org/markup-compatibility/2006" xmlns:mv="urn:schemas-microsoft-com:mac:vml" xmlns:p="http://schemas.openxmlformats.org/presentationml/2006/main" xmlns:c="http://schemas.openxmlformats.org/drawingml/2006/chart" xmlns:dgm="http://schemas.openxmlformats.org/drawingml/2006/diagram" xmlns:o="urn:schemas-microsoft-com:office:office" xmlns:v="urn:schemas-microsoft-com:vml" xmlns:pvml="urn:schemas-microsoft-com:office:powerpoint" xmlns:com="http://schemas.openxmlformats.org/drawingml/2006/compatibility" xmlns:p14="http://schemas.microsoft.com/office/powerpoint/2010/main" xmlns:p15="http://schemas.microsoft.com/office/powerpoint/2012/main" showMasterPhAnim="0" showMasterSp="0">
+<p:notes xmlns:a="http://schemas.openxmlformats.org/drawingml/2006/main" xmlns:r="http://schemas.openxmlformats.org/officeDocument/2006/relationships" xmlns:p="http://schemas.openxmlformats.org/presentationml/2006/main" showMasterSp="0" showMasterPhAnim="0">
   <p:cSld>
     <p:spTree>
       <p:nvGrpSpPr>
-        <p:cNvPr id="134" name="Shape 134"/>
+        <p:cNvPr id="1" name="Shape 110"/>
         <p:cNvGrpSpPr/>
         <p:nvPr/>
       </p:nvGrpSpPr>
@@ -1476,20 +1655,27 @@
       </p:grpSpPr>
       <p:sp>
         <p:nvSpPr>
-          <p:cNvPr id="135" name="Shape 135"/>
-          <p:cNvSpPr/>
+          <p:cNvPr id="111" name="Shape 111"/>
+          <p:cNvSpPr>
+            <a:spLocks noGrp="1" noRot="1" noChangeAspect="1"/>
+          </p:cNvSpPr>
           <p:nvPr>
-            <p:ph idx="2" type="sldImg"/>
+            <p:ph type="sldImg" idx="2"/>
           </p:nvPr>
         </p:nvSpPr>
         <p:spPr>
           <a:xfrm>
-            <a:off x="381300" y="685800"/>
+            <a:off x="381000" y="685800"/>
             <a:ext cx="6096000" cy="3429000"/>
           </a:xfrm>
           <a:custGeom>
+            <a:avLst/>
+            <a:gdLst/>
+            <a:ahLst/>
+            <a:cxnLst/>
+            <a:rect l="0" t="0" r="0" b="0"/>
             <a:pathLst>
-              <a:path extrusionOk="0" h="120000" w="120000">
+              <a:path w="120000" h="120000" extrusionOk="0">
                 <a:moveTo>
                   <a:pt x="0" y="0"/>
                 </a:moveTo>
@@ -1510,10 +1696,12 @@
       </p:sp>
       <p:sp>
         <p:nvSpPr>
-          <p:cNvPr id="136" name="Shape 136"/>
-          <p:cNvSpPr txBox="1"/>
+          <p:cNvPr id="112" name="Shape 112"/>
+          <p:cNvSpPr txBox="1">
+            <a:spLocks noGrp="1"/>
+          </p:cNvSpPr>
           <p:nvPr>
-            <p:ph idx="1" type="body"/>
+            <p:ph type="body" idx="1"/>
           </p:nvPr>
         </p:nvSpPr>
         <p:spPr>
@@ -1526,7 +1714,7 @@
           </a:prstGeom>
         </p:spPr>
         <p:txBody>
-          <a:bodyPr anchorCtr="0" anchor="t" bIns="91425" lIns="91425" rIns="91425" wrap="square" tIns="91425">
+          <a:bodyPr wrap="square" lIns="91425" tIns="91425" rIns="91425" bIns="91425" anchor="t" anchorCtr="0">
             <a:noAutofit/>
           </a:bodyPr>
           <a:lstStyle/>
@@ -1537,9 +1725,6 @@
               </a:spcBef>
               <a:buNone/>
             </a:pPr>
-            <a:r>
-              <a:t/>
-            </a:r>
             <a:endParaRPr/>
           </a:p>
         </p:txBody>
@@ -1553,11 +1738,11 @@
 </file>
 
 <file path=ppt/notesSlides/notesSlide9.xml><?xml version="1.0" encoding="utf-8"?>
-<p:notes xmlns:a="http://schemas.openxmlformats.org/drawingml/2006/main" xmlns:r="http://schemas.openxmlformats.org/officeDocument/2006/relationships" xmlns:mc="http://schemas.openxmlformats.org/markup-compatibility/2006" xmlns:mv="urn:schemas-microsoft-com:mac:vml" xmlns:p="http://schemas.openxmlformats.org/presentationml/2006/main" xmlns:c="http://schemas.openxmlformats.org/drawingml/2006/chart" xmlns:dgm="http://schemas.openxmlformats.org/drawingml/2006/diagram" xmlns:o="urn:schemas-microsoft-com:office:office" xmlns:v="urn:schemas-microsoft-com:vml" xmlns:pvml="urn:schemas-microsoft-com:office:powerpoint" xmlns:com="http://schemas.openxmlformats.org/drawingml/2006/compatibility" xmlns:p14="http://schemas.microsoft.com/office/powerpoint/2010/main" xmlns:p15="http://schemas.microsoft.com/office/powerpoint/2012/main" showMasterPhAnim="0" showMasterSp="0">
+<p:notes xmlns:a="http://schemas.openxmlformats.org/drawingml/2006/main" xmlns:r="http://schemas.openxmlformats.org/officeDocument/2006/relationships" xmlns:p="http://schemas.openxmlformats.org/presentationml/2006/main" showMasterSp="0" showMasterPhAnim="0">
   <p:cSld>
     <p:spTree>
       <p:nvGrpSpPr>
-        <p:cNvPr id="142" name="Shape 142"/>
+        <p:cNvPr id="1" name="Shape 118"/>
         <p:cNvGrpSpPr/>
         <p:nvPr/>
       </p:nvGrpSpPr>
@@ -1571,20 +1756,27 @@
       </p:grpSpPr>
       <p:sp>
         <p:nvSpPr>
-          <p:cNvPr id="143" name="Shape 143"/>
-          <p:cNvSpPr/>
+          <p:cNvPr id="119" name="Shape 119"/>
+          <p:cNvSpPr>
+            <a:spLocks noGrp="1" noRot="1" noChangeAspect="1"/>
+          </p:cNvSpPr>
           <p:nvPr>
-            <p:ph idx="2" type="sldImg"/>
+            <p:ph type="sldImg" idx="2"/>
           </p:nvPr>
         </p:nvSpPr>
         <p:spPr>
           <a:xfrm>
-            <a:off x="381300" y="685800"/>
+            <a:off x="381000" y="685800"/>
             <a:ext cx="6096000" cy="3429000"/>
           </a:xfrm>
           <a:custGeom>
+            <a:avLst/>
+            <a:gdLst/>
+            <a:ahLst/>
+            <a:cxnLst/>
+            <a:rect l="0" t="0" r="0" b="0"/>
             <a:pathLst>
-              <a:path extrusionOk="0" h="120000" w="120000">
+              <a:path w="120000" h="120000" extrusionOk="0">
                 <a:moveTo>
                   <a:pt x="0" y="0"/>
                 </a:moveTo>
@@ -1605,10 +1797,12 @@
       </p:sp>
       <p:sp>
         <p:nvSpPr>
-          <p:cNvPr id="144" name="Shape 144"/>
-          <p:cNvSpPr txBox="1"/>
+          <p:cNvPr id="120" name="Shape 120"/>
+          <p:cNvSpPr txBox="1">
+            <a:spLocks noGrp="1"/>
+          </p:cNvSpPr>
           <p:nvPr>
-            <p:ph idx="1" type="body"/>
+            <p:ph type="body" idx="1"/>
           </p:nvPr>
         </p:nvSpPr>
         <p:spPr>
@@ -1621,7 +1815,7 @@
           </a:prstGeom>
         </p:spPr>
         <p:txBody>
-          <a:bodyPr anchorCtr="0" anchor="t" bIns="91425" lIns="91425" rIns="91425" wrap="square" tIns="91425">
+          <a:bodyPr wrap="square" lIns="91425" tIns="91425" rIns="91425" bIns="91425" anchor="t" anchorCtr="0">
             <a:noAutofit/>
           </a:bodyPr>
           <a:lstStyle/>
@@ -1632,9 +1826,6 @@
               </a:spcBef>
               <a:buNone/>
             </a:pPr>
-            <a:r>
-              <a:t/>
-            </a:r>
             <a:endParaRPr/>
           </a:p>
         </p:txBody>
@@ -1648,18 +1839,19 @@
 </file>
 
 <file path=ppt/slideLayouts/slideLayout1.xml><?xml version="1.0" encoding="utf-8"?>
-<p:sldLayout xmlns:a="http://schemas.openxmlformats.org/drawingml/2006/main" xmlns:r="http://schemas.openxmlformats.org/officeDocument/2006/relationships" xmlns:mc="http://schemas.openxmlformats.org/markup-compatibility/2006" xmlns:mv="urn:schemas-microsoft-com:mac:vml" xmlns:p="http://schemas.openxmlformats.org/presentationml/2006/main" xmlns:c="http://schemas.openxmlformats.org/drawingml/2006/chart" xmlns:dgm="http://schemas.openxmlformats.org/drawingml/2006/diagram" xmlns:o="urn:schemas-microsoft-com:office:office" xmlns:v="urn:schemas-microsoft-com:vml" xmlns:pvml="urn:schemas-microsoft-com:office:powerpoint" xmlns:com="http://schemas.openxmlformats.org/drawingml/2006/compatibility" xmlns:p14="http://schemas.microsoft.com/office/powerpoint/2010/main" xmlns:p15="http://schemas.microsoft.com/office/powerpoint/2012/main" type="title">
+<p:sldLayout xmlns:a="http://schemas.openxmlformats.org/drawingml/2006/main" xmlns:r="http://schemas.openxmlformats.org/officeDocument/2006/relationships" xmlns:p="http://schemas.openxmlformats.org/presentationml/2006/main" type="title">
   <p:cSld name="Title slide">
     <p:bg>
       <p:bgPr>
         <a:solidFill>
           <a:schemeClr val="lt2"/>
         </a:solidFill>
+        <a:effectLst/>
       </p:bgPr>
     </p:bg>
     <p:spTree>
       <p:nvGrpSpPr>
-        <p:cNvPr id="9" name="Shape 9"/>
+        <p:cNvPr id="1" name="Shape 9"/>
         <p:cNvGrpSpPr/>
         <p:nvPr/>
       </p:nvGrpSpPr>
@@ -1693,7 +1885,7 @@
           </a:ln>
         </p:spPr>
         <p:txBody>
-          <a:bodyPr anchorCtr="0" anchor="ctr" bIns="91425" lIns="91425" rIns="91425" wrap="square" tIns="91425">
+          <a:bodyPr wrap="square" lIns="91425" tIns="91425" rIns="91425" bIns="91425" anchor="ctr" anchorCtr="0">
             <a:noAutofit/>
           </a:bodyPr>
           <a:lstStyle/>
@@ -1704,9 +1896,6 @@
               </a:spcBef>
               <a:buNone/>
             </a:pPr>
-            <a:r>
-              <a:t/>
-            </a:r>
             <a:endParaRPr/>
           </a:p>
         </p:txBody>
@@ -1747,7 +1936,7 @@
             </a:ln>
           </p:spPr>
           <p:txBody>
-            <a:bodyPr anchorCtr="0" anchor="ctr" bIns="91425" lIns="91425" rIns="91425" wrap="square" tIns="91425">
+            <a:bodyPr wrap="square" lIns="91425" tIns="91425" rIns="91425" bIns="91425" anchor="ctr" anchorCtr="0">
               <a:noAutofit/>
             </a:bodyPr>
             <a:lstStyle/>
@@ -1758,9 +1947,6 @@
                 </a:spcBef>
                 <a:buNone/>
               </a:pPr>
-              <a:r>
-                <a:t/>
-              </a:r>
               <a:endParaRPr/>
             </a:p>
           </p:txBody>
@@ -1787,7 +1973,7 @@
             </a:ln>
           </p:spPr>
           <p:txBody>
-            <a:bodyPr anchorCtr="0" anchor="ctr" bIns="91425" lIns="91425" rIns="91425" wrap="square" tIns="91425">
+            <a:bodyPr wrap="square" lIns="91425" tIns="91425" rIns="91425" bIns="91425" anchor="ctr" anchorCtr="0">
               <a:noAutofit/>
             </a:bodyPr>
             <a:lstStyle/>
@@ -1798,9 +1984,6 @@
                 </a:spcBef>
                 <a:buNone/>
               </a:pPr>
-              <a:r>
-                <a:t/>
-              </a:r>
               <a:endParaRPr/>
             </a:p>
           </p:txBody>
@@ -1809,7 +1992,9 @@
       <p:sp>
         <p:nvSpPr>
           <p:cNvPr id="14" name="Shape 14"/>
-          <p:cNvSpPr txBox="1"/>
+          <p:cNvSpPr txBox="1">
+            <a:spLocks noGrp="1"/>
+          </p:cNvSpPr>
           <p:nvPr>
             <p:ph type="ctrTitle"/>
           </p:nvPr>
@@ -1824,7 +2009,7 @@
           </a:prstGeom>
         </p:spPr>
         <p:txBody>
-          <a:bodyPr anchorCtr="0" anchor="t" bIns="91425" lIns="91425" rIns="91425" wrap="square" tIns="91425"/>
+          <a:bodyPr wrap="square" lIns="91425" tIns="91425" rIns="91425" bIns="91425" anchor="t" anchorCtr="0"/>
           <a:lstStyle>
             <a:lvl1pPr lvl="0">
               <a:spcBef>
@@ -1953,15 +2138,19 @@
               </a:defRPr>
             </a:lvl9pPr>
           </a:lstStyle>
-          <a:p/>
+          <a:p>
+            <a:endParaRPr/>
+          </a:p>
         </p:txBody>
       </p:sp>
       <p:sp>
         <p:nvSpPr>
           <p:cNvPr id="15" name="Shape 15"/>
-          <p:cNvSpPr txBox="1"/>
+          <p:cNvSpPr txBox="1">
+            <a:spLocks noGrp="1"/>
+          </p:cNvSpPr>
           <p:nvPr>
-            <p:ph idx="1" type="subTitle"/>
+            <p:ph type="subTitle" idx="1"/>
           </p:nvPr>
         </p:nvSpPr>
         <p:spPr>
@@ -1974,7 +2163,7 @@
           </a:prstGeom>
         </p:spPr>
         <p:txBody>
-          <a:bodyPr anchorCtr="0" anchor="t" bIns="91425" lIns="91425" rIns="91425" wrap="square" tIns="91425"/>
+          <a:bodyPr wrap="square" lIns="91425" tIns="91425" rIns="91425" bIns="91425" anchor="t" anchorCtr="0"/>
           <a:lstStyle>
             <a:lvl1pPr lvl="0">
               <a:lnSpc>
@@ -2103,15 +2292,19 @@
               <a:defRPr sz="1600"/>
             </a:lvl9pPr>
           </a:lstStyle>
-          <a:p/>
+          <a:p>
+            <a:endParaRPr/>
+          </a:p>
         </p:txBody>
       </p:sp>
       <p:sp>
         <p:nvSpPr>
           <p:cNvPr id="16" name="Shape 16"/>
-          <p:cNvSpPr txBox="1"/>
+          <p:cNvSpPr txBox="1">
+            <a:spLocks noGrp="1"/>
+          </p:cNvSpPr>
           <p:nvPr>
-            <p:ph idx="12" type="sldNum"/>
+            <p:ph type="sldNum" idx="12"/>
           </p:nvPr>
         </p:nvSpPr>
         <p:spPr>
@@ -2124,7 +2317,7 @@
           </a:prstGeom>
         </p:spPr>
         <p:txBody>
-          <a:bodyPr anchorCtr="0" anchor="ctr" bIns="91425" lIns="91425" rIns="91425" wrap="square" tIns="91425">
+          <a:bodyPr wrap="square" lIns="91425" tIns="91425" rIns="91425" bIns="91425" anchor="ctr" anchorCtr="0">
             <a:noAutofit/>
           </a:bodyPr>
           <a:lstStyle/>
@@ -2137,8 +2330,9 @@
             </a:pPr>
             <a:fld id="{00000000-1234-1234-1234-123412341234}" type="slidenum">
               <a:rPr lang="en"/>
-              <a:t>‹#›</a:t>
+              <a:t>‹Nr.›</a:t>
             </a:fld>
+            <a:endParaRPr lang="en"/>
           </a:p>
         </p:txBody>
       </p:sp>
@@ -2151,18 +2345,19 @@
 </file>
 
 <file path=ppt/slideLayouts/slideLayout10.xml><?xml version="1.0" encoding="utf-8"?>
-<p:sldLayout xmlns:a="http://schemas.openxmlformats.org/drawingml/2006/main" xmlns:r="http://schemas.openxmlformats.org/officeDocument/2006/relationships" xmlns:mc="http://schemas.openxmlformats.org/markup-compatibility/2006" xmlns:mv="urn:schemas-microsoft-com:mac:vml" xmlns:p="http://schemas.openxmlformats.org/presentationml/2006/main" xmlns:c="http://schemas.openxmlformats.org/drawingml/2006/chart" xmlns:dgm="http://schemas.openxmlformats.org/drawingml/2006/diagram" xmlns:o="urn:schemas-microsoft-com:office:office" xmlns:v="urn:schemas-microsoft-com:vml" xmlns:pvml="urn:schemas-microsoft-com:office:powerpoint" xmlns:com="http://schemas.openxmlformats.org/drawingml/2006/compatibility" xmlns:p14="http://schemas.microsoft.com/office/powerpoint/2010/main" xmlns:p15="http://schemas.microsoft.com/office/powerpoint/2012/main">
+<p:sldLayout xmlns:a="http://schemas.openxmlformats.org/drawingml/2006/main" xmlns:r="http://schemas.openxmlformats.org/officeDocument/2006/relationships" xmlns:p="http://schemas.openxmlformats.org/presentationml/2006/main">
   <p:cSld name="Big number">
     <p:bg>
       <p:bgPr>
         <a:solidFill>
           <a:schemeClr val="dk1"/>
         </a:solidFill>
+        <a:effectLst/>
       </p:bgPr>
     </p:bg>
     <p:spTree>
       <p:nvGrpSpPr>
-        <p:cNvPr id="73" name="Shape 73"/>
+        <p:cNvPr id="1" name="Shape 73"/>
         <p:cNvGrpSpPr/>
         <p:nvPr/>
       </p:nvGrpSpPr>
@@ -2210,7 +2405,7 @@
             </a:ln>
           </p:spPr>
           <p:txBody>
-            <a:bodyPr anchorCtr="0" anchor="ctr" bIns="91425" lIns="91425" rIns="91425" wrap="square" tIns="91425">
+            <a:bodyPr wrap="square" lIns="91425" tIns="91425" rIns="91425" bIns="91425" anchor="ctr" anchorCtr="0">
               <a:noAutofit/>
             </a:bodyPr>
             <a:lstStyle/>
@@ -2221,9 +2416,6 @@
                 </a:spcBef>
                 <a:buNone/>
               </a:pPr>
-              <a:r>
-                <a:t/>
-              </a:r>
               <a:endParaRPr/>
             </a:p>
           </p:txBody>
@@ -2250,7 +2442,7 @@
             </a:ln>
           </p:spPr>
           <p:txBody>
-            <a:bodyPr anchorCtr="0" anchor="ctr" bIns="91425" lIns="91425" rIns="91425" wrap="square" tIns="91425">
+            <a:bodyPr wrap="square" lIns="91425" tIns="91425" rIns="91425" bIns="91425" anchor="ctr" anchorCtr="0">
               <a:noAutofit/>
             </a:bodyPr>
             <a:lstStyle/>
@@ -2261,9 +2453,6 @@
                 </a:spcBef>
                 <a:buNone/>
               </a:pPr>
-              <a:r>
-                <a:t/>
-              </a:r>
               <a:endParaRPr/>
             </a:p>
           </p:txBody>
@@ -2272,7 +2461,9 @@
       <p:sp>
         <p:nvSpPr>
           <p:cNvPr id="77" name="Shape 77"/>
-          <p:cNvSpPr txBox="1"/>
+          <p:cNvSpPr txBox="1">
+            <a:spLocks noGrp="1"/>
+          </p:cNvSpPr>
           <p:nvPr>
             <p:ph type="title"/>
           </p:nvPr>
@@ -2287,7 +2478,7 @@
           </a:prstGeom>
         </p:spPr>
         <p:txBody>
-          <a:bodyPr anchorCtr="0" anchor="t" bIns="91425" lIns="91425" rIns="91425" wrap="square" tIns="91425"/>
+          <a:bodyPr wrap="square" lIns="91425" tIns="91425" rIns="91425" bIns="91425" anchor="t" anchorCtr="0"/>
           <a:lstStyle>
             <a:lvl1pPr lvl="0">
               <a:spcBef>
@@ -2416,15 +2607,19 @@
               </a:defRPr>
             </a:lvl9pPr>
           </a:lstStyle>
-          <a:p/>
+          <a:p>
+            <a:endParaRPr/>
+          </a:p>
         </p:txBody>
       </p:sp>
       <p:sp>
         <p:nvSpPr>
           <p:cNvPr id="78" name="Shape 78"/>
-          <p:cNvSpPr txBox="1"/>
+          <p:cNvSpPr txBox="1">
+            <a:spLocks noGrp="1"/>
+          </p:cNvSpPr>
           <p:nvPr>
-            <p:ph idx="1" type="body"/>
+            <p:ph type="body" idx="1"/>
           </p:nvPr>
         </p:nvSpPr>
         <p:spPr>
@@ -2437,7 +2632,7 @@
           </a:prstGeom>
         </p:spPr>
         <p:txBody>
-          <a:bodyPr anchorCtr="0" anchor="t" bIns="91425" lIns="91425" rIns="91425" wrap="square" tIns="91425"/>
+          <a:bodyPr wrap="square" lIns="91425" tIns="91425" rIns="91425" bIns="91425" anchor="t" anchorCtr="0"/>
           <a:lstStyle>
             <a:lvl1pPr lvl="0">
               <a:spcBef>
@@ -2557,15 +2752,19 @@
               </a:defRPr>
             </a:lvl9pPr>
           </a:lstStyle>
-          <a:p/>
+          <a:p>
+            <a:endParaRPr/>
+          </a:p>
         </p:txBody>
       </p:sp>
       <p:sp>
         <p:nvSpPr>
           <p:cNvPr id="79" name="Shape 79"/>
-          <p:cNvSpPr txBox="1"/>
+          <p:cNvSpPr txBox="1">
+            <a:spLocks noGrp="1"/>
+          </p:cNvSpPr>
           <p:nvPr>
-            <p:ph idx="12" type="sldNum"/>
+            <p:ph type="sldNum" idx="12"/>
           </p:nvPr>
         </p:nvSpPr>
         <p:spPr>
@@ -2578,7 +2777,7 @@
           </a:prstGeom>
         </p:spPr>
         <p:txBody>
-          <a:bodyPr anchorCtr="0" anchor="ctr" bIns="91425" lIns="91425" rIns="91425" wrap="square" tIns="91425">
+          <a:bodyPr wrap="square" lIns="91425" tIns="91425" rIns="91425" bIns="91425" anchor="ctr" anchorCtr="0">
             <a:noAutofit/>
           </a:bodyPr>
           <a:lstStyle/>
@@ -2595,8 +2794,13 @@
                   <a:schemeClr val="lt1"/>
                 </a:solidFill>
               </a:rPr>
-              <a:t>‹#›</a:t>
+              <a:t>‹Nr.›</a:t>
             </a:fld>
+            <a:endParaRPr lang="en">
+              <a:solidFill>
+                <a:schemeClr val="lt1"/>
+              </a:solidFill>
+            </a:endParaRPr>
           </a:p>
         </p:txBody>
       </p:sp>
@@ -2609,11 +2813,11 @@
 </file>
 
 <file path=ppt/slideLayouts/slideLayout11.xml><?xml version="1.0" encoding="utf-8"?>
-<p:sldLayout xmlns:a="http://schemas.openxmlformats.org/drawingml/2006/main" xmlns:r="http://schemas.openxmlformats.org/officeDocument/2006/relationships" xmlns:mc="http://schemas.openxmlformats.org/markup-compatibility/2006" xmlns:mv="urn:schemas-microsoft-com:mac:vml" xmlns:p="http://schemas.openxmlformats.org/presentationml/2006/main" xmlns:c="http://schemas.openxmlformats.org/drawingml/2006/chart" xmlns:dgm="http://schemas.openxmlformats.org/drawingml/2006/diagram" xmlns:o="urn:schemas-microsoft-com:office:office" xmlns:v="urn:schemas-microsoft-com:vml" xmlns:pvml="urn:schemas-microsoft-com:office:powerpoint" xmlns:com="http://schemas.openxmlformats.org/drawingml/2006/compatibility" xmlns:p14="http://schemas.microsoft.com/office/powerpoint/2010/main" xmlns:p15="http://schemas.microsoft.com/office/powerpoint/2012/main" type="blank">
+<p:sldLayout xmlns:a="http://schemas.openxmlformats.org/drawingml/2006/main" xmlns:r="http://schemas.openxmlformats.org/officeDocument/2006/relationships" xmlns:p="http://schemas.openxmlformats.org/presentationml/2006/main" type="blank">
   <p:cSld name="Blank">
     <p:spTree>
       <p:nvGrpSpPr>
-        <p:cNvPr id="80" name="Shape 80"/>
+        <p:cNvPr id="1" name="Shape 80"/>
         <p:cNvGrpSpPr/>
         <p:nvPr/>
       </p:nvGrpSpPr>
@@ -2628,9 +2832,11 @@
       <p:sp>
         <p:nvSpPr>
           <p:cNvPr id="81" name="Shape 81"/>
-          <p:cNvSpPr txBox="1"/>
+          <p:cNvSpPr txBox="1">
+            <a:spLocks noGrp="1"/>
+          </p:cNvSpPr>
           <p:nvPr>
-            <p:ph idx="12" type="sldNum"/>
+            <p:ph type="sldNum" idx="12"/>
           </p:nvPr>
         </p:nvSpPr>
         <p:spPr>
@@ -2643,7 +2849,7 @@
           </a:prstGeom>
         </p:spPr>
         <p:txBody>
-          <a:bodyPr anchorCtr="0" anchor="ctr" bIns="91425" lIns="91425" rIns="91425" wrap="square" tIns="91425">
+          <a:bodyPr wrap="square" lIns="91425" tIns="91425" rIns="91425" bIns="91425" anchor="ctr" anchorCtr="0">
             <a:noAutofit/>
           </a:bodyPr>
           <a:lstStyle/>
@@ -2656,8 +2862,9 @@
             </a:pPr>
             <a:fld id="{00000000-1234-1234-1234-123412341234}" type="slidenum">
               <a:rPr lang="en"/>
-              <a:t>‹#›</a:t>
+              <a:t>‹Nr.›</a:t>
             </a:fld>
+            <a:endParaRPr lang="en"/>
           </a:p>
         </p:txBody>
       </p:sp>
@@ -2670,18 +2877,19 @@
 </file>
 
 <file path=ppt/slideLayouts/slideLayout2.xml><?xml version="1.0" encoding="utf-8"?>
-<p:sldLayout xmlns:a="http://schemas.openxmlformats.org/drawingml/2006/main" xmlns:r="http://schemas.openxmlformats.org/officeDocument/2006/relationships" xmlns:mc="http://schemas.openxmlformats.org/markup-compatibility/2006" xmlns:mv="urn:schemas-microsoft-com:mac:vml" xmlns:p="http://schemas.openxmlformats.org/presentationml/2006/main" xmlns:c="http://schemas.openxmlformats.org/drawingml/2006/chart" xmlns:dgm="http://schemas.openxmlformats.org/drawingml/2006/diagram" xmlns:o="urn:schemas-microsoft-com:office:office" xmlns:v="urn:schemas-microsoft-com:vml" xmlns:pvml="urn:schemas-microsoft-com:office:powerpoint" xmlns:com="http://schemas.openxmlformats.org/drawingml/2006/compatibility" xmlns:p14="http://schemas.microsoft.com/office/powerpoint/2010/main" xmlns:p15="http://schemas.microsoft.com/office/powerpoint/2012/main" type="secHead">
+<p:sldLayout xmlns:a="http://schemas.openxmlformats.org/drawingml/2006/main" xmlns:r="http://schemas.openxmlformats.org/officeDocument/2006/relationships" xmlns:p="http://schemas.openxmlformats.org/presentationml/2006/main" type="secHead">
   <p:cSld name="Section header">
     <p:bg>
       <p:bgPr>
         <a:solidFill>
           <a:schemeClr val="dk1"/>
         </a:solidFill>
+        <a:effectLst/>
       </p:bgPr>
     </p:bg>
     <p:spTree>
       <p:nvGrpSpPr>
-        <p:cNvPr id="17" name="Shape 17"/>
+        <p:cNvPr id="1" name="Shape 17"/>
         <p:cNvGrpSpPr/>
         <p:nvPr/>
       </p:nvGrpSpPr>
@@ -2729,7 +2937,7 @@
             </a:ln>
           </p:spPr>
           <p:txBody>
-            <a:bodyPr anchorCtr="0" anchor="ctr" bIns="91425" lIns="91425" rIns="91425" wrap="square" tIns="91425">
+            <a:bodyPr wrap="square" lIns="91425" tIns="91425" rIns="91425" bIns="91425" anchor="ctr" anchorCtr="0">
               <a:noAutofit/>
             </a:bodyPr>
             <a:lstStyle/>
@@ -2740,9 +2948,6 @@
                 </a:spcBef>
                 <a:buNone/>
               </a:pPr>
-              <a:r>
-                <a:t/>
-              </a:r>
               <a:endParaRPr/>
             </a:p>
           </p:txBody>
@@ -2769,7 +2974,7 @@
             </a:ln>
           </p:spPr>
           <p:txBody>
-            <a:bodyPr anchorCtr="0" anchor="ctr" bIns="91425" lIns="91425" rIns="91425" wrap="square" tIns="91425">
+            <a:bodyPr wrap="square" lIns="91425" tIns="91425" rIns="91425" bIns="91425" anchor="ctr" anchorCtr="0">
               <a:noAutofit/>
             </a:bodyPr>
             <a:lstStyle/>
@@ -2780,9 +2985,6 @@
                 </a:spcBef>
                 <a:buNone/>
               </a:pPr>
-              <a:r>
-                <a:t/>
-              </a:r>
               <a:endParaRPr/>
             </a:p>
           </p:txBody>
@@ -2791,7 +2993,9 @@
       <p:sp>
         <p:nvSpPr>
           <p:cNvPr id="21" name="Shape 21"/>
-          <p:cNvSpPr txBox="1"/>
+          <p:cNvSpPr txBox="1">
+            <a:spLocks noGrp="1"/>
+          </p:cNvSpPr>
           <p:nvPr>
             <p:ph type="title"/>
           </p:nvPr>
@@ -2806,7 +3010,7 @@
           </a:prstGeom>
         </p:spPr>
         <p:txBody>
-          <a:bodyPr anchorCtr="0" anchor="t" bIns="91425" lIns="91425" rIns="91425" wrap="square" tIns="91425"/>
+          <a:bodyPr wrap="square" lIns="91425" tIns="91425" rIns="91425" bIns="91425" anchor="t" anchorCtr="0"/>
           <a:lstStyle>
             <a:lvl1pPr lvl="0">
               <a:spcBef>
@@ -2935,15 +3139,19 @@
               </a:defRPr>
             </a:lvl9pPr>
           </a:lstStyle>
-          <a:p/>
+          <a:p>
+            <a:endParaRPr/>
+          </a:p>
         </p:txBody>
       </p:sp>
       <p:sp>
         <p:nvSpPr>
           <p:cNvPr id="22" name="Shape 22"/>
-          <p:cNvSpPr txBox="1"/>
+          <p:cNvSpPr txBox="1">
+            <a:spLocks noGrp="1"/>
+          </p:cNvSpPr>
           <p:nvPr>
-            <p:ph idx="12" type="sldNum"/>
+            <p:ph type="sldNum" idx="12"/>
           </p:nvPr>
         </p:nvSpPr>
         <p:spPr>
@@ -2956,7 +3164,7 @@
           </a:prstGeom>
         </p:spPr>
         <p:txBody>
-          <a:bodyPr anchorCtr="0" anchor="ctr" bIns="91425" lIns="91425" rIns="91425" wrap="square" tIns="91425">
+          <a:bodyPr wrap="square" lIns="91425" tIns="91425" rIns="91425" bIns="91425" anchor="ctr" anchorCtr="0">
             <a:noAutofit/>
           </a:bodyPr>
           <a:lstStyle/>
@@ -2973,8 +3181,13 @@
                   <a:schemeClr val="lt1"/>
                 </a:solidFill>
               </a:rPr>
-              <a:t>‹#›</a:t>
+              <a:t>‹Nr.›</a:t>
             </a:fld>
+            <a:endParaRPr lang="en">
+              <a:solidFill>
+                <a:schemeClr val="lt1"/>
+              </a:solidFill>
+            </a:endParaRPr>
           </a:p>
         </p:txBody>
       </p:sp>
@@ -2987,11 +3200,11 @@
 </file>
 
 <file path=ppt/slideLayouts/slideLayout3.xml><?xml version="1.0" encoding="utf-8"?>
-<p:sldLayout xmlns:a="http://schemas.openxmlformats.org/drawingml/2006/main" xmlns:r="http://schemas.openxmlformats.org/officeDocument/2006/relationships" xmlns:mc="http://schemas.openxmlformats.org/markup-compatibility/2006" xmlns:mv="urn:schemas-microsoft-com:mac:vml" xmlns:p="http://schemas.openxmlformats.org/presentationml/2006/main" xmlns:c="http://schemas.openxmlformats.org/drawingml/2006/chart" xmlns:dgm="http://schemas.openxmlformats.org/drawingml/2006/diagram" xmlns:o="urn:schemas-microsoft-com:office:office" xmlns:v="urn:schemas-microsoft-com:vml" xmlns:pvml="urn:schemas-microsoft-com:office:powerpoint" xmlns:com="http://schemas.openxmlformats.org/drawingml/2006/compatibility" xmlns:p14="http://schemas.microsoft.com/office/powerpoint/2010/main" xmlns:p15="http://schemas.microsoft.com/office/powerpoint/2012/main" type="tx">
+<p:sldLayout xmlns:a="http://schemas.openxmlformats.org/drawingml/2006/main" xmlns:r="http://schemas.openxmlformats.org/officeDocument/2006/relationships" xmlns:p="http://schemas.openxmlformats.org/presentationml/2006/main" type="tx">
   <p:cSld name="Title and body">
     <p:spTree>
       <p:nvGrpSpPr>
-        <p:cNvPr id="23" name="Shape 23"/>
+        <p:cNvPr id="1" name="Shape 23"/>
         <p:cNvGrpSpPr/>
         <p:nvPr/>
       </p:nvGrpSpPr>
@@ -3025,7 +3238,7 @@
           </a:ln>
         </p:spPr>
         <p:txBody>
-          <a:bodyPr anchorCtr="0" anchor="ctr" bIns="91425" lIns="91425" rIns="91425" wrap="square" tIns="91425">
+          <a:bodyPr wrap="square" lIns="91425" tIns="91425" rIns="91425" bIns="91425" anchor="ctr" anchorCtr="0">
             <a:noAutofit/>
           </a:bodyPr>
           <a:lstStyle/>
@@ -3036,9 +3249,6 @@
               </a:spcBef>
               <a:buNone/>
             </a:pPr>
-            <a:r>
-              <a:t/>
-            </a:r>
             <a:endParaRPr/>
           </a:p>
         </p:txBody>
@@ -3079,7 +3289,7 @@
             </a:ln>
           </p:spPr>
           <p:txBody>
-            <a:bodyPr anchorCtr="0" anchor="ctr" bIns="91425" lIns="91425" rIns="91425" wrap="square" tIns="91425">
+            <a:bodyPr wrap="square" lIns="91425" tIns="91425" rIns="91425" bIns="91425" anchor="ctr" anchorCtr="0">
               <a:noAutofit/>
             </a:bodyPr>
             <a:lstStyle/>
@@ -3090,9 +3300,6 @@
                 </a:spcBef>
                 <a:buNone/>
               </a:pPr>
-              <a:r>
-                <a:t/>
-              </a:r>
               <a:endParaRPr/>
             </a:p>
           </p:txBody>
@@ -3119,7 +3326,7 @@
             </a:ln>
           </p:spPr>
           <p:txBody>
-            <a:bodyPr anchorCtr="0" anchor="ctr" bIns="91425" lIns="91425" rIns="91425" wrap="square" tIns="91425">
+            <a:bodyPr wrap="square" lIns="91425" tIns="91425" rIns="91425" bIns="91425" anchor="ctr" anchorCtr="0">
               <a:noAutofit/>
             </a:bodyPr>
             <a:lstStyle/>
@@ -3130,9 +3337,6 @@
                 </a:spcBef>
                 <a:buNone/>
               </a:pPr>
-              <a:r>
-                <a:t/>
-              </a:r>
               <a:endParaRPr/>
             </a:p>
           </p:txBody>
@@ -3141,7 +3345,9 @@
       <p:sp>
         <p:nvSpPr>
           <p:cNvPr id="28" name="Shape 28"/>
-          <p:cNvSpPr txBox="1"/>
+          <p:cNvSpPr txBox="1">
+            <a:spLocks noGrp="1"/>
+          </p:cNvSpPr>
           <p:nvPr>
             <p:ph type="title"/>
           </p:nvPr>
@@ -3156,7 +3362,7 @@
           </a:prstGeom>
         </p:spPr>
         <p:txBody>
-          <a:bodyPr anchorCtr="0" anchor="t" bIns="91425" lIns="91425" rIns="91425" wrap="square" tIns="91425"/>
+          <a:bodyPr wrap="square" lIns="91425" tIns="91425" rIns="91425" bIns="91425" anchor="t" anchorCtr="0"/>
           <a:lstStyle>
             <a:lvl1pPr lvl="0">
               <a:spcBef>
@@ -3285,15 +3491,19 @@
               </a:defRPr>
             </a:lvl9pPr>
           </a:lstStyle>
-          <a:p/>
+          <a:p>
+            <a:endParaRPr/>
+          </a:p>
         </p:txBody>
       </p:sp>
       <p:sp>
         <p:nvSpPr>
           <p:cNvPr id="29" name="Shape 29"/>
-          <p:cNvSpPr txBox="1"/>
+          <p:cNvSpPr txBox="1">
+            <a:spLocks noGrp="1"/>
+          </p:cNvSpPr>
           <p:nvPr>
-            <p:ph idx="1" type="body"/>
+            <p:ph type="body" idx="1"/>
           </p:nvPr>
         </p:nvSpPr>
         <p:spPr>
@@ -3306,7 +3516,7 @@
           </a:prstGeom>
         </p:spPr>
         <p:txBody>
-          <a:bodyPr anchorCtr="0" anchor="t" bIns="91425" lIns="91425" rIns="91425" wrap="square" tIns="91425"/>
+          <a:bodyPr wrap="square" lIns="91425" tIns="91425" rIns="91425" bIns="91425" anchor="t" anchorCtr="0"/>
           <a:lstStyle>
             <a:lvl1pPr lvl="0">
               <a:spcBef>
@@ -3363,15 +3573,19 @@
               <a:defRPr/>
             </a:lvl9pPr>
           </a:lstStyle>
-          <a:p/>
+          <a:p>
+            <a:endParaRPr/>
+          </a:p>
         </p:txBody>
       </p:sp>
       <p:sp>
         <p:nvSpPr>
           <p:cNvPr id="30" name="Shape 30"/>
-          <p:cNvSpPr txBox="1"/>
+          <p:cNvSpPr txBox="1">
+            <a:spLocks noGrp="1"/>
+          </p:cNvSpPr>
           <p:nvPr>
-            <p:ph idx="12" type="sldNum"/>
+            <p:ph type="sldNum" idx="12"/>
           </p:nvPr>
         </p:nvSpPr>
         <p:spPr>
@@ -3384,7 +3598,7 @@
           </a:prstGeom>
         </p:spPr>
         <p:txBody>
-          <a:bodyPr anchorCtr="0" anchor="ctr" bIns="91425" lIns="91425" rIns="91425" wrap="square" tIns="91425">
+          <a:bodyPr wrap="square" lIns="91425" tIns="91425" rIns="91425" bIns="91425" anchor="ctr" anchorCtr="0">
             <a:noAutofit/>
           </a:bodyPr>
           <a:lstStyle/>
@@ -3397,8 +3611,9 @@
             </a:pPr>
             <a:fld id="{00000000-1234-1234-1234-123412341234}" type="slidenum">
               <a:rPr lang="en"/>
-              <a:t>‹#›</a:t>
+              <a:t>‹Nr.›</a:t>
             </a:fld>
+            <a:endParaRPr lang="en"/>
           </a:p>
         </p:txBody>
       </p:sp>
@@ -3411,11 +3626,11 @@
 </file>
 
 <file path=ppt/slideLayouts/slideLayout4.xml><?xml version="1.0" encoding="utf-8"?>
-<p:sldLayout xmlns:a="http://schemas.openxmlformats.org/drawingml/2006/main" xmlns:r="http://schemas.openxmlformats.org/officeDocument/2006/relationships" xmlns:mc="http://schemas.openxmlformats.org/markup-compatibility/2006" xmlns:mv="urn:schemas-microsoft-com:mac:vml" xmlns:p="http://schemas.openxmlformats.org/presentationml/2006/main" xmlns:c="http://schemas.openxmlformats.org/drawingml/2006/chart" xmlns:dgm="http://schemas.openxmlformats.org/drawingml/2006/diagram" xmlns:o="urn:schemas-microsoft-com:office:office" xmlns:v="urn:schemas-microsoft-com:vml" xmlns:pvml="urn:schemas-microsoft-com:office:powerpoint" xmlns:com="http://schemas.openxmlformats.org/drawingml/2006/compatibility" xmlns:p14="http://schemas.microsoft.com/office/powerpoint/2010/main" xmlns:p15="http://schemas.microsoft.com/office/powerpoint/2012/main" type="twoColTx">
+<p:sldLayout xmlns:a="http://schemas.openxmlformats.org/drawingml/2006/main" xmlns:r="http://schemas.openxmlformats.org/officeDocument/2006/relationships" xmlns:p="http://schemas.openxmlformats.org/presentationml/2006/main" type="twoColTx">
   <p:cSld name="Title and two columns">
     <p:spTree>
       <p:nvGrpSpPr>
-        <p:cNvPr id="31" name="Shape 31"/>
+        <p:cNvPr id="1" name="Shape 31"/>
         <p:cNvGrpSpPr/>
         <p:nvPr/>
       </p:nvGrpSpPr>
@@ -3449,7 +3664,7 @@
           </a:ln>
         </p:spPr>
         <p:txBody>
-          <a:bodyPr anchorCtr="0" anchor="ctr" bIns="91425" lIns="91425" rIns="91425" wrap="square" tIns="91425">
+          <a:bodyPr wrap="square" lIns="91425" tIns="91425" rIns="91425" bIns="91425" anchor="ctr" anchorCtr="0">
             <a:noAutofit/>
           </a:bodyPr>
           <a:lstStyle/>
@@ -3460,9 +3675,6 @@
               </a:spcBef>
               <a:buNone/>
             </a:pPr>
-            <a:r>
-              <a:t/>
-            </a:r>
             <a:endParaRPr/>
           </a:p>
         </p:txBody>
@@ -3503,7 +3715,7 @@
             </a:ln>
           </p:spPr>
           <p:txBody>
-            <a:bodyPr anchorCtr="0" anchor="ctr" bIns="91425" lIns="91425" rIns="91425" wrap="square" tIns="91425">
+            <a:bodyPr wrap="square" lIns="91425" tIns="91425" rIns="91425" bIns="91425" anchor="ctr" anchorCtr="0">
               <a:noAutofit/>
             </a:bodyPr>
             <a:lstStyle/>
@@ -3514,9 +3726,6 @@
                 </a:spcBef>
                 <a:buNone/>
               </a:pPr>
-              <a:r>
-                <a:t/>
-              </a:r>
               <a:endParaRPr/>
             </a:p>
           </p:txBody>
@@ -3543,7 +3752,7 @@
             </a:ln>
           </p:spPr>
           <p:txBody>
-            <a:bodyPr anchorCtr="0" anchor="ctr" bIns="91425" lIns="91425" rIns="91425" wrap="square" tIns="91425">
+            <a:bodyPr wrap="square" lIns="91425" tIns="91425" rIns="91425" bIns="91425" anchor="ctr" anchorCtr="0">
               <a:noAutofit/>
             </a:bodyPr>
             <a:lstStyle/>
@@ -3554,9 +3763,6 @@
                 </a:spcBef>
                 <a:buNone/>
               </a:pPr>
-              <a:r>
-                <a:t/>
-              </a:r>
               <a:endParaRPr/>
             </a:p>
           </p:txBody>
@@ -3565,7 +3771,9 @@
       <p:sp>
         <p:nvSpPr>
           <p:cNvPr id="36" name="Shape 36"/>
-          <p:cNvSpPr txBox="1"/>
+          <p:cNvSpPr txBox="1">
+            <a:spLocks noGrp="1"/>
+          </p:cNvSpPr>
           <p:nvPr>
             <p:ph type="title"/>
           </p:nvPr>
@@ -3580,7 +3788,7 @@
           </a:prstGeom>
         </p:spPr>
         <p:txBody>
-          <a:bodyPr anchorCtr="0" anchor="t" bIns="91425" lIns="91425" rIns="91425" wrap="square" tIns="91425"/>
+          <a:bodyPr wrap="square" lIns="91425" tIns="91425" rIns="91425" bIns="91425" anchor="t" anchorCtr="0"/>
           <a:lstStyle>
             <a:lvl1pPr lvl="0">
               <a:spcBef>
@@ -3709,15 +3917,19 @@
               </a:defRPr>
             </a:lvl9pPr>
           </a:lstStyle>
-          <a:p/>
+          <a:p>
+            <a:endParaRPr/>
+          </a:p>
         </p:txBody>
       </p:sp>
       <p:sp>
         <p:nvSpPr>
           <p:cNvPr id="37" name="Shape 37"/>
-          <p:cNvSpPr txBox="1"/>
+          <p:cNvSpPr txBox="1">
+            <a:spLocks noGrp="1"/>
+          </p:cNvSpPr>
           <p:nvPr>
-            <p:ph idx="1" type="body"/>
+            <p:ph type="body" idx="1"/>
           </p:nvPr>
         </p:nvSpPr>
         <p:spPr>
@@ -3730,7 +3942,7 @@
           </a:prstGeom>
         </p:spPr>
         <p:txBody>
-          <a:bodyPr anchorCtr="0" anchor="t" bIns="91425" lIns="91425" rIns="91425" wrap="square" tIns="91425"/>
+          <a:bodyPr wrap="square" lIns="91425" tIns="91425" rIns="91425" bIns="91425" anchor="t" anchorCtr="0"/>
           <a:lstStyle>
             <a:lvl1pPr lvl="0">
               <a:spcBef>
@@ -3787,15 +3999,19 @@
               <a:defRPr/>
             </a:lvl9pPr>
           </a:lstStyle>
-          <a:p/>
+          <a:p>
+            <a:endParaRPr/>
+          </a:p>
         </p:txBody>
       </p:sp>
       <p:sp>
         <p:nvSpPr>
           <p:cNvPr id="38" name="Shape 38"/>
-          <p:cNvSpPr txBox="1"/>
+          <p:cNvSpPr txBox="1">
+            <a:spLocks noGrp="1"/>
+          </p:cNvSpPr>
           <p:nvPr>
-            <p:ph idx="2" type="body"/>
+            <p:ph type="body" idx="2"/>
           </p:nvPr>
         </p:nvSpPr>
         <p:spPr>
@@ -3808,7 +4024,7 @@
           </a:prstGeom>
         </p:spPr>
         <p:txBody>
-          <a:bodyPr anchorCtr="0" anchor="t" bIns="91425" lIns="91425" rIns="91425" wrap="square" tIns="91425"/>
+          <a:bodyPr wrap="square" lIns="91425" tIns="91425" rIns="91425" bIns="91425" anchor="t" anchorCtr="0"/>
           <a:lstStyle>
             <a:lvl1pPr lvl="0">
               <a:spcBef>
@@ -3865,15 +4081,19 @@
               <a:defRPr/>
             </a:lvl9pPr>
           </a:lstStyle>
-          <a:p/>
+          <a:p>
+            <a:endParaRPr/>
+          </a:p>
         </p:txBody>
       </p:sp>
       <p:sp>
         <p:nvSpPr>
           <p:cNvPr id="39" name="Shape 39"/>
-          <p:cNvSpPr txBox="1"/>
+          <p:cNvSpPr txBox="1">
+            <a:spLocks noGrp="1"/>
+          </p:cNvSpPr>
           <p:nvPr>
-            <p:ph idx="12" type="sldNum"/>
+            <p:ph type="sldNum" idx="12"/>
           </p:nvPr>
         </p:nvSpPr>
         <p:spPr>
@@ -3886,7 +4106,7 @@
           </a:prstGeom>
         </p:spPr>
         <p:txBody>
-          <a:bodyPr anchorCtr="0" anchor="ctr" bIns="91425" lIns="91425" rIns="91425" wrap="square" tIns="91425">
+          <a:bodyPr wrap="square" lIns="91425" tIns="91425" rIns="91425" bIns="91425" anchor="ctr" anchorCtr="0">
             <a:noAutofit/>
           </a:bodyPr>
           <a:lstStyle/>
@@ -3899,8 +4119,9 @@
             </a:pPr>
             <a:fld id="{00000000-1234-1234-1234-123412341234}" type="slidenum">
               <a:rPr lang="en"/>
-              <a:t>‹#›</a:t>
+              <a:t>‹Nr.›</a:t>
             </a:fld>
+            <a:endParaRPr lang="en"/>
           </a:p>
         </p:txBody>
       </p:sp>
@@ -3913,11 +4134,11 @@
 </file>
 
 <file path=ppt/slideLayouts/slideLayout5.xml><?xml version="1.0" encoding="utf-8"?>
-<p:sldLayout xmlns:a="http://schemas.openxmlformats.org/drawingml/2006/main" xmlns:r="http://schemas.openxmlformats.org/officeDocument/2006/relationships" xmlns:mc="http://schemas.openxmlformats.org/markup-compatibility/2006" xmlns:mv="urn:schemas-microsoft-com:mac:vml" xmlns:p="http://schemas.openxmlformats.org/presentationml/2006/main" xmlns:c="http://schemas.openxmlformats.org/drawingml/2006/chart" xmlns:dgm="http://schemas.openxmlformats.org/drawingml/2006/diagram" xmlns:o="urn:schemas-microsoft-com:office:office" xmlns:v="urn:schemas-microsoft-com:vml" xmlns:pvml="urn:schemas-microsoft-com:office:powerpoint" xmlns:com="http://schemas.openxmlformats.org/drawingml/2006/compatibility" xmlns:p14="http://schemas.microsoft.com/office/powerpoint/2010/main" xmlns:p15="http://schemas.microsoft.com/office/powerpoint/2012/main" type="titleOnly">
+<p:sldLayout xmlns:a="http://schemas.openxmlformats.org/drawingml/2006/main" xmlns:r="http://schemas.openxmlformats.org/officeDocument/2006/relationships" xmlns:p="http://schemas.openxmlformats.org/presentationml/2006/main" type="titleOnly">
   <p:cSld name="Title only">
     <p:spTree>
       <p:nvGrpSpPr>
-        <p:cNvPr id="40" name="Shape 40"/>
+        <p:cNvPr id="1" name="Shape 40"/>
         <p:cNvGrpSpPr/>
         <p:nvPr/>
       </p:nvGrpSpPr>
@@ -3951,7 +4172,7 @@
           </a:ln>
         </p:spPr>
         <p:txBody>
-          <a:bodyPr anchorCtr="0" anchor="ctr" bIns="91425" lIns="91425" rIns="91425" wrap="square" tIns="91425">
+          <a:bodyPr wrap="square" lIns="91425" tIns="91425" rIns="91425" bIns="91425" anchor="ctr" anchorCtr="0">
             <a:noAutofit/>
           </a:bodyPr>
           <a:lstStyle/>
@@ -3962,9 +4183,6 @@
               </a:spcBef>
               <a:buNone/>
             </a:pPr>
-            <a:r>
-              <a:t/>
-            </a:r>
             <a:endParaRPr/>
           </a:p>
         </p:txBody>
@@ -4005,7 +4223,7 @@
             </a:ln>
           </p:spPr>
           <p:txBody>
-            <a:bodyPr anchorCtr="0" anchor="ctr" bIns="91425" lIns="91425" rIns="91425" wrap="square" tIns="91425">
+            <a:bodyPr wrap="square" lIns="91425" tIns="91425" rIns="91425" bIns="91425" anchor="ctr" anchorCtr="0">
               <a:noAutofit/>
             </a:bodyPr>
             <a:lstStyle/>
@@ -4016,9 +4234,6 @@
                 </a:spcBef>
                 <a:buNone/>
               </a:pPr>
-              <a:r>
-                <a:t/>
-              </a:r>
               <a:endParaRPr/>
             </a:p>
           </p:txBody>
@@ -4045,7 +4260,7 @@
             </a:ln>
           </p:spPr>
           <p:txBody>
-            <a:bodyPr anchorCtr="0" anchor="ctr" bIns="91425" lIns="91425" rIns="91425" wrap="square" tIns="91425">
+            <a:bodyPr wrap="square" lIns="91425" tIns="91425" rIns="91425" bIns="91425" anchor="ctr" anchorCtr="0">
               <a:noAutofit/>
             </a:bodyPr>
             <a:lstStyle/>
@@ -4056,9 +4271,6 @@
                 </a:spcBef>
                 <a:buNone/>
               </a:pPr>
-              <a:r>
-                <a:t/>
-              </a:r>
               <a:endParaRPr/>
             </a:p>
           </p:txBody>
@@ -4067,7 +4279,9 @@
       <p:sp>
         <p:nvSpPr>
           <p:cNvPr id="45" name="Shape 45"/>
-          <p:cNvSpPr txBox="1"/>
+          <p:cNvSpPr txBox="1">
+            <a:spLocks noGrp="1"/>
+          </p:cNvSpPr>
           <p:nvPr>
             <p:ph type="title"/>
           </p:nvPr>
@@ -4082,7 +4296,7 @@
           </a:prstGeom>
         </p:spPr>
         <p:txBody>
-          <a:bodyPr anchorCtr="0" anchor="t" bIns="91425" lIns="91425" rIns="91425" wrap="square" tIns="91425"/>
+          <a:bodyPr wrap="square" lIns="91425" tIns="91425" rIns="91425" bIns="91425" anchor="t" anchorCtr="0"/>
           <a:lstStyle>
             <a:lvl1pPr lvl="0">
               <a:spcBef>
@@ -4211,15 +4425,19 @@
               </a:defRPr>
             </a:lvl9pPr>
           </a:lstStyle>
-          <a:p/>
+          <a:p>
+            <a:endParaRPr/>
+          </a:p>
         </p:txBody>
       </p:sp>
       <p:sp>
         <p:nvSpPr>
           <p:cNvPr id="46" name="Shape 46"/>
-          <p:cNvSpPr txBox="1"/>
+          <p:cNvSpPr txBox="1">
+            <a:spLocks noGrp="1"/>
+          </p:cNvSpPr>
           <p:nvPr>
-            <p:ph idx="12" type="sldNum"/>
+            <p:ph type="sldNum" idx="12"/>
           </p:nvPr>
         </p:nvSpPr>
         <p:spPr>
@@ -4232,7 +4450,7 @@
           </a:prstGeom>
         </p:spPr>
         <p:txBody>
-          <a:bodyPr anchorCtr="0" anchor="ctr" bIns="91425" lIns="91425" rIns="91425" wrap="square" tIns="91425">
+          <a:bodyPr wrap="square" lIns="91425" tIns="91425" rIns="91425" bIns="91425" anchor="ctr" anchorCtr="0">
             <a:noAutofit/>
           </a:bodyPr>
           <a:lstStyle/>
@@ -4245,8 +4463,9 @@
             </a:pPr>
             <a:fld id="{00000000-1234-1234-1234-123412341234}" type="slidenum">
               <a:rPr lang="en"/>
-              <a:t>‹#›</a:t>
+              <a:t>‹Nr.›</a:t>
             </a:fld>
+            <a:endParaRPr lang="en"/>
           </a:p>
         </p:txBody>
       </p:sp>
@@ -4259,11 +4478,11 @@
 </file>
 
 <file path=ppt/slideLayouts/slideLayout6.xml><?xml version="1.0" encoding="utf-8"?>
-<p:sldLayout xmlns:a="http://schemas.openxmlformats.org/drawingml/2006/main" xmlns:r="http://schemas.openxmlformats.org/officeDocument/2006/relationships" xmlns:mc="http://schemas.openxmlformats.org/markup-compatibility/2006" xmlns:mv="urn:schemas-microsoft-com:mac:vml" xmlns:p="http://schemas.openxmlformats.org/presentationml/2006/main" xmlns:c="http://schemas.openxmlformats.org/drawingml/2006/chart" xmlns:dgm="http://schemas.openxmlformats.org/drawingml/2006/diagram" xmlns:o="urn:schemas-microsoft-com:office:office" xmlns:v="urn:schemas-microsoft-com:vml" xmlns:pvml="urn:schemas-microsoft-com:office:powerpoint" xmlns:com="http://schemas.openxmlformats.org/drawingml/2006/compatibility" xmlns:p14="http://schemas.microsoft.com/office/powerpoint/2010/main" xmlns:p15="http://schemas.microsoft.com/office/powerpoint/2012/main">
+<p:sldLayout xmlns:a="http://schemas.openxmlformats.org/drawingml/2006/main" xmlns:r="http://schemas.openxmlformats.org/officeDocument/2006/relationships" xmlns:p="http://schemas.openxmlformats.org/presentationml/2006/main">
   <p:cSld name="One column text">
     <p:spTree>
       <p:nvGrpSpPr>
-        <p:cNvPr id="47" name="Shape 47"/>
+        <p:cNvPr id="1" name="Shape 47"/>
         <p:cNvGrpSpPr/>
         <p:nvPr/>
       </p:nvGrpSpPr>
@@ -4297,7 +4516,7 @@
           </a:ln>
         </p:spPr>
         <p:txBody>
-          <a:bodyPr anchorCtr="0" anchor="ctr" bIns="91425" lIns="91425" rIns="91425" wrap="square" tIns="91425">
+          <a:bodyPr wrap="square" lIns="91425" tIns="91425" rIns="91425" bIns="91425" anchor="ctr" anchorCtr="0">
             <a:noAutofit/>
           </a:bodyPr>
           <a:lstStyle/>
@@ -4308,9 +4527,6 @@
               </a:spcBef>
               <a:buNone/>
             </a:pPr>
-            <a:r>
-              <a:t/>
-            </a:r>
             <a:endParaRPr/>
           </a:p>
         </p:txBody>
@@ -4351,7 +4567,7 @@
             </a:ln>
           </p:spPr>
           <p:txBody>
-            <a:bodyPr anchorCtr="0" anchor="ctr" bIns="91425" lIns="91425" rIns="91425" wrap="square" tIns="91425">
+            <a:bodyPr wrap="square" lIns="91425" tIns="91425" rIns="91425" bIns="91425" anchor="ctr" anchorCtr="0">
               <a:noAutofit/>
             </a:bodyPr>
             <a:lstStyle/>
@@ -4362,9 +4578,6 @@
                 </a:spcBef>
                 <a:buNone/>
               </a:pPr>
-              <a:r>
-                <a:t/>
-              </a:r>
               <a:endParaRPr/>
             </a:p>
           </p:txBody>
@@ -4391,7 +4604,7 @@
             </a:ln>
           </p:spPr>
           <p:txBody>
-            <a:bodyPr anchorCtr="0" anchor="ctr" bIns="91425" lIns="91425" rIns="91425" wrap="square" tIns="91425">
+            <a:bodyPr wrap="square" lIns="91425" tIns="91425" rIns="91425" bIns="91425" anchor="ctr" anchorCtr="0">
               <a:noAutofit/>
             </a:bodyPr>
             <a:lstStyle/>
@@ -4402,9 +4615,6 @@
                 </a:spcBef>
                 <a:buNone/>
               </a:pPr>
-              <a:r>
-                <a:t/>
-              </a:r>
               <a:endParaRPr/>
             </a:p>
           </p:txBody>
@@ -4413,7 +4623,9 @@
       <p:sp>
         <p:nvSpPr>
           <p:cNvPr id="52" name="Shape 52"/>
-          <p:cNvSpPr txBox="1"/>
+          <p:cNvSpPr txBox="1">
+            <a:spLocks noGrp="1"/>
+          </p:cNvSpPr>
           <p:nvPr>
             <p:ph type="title"/>
           </p:nvPr>
@@ -4428,7 +4640,7 @@
           </a:prstGeom>
         </p:spPr>
         <p:txBody>
-          <a:bodyPr anchorCtr="0" anchor="t" bIns="91425" lIns="91425" rIns="91425" wrap="square" tIns="91425"/>
+          <a:bodyPr wrap="square" lIns="91425" tIns="91425" rIns="91425" bIns="91425" anchor="t" anchorCtr="0"/>
           <a:lstStyle>
             <a:lvl1pPr lvl="0">
               <a:spcBef>
@@ -4557,15 +4769,19 @@
               </a:defRPr>
             </a:lvl9pPr>
           </a:lstStyle>
-          <a:p/>
+          <a:p>
+            <a:endParaRPr/>
+          </a:p>
         </p:txBody>
       </p:sp>
       <p:sp>
         <p:nvSpPr>
           <p:cNvPr id="53" name="Shape 53"/>
-          <p:cNvSpPr txBox="1"/>
+          <p:cNvSpPr txBox="1">
+            <a:spLocks noGrp="1"/>
+          </p:cNvSpPr>
           <p:nvPr>
-            <p:ph idx="1" type="body"/>
+            <p:ph type="body" idx="1"/>
           </p:nvPr>
         </p:nvSpPr>
         <p:spPr>
@@ -4578,7 +4794,7 @@
           </a:prstGeom>
         </p:spPr>
         <p:txBody>
-          <a:bodyPr anchorCtr="0" anchor="t" bIns="91425" lIns="91425" rIns="91425" wrap="square" tIns="91425"/>
+          <a:bodyPr wrap="square" lIns="91425" tIns="91425" rIns="91425" bIns="91425" anchor="t" anchorCtr="0"/>
           <a:lstStyle>
             <a:lvl1pPr lvl="0">
               <a:spcBef>
@@ -4635,15 +4851,19 @@
               <a:defRPr/>
             </a:lvl9pPr>
           </a:lstStyle>
-          <a:p/>
+          <a:p>
+            <a:endParaRPr/>
+          </a:p>
         </p:txBody>
       </p:sp>
       <p:sp>
         <p:nvSpPr>
           <p:cNvPr id="54" name="Shape 54"/>
-          <p:cNvSpPr txBox="1"/>
+          <p:cNvSpPr txBox="1">
+            <a:spLocks noGrp="1"/>
+          </p:cNvSpPr>
           <p:nvPr>
-            <p:ph idx="12" type="sldNum"/>
+            <p:ph type="sldNum" idx="12"/>
           </p:nvPr>
         </p:nvSpPr>
         <p:spPr>
@@ -4656,7 +4876,7 @@
           </a:prstGeom>
         </p:spPr>
         <p:txBody>
-          <a:bodyPr anchorCtr="0" anchor="ctr" bIns="91425" lIns="91425" rIns="91425" wrap="square" tIns="91425">
+          <a:bodyPr wrap="square" lIns="91425" tIns="91425" rIns="91425" bIns="91425" anchor="ctr" anchorCtr="0">
             <a:noAutofit/>
           </a:bodyPr>
           <a:lstStyle/>
@@ -4669,8 +4889,9 @@
             </a:pPr>
             <a:fld id="{00000000-1234-1234-1234-123412341234}" type="slidenum">
               <a:rPr lang="en"/>
-              <a:t>‹#›</a:t>
+              <a:t>‹Nr.›</a:t>
             </a:fld>
+            <a:endParaRPr lang="en"/>
           </a:p>
         </p:txBody>
       </p:sp>
@@ -4683,18 +4904,19 @@
 </file>
 
 <file path=ppt/slideLayouts/slideLayout7.xml><?xml version="1.0" encoding="utf-8"?>
-<p:sldLayout xmlns:a="http://schemas.openxmlformats.org/drawingml/2006/main" xmlns:r="http://schemas.openxmlformats.org/officeDocument/2006/relationships" xmlns:mc="http://schemas.openxmlformats.org/markup-compatibility/2006" xmlns:mv="urn:schemas-microsoft-com:mac:vml" xmlns:p="http://schemas.openxmlformats.org/presentationml/2006/main" xmlns:c="http://schemas.openxmlformats.org/drawingml/2006/chart" xmlns:dgm="http://schemas.openxmlformats.org/drawingml/2006/diagram" xmlns:o="urn:schemas-microsoft-com:office:office" xmlns:v="urn:schemas-microsoft-com:vml" xmlns:pvml="urn:schemas-microsoft-com:office:powerpoint" xmlns:com="http://schemas.openxmlformats.org/drawingml/2006/compatibility" xmlns:p14="http://schemas.microsoft.com/office/powerpoint/2010/main" xmlns:p15="http://schemas.microsoft.com/office/powerpoint/2012/main">
+<p:sldLayout xmlns:a="http://schemas.openxmlformats.org/drawingml/2006/main" xmlns:r="http://schemas.openxmlformats.org/officeDocument/2006/relationships" xmlns:p="http://schemas.openxmlformats.org/presentationml/2006/main">
   <p:cSld name="Main point">
     <p:bg>
       <p:bgPr>
         <a:solidFill>
           <a:schemeClr val="accent3"/>
         </a:solidFill>
+        <a:effectLst/>
       </p:bgPr>
     </p:bg>
     <p:spTree>
       <p:nvGrpSpPr>
-        <p:cNvPr id="55" name="Shape 55"/>
+        <p:cNvPr id="1" name="Shape 55"/>
         <p:cNvGrpSpPr/>
         <p:nvPr/>
       </p:nvGrpSpPr>
@@ -4742,7 +4964,7 @@
             </a:ln>
           </p:spPr>
           <p:txBody>
-            <a:bodyPr anchorCtr="0" anchor="ctr" bIns="91425" lIns="91425" rIns="91425" wrap="square" tIns="91425">
+            <a:bodyPr wrap="square" lIns="91425" tIns="91425" rIns="91425" bIns="91425" anchor="ctr" anchorCtr="0">
               <a:noAutofit/>
             </a:bodyPr>
             <a:lstStyle/>
@@ -4753,9 +4975,6 @@
                 </a:spcBef>
                 <a:buNone/>
               </a:pPr>
-              <a:r>
-                <a:t/>
-              </a:r>
               <a:endParaRPr/>
             </a:p>
           </p:txBody>
@@ -4782,7 +5001,7 @@
             </a:ln>
           </p:spPr>
           <p:txBody>
-            <a:bodyPr anchorCtr="0" anchor="ctr" bIns="91425" lIns="91425" rIns="91425" wrap="square" tIns="91425">
+            <a:bodyPr wrap="square" lIns="91425" tIns="91425" rIns="91425" bIns="91425" anchor="ctr" anchorCtr="0">
               <a:noAutofit/>
             </a:bodyPr>
             <a:lstStyle/>
@@ -4793,9 +5012,6 @@
                 </a:spcBef>
                 <a:buNone/>
               </a:pPr>
-              <a:r>
-                <a:t/>
-              </a:r>
               <a:endParaRPr/>
             </a:p>
           </p:txBody>
@@ -4804,7 +5020,9 @@
       <p:sp>
         <p:nvSpPr>
           <p:cNvPr id="59" name="Shape 59"/>
-          <p:cNvSpPr txBox="1"/>
+          <p:cNvSpPr txBox="1">
+            <a:spLocks noGrp="1"/>
+          </p:cNvSpPr>
           <p:nvPr>
             <p:ph type="title"/>
           </p:nvPr>
@@ -4819,7 +5037,7 @@
           </a:prstGeom>
         </p:spPr>
         <p:txBody>
-          <a:bodyPr anchorCtr="0" anchor="ctr" bIns="91425" lIns="91425" rIns="91425" wrap="square" tIns="91425"/>
+          <a:bodyPr wrap="square" lIns="91425" tIns="91425" rIns="91425" bIns="91425" anchor="ctr" anchorCtr="0"/>
           <a:lstStyle>
             <a:lvl1pPr lvl="0">
               <a:spcBef>
@@ -4948,15 +5166,19 @@
               </a:defRPr>
             </a:lvl9pPr>
           </a:lstStyle>
-          <a:p/>
+          <a:p>
+            <a:endParaRPr/>
+          </a:p>
         </p:txBody>
       </p:sp>
       <p:sp>
         <p:nvSpPr>
           <p:cNvPr id="60" name="Shape 60"/>
-          <p:cNvSpPr txBox="1"/>
+          <p:cNvSpPr txBox="1">
+            <a:spLocks noGrp="1"/>
+          </p:cNvSpPr>
           <p:nvPr>
-            <p:ph idx="12" type="sldNum"/>
+            <p:ph type="sldNum" idx="12"/>
           </p:nvPr>
         </p:nvSpPr>
         <p:spPr>
@@ -4969,7 +5191,7 @@
           </a:prstGeom>
         </p:spPr>
         <p:txBody>
-          <a:bodyPr anchorCtr="0" anchor="ctr" bIns="91425" lIns="91425" rIns="91425" wrap="square" tIns="91425">
+          <a:bodyPr wrap="square" lIns="91425" tIns="91425" rIns="91425" bIns="91425" anchor="ctr" anchorCtr="0">
             <a:noAutofit/>
           </a:bodyPr>
           <a:lstStyle/>
@@ -4986,8 +5208,13 @@
                   <a:schemeClr val="lt1"/>
                 </a:solidFill>
               </a:rPr>
-              <a:t>‹#›</a:t>
+              <a:t>‹Nr.›</a:t>
             </a:fld>
+            <a:endParaRPr lang="en">
+              <a:solidFill>
+                <a:schemeClr val="lt1"/>
+              </a:solidFill>
+            </a:endParaRPr>
           </a:p>
         </p:txBody>
       </p:sp>
@@ -5000,11 +5227,11 @@
 </file>
 
 <file path=ppt/slideLayouts/slideLayout8.xml><?xml version="1.0" encoding="utf-8"?>
-<p:sldLayout xmlns:a="http://schemas.openxmlformats.org/drawingml/2006/main" xmlns:r="http://schemas.openxmlformats.org/officeDocument/2006/relationships" xmlns:mc="http://schemas.openxmlformats.org/markup-compatibility/2006" xmlns:mv="urn:schemas-microsoft-com:mac:vml" xmlns:p="http://schemas.openxmlformats.org/presentationml/2006/main" xmlns:c="http://schemas.openxmlformats.org/drawingml/2006/chart" xmlns:dgm="http://schemas.openxmlformats.org/drawingml/2006/diagram" xmlns:o="urn:schemas-microsoft-com:office:office" xmlns:v="urn:schemas-microsoft-com:vml" xmlns:pvml="urn:schemas-microsoft-com:office:powerpoint" xmlns:com="http://schemas.openxmlformats.org/drawingml/2006/compatibility" xmlns:p14="http://schemas.microsoft.com/office/powerpoint/2010/main" xmlns:p15="http://schemas.microsoft.com/office/powerpoint/2012/main">
+<p:sldLayout xmlns:a="http://schemas.openxmlformats.org/drawingml/2006/main" xmlns:r="http://schemas.openxmlformats.org/officeDocument/2006/relationships" xmlns:p="http://schemas.openxmlformats.org/presentationml/2006/main">
   <p:cSld name="Section title and description">
     <p:spTree>
       <p:nvGrpSpPr>
-        <p:cNvPr id="61" name="Shape 61"/>
+        <p:cNvPr id="1" name="Shape 61"/>
         <p:cNvGrpSpPr/>
         <p:nvPr/>
       </p:nvGrpSpPr>
@@ -5038,7 +5265,7 @@
           </a:ln>
         </p:spPr>
         <p:txBody>
-          <a:bodyPr anchorCtr="0" anchor="ctr" bIns="91425" lIns="91425" rIns="91425" wrap="square" tIns="91425">
+          <a:bodyPr wrap="square" lIns="91425" tIns="91425" rIns="91425" bIns="91425" anchor="ctr" anchorCtr="0">
             <a:noAutofit/>
           </a:bodyPr>
           <a:lstStyle/>
@@ -5049,9 +5276,6 @@
               </a:spcBef>
               <a:buNone/>
             </a:pPr>
-            <a:r>
-              <a:t/>
-            </a:r>
             <a:endParaRPr/>
           </a:p>
         </p:txBody>
@@ -5092,7 +5316,7 @@
             </a:ln>
           </p:spPr>
           <p:txBody>
-            <a:bodyPr anchorCtr="0" anchor="ctr" bIns="91425" lIns="91425" rIns="91425" wrap="square" tIns="91425">
+            <a:bodyPr wrap="square" lIns="91425" tIns="91425" rIns="91425" bIns="91425" anchor="ctr" anchorCtr="0">
               <a:noAutofit/>
             </a:bodyPr>
             <a:lstStyle/>
@@ -5103,9 +5327,6 @@
                 </a:spcBef>
                 <a:buNone/>
               </a:pPr>
-              <a:r>
-                <a:t/>
-              </a:r>
               <a:endParaRPr/>
             </a:p>
           </p:txBody>
@@ -5132,7 +5353,7 @@
             </a:ln>
           </p:spPr>
           <p:txBody>
-            <a:bodyPr anchorCtr="0" anchor="ctr" bIns="91425" lIns="91425" rIns="91425" wrap="square" tIns="91425">
+            <a:bodyPr wrap="square" lIns="91425" tIns="91425" rIns="91425" bIns="91425" anchor="ctr" anchorCtr="0">
               <a:noAutofit/>
             </a:bodyPr>
             <a:lstStyle/>
@@ -5143,9 +5364,6 @@
                 </a:spcBef>
                 <a:buNone/>
               </a:pPr>
-              <a:r>
-                <a:t/>
-              </a:r>
               <a:endParaRPr/>
             </a:p>
           </p:txBody>
@@ -5154,7 +5372,9 @@
       <p:sp>
         <p:nvSpPr>
           <p:cNvPr id="66" name="Shape 66"/>
-          <p:cNvSpPr txBox="1"/>
+          <p:cNvSpPr txBox="1">
+            <a:spLocks noGrp="1"/>
+          </p:cNvSpPr>
           <p:nvPr>
             <p:ph type="title"/>
           </p:nvPr>
@@ -5169,7 +5389,7 @@
           </a:prstGeom>
         </p:spPr>
         <p:txBody>
-          <a:bodyPr anchorCtr="0" anchor="t" bIns="91425" lIns="91425" rIns="91425" wrap="square" tIns="91425"/>
+          <a:bodyPr wrap="square" lIns="91425" tIns="91425" rIns="91425" bIns="91425" anchor="t" anchorCtr="0"/>
           <a:lstStyle>
             <a:lvl1pPr lvl="0">
               <a:spcBef>
@@ -5298,15 +5518,19 @@
               </a:defRPr>
             </a:lvl9pPr>
           </a:lstStyle>
-          <a:p/>
+          <a:p>
+            <a:endParaRPr/>
+          </a:p>
         </p:txBody>
       </p:sp>
       <p:sp>
         <p:nvSpPr>
           <p:cNvPr id="67" name="Shape 67"/>
-          <p:cNvSpPr txBox="1"/>
+          <p:cNvSpPr txBox="1">
+            <a:spLocks noGrp="1"/>
+          </p:cNvSpPr>
           <p:nvPr>
-            <p:ph idx="1" type="subTitle"/>
+            <p:ph type="subTitle" idx="1"/>
           </p:nvPr>
         </p:nvSpPr>
         <p:spPr>
@@ -5319,7 +5543,7 @@
           </a:prstGeom>
         </p:spPr>
         <p:txBody>
-          <a:bodyPr anchorCtr="0" anchor="t" bIns="91425" lIns="91425" rIns="91425" wrap="square" tIns="91425"/>
+          <a:bodyPr wrap="square" lIns="91425" tIns="91425" rIns="91425" bIns="91425" anchor="t" anchorCtr="0"/>
           <a:lstStyle>
             <a:lvl1pPr lvl="0">
               <a:lnSpc>
@@ -5448,15 +5672,19 @@
               <a:defRPr sz="1600"/>
             </a:lvl9pPr>
           </a:lstStyle>
-          <a:p/>
+          <a:p>
+            <a:endParaRPr/>
+          </a:p>
         </p:txBody>
       </p:sp>
       <p:sp>
         <p:nvSpPr>
           <p:cNvPr id="68" name="Shape 68"/>
-          <p:cNvSpPr txBox="1"/>
+          <p:cNvSpPr txBox="1">
+            <a:spLocks noGrp="1"/>
+          </p:cNvSpPr>
           <p:nvPr>
-            <p:ph idx="2" type="body"/>
+            <p:ph type="body" idx="2"/>
           </p:nvPr>
         </p:nvSpPr>
         <p:spPr>
@@ -5469,7 +5697,7 @@
           </a:prstGeom>
         </p:spPr>
         <p:txBody>
-          <a:bodyPr anchorCtr="0" anchor="t" bIns="91425" lIns="91425" rIns="91425" wrap="square" tIns="91425"/>
+          <a:bodyPr wrap="square" lIns="91425" tIns="91425" rIns="91425" bIns="91425" anchor="t" anchorCtr="0"/>
           <a:lstStyle>
             <a:lvl1pPr lvl="0">
               <a:spcBef>
@@ -5526,15 +5754,19 @@
               <a:defRPr/>
             </a:lvl9pPr>
           </a:lstStyle>
-          <a:p/>
+          <a:p>
+            <a:endParaRPr/>
+          </a:p>
         </p:txBody>
       </p:sp>
       <p:sp>
         <p:nvSpPr>
           <p:cNvPr id="69" name="Shape 69"/>
-          <p:cNvSpPr txBox="1"/>
+          <p:cNvSpPr txBox="1">
+            <a:spLocks noGrp="1"/>
+          </p:cNvSpPr>
           <p:nvPr>
-            <p:ph idx="12" type="sldNum"/>
+            <p:ph type="sldNum" idx="12"/>
           </p:nvPr>
         </p:nvSpPr>
         <p:spPr>
@@ -5547,7 +5779,7 @@
           </a:prstGeom>
         </p:spPr>
         <p:txBody>
-          <a:bodyPr anchorCtr="0" anchor="ctr" bIns="91425" lIns="91425" rIns="91425" wrap="square" tIns="91425">
+          <a:bodyPr wrap="square" lIns="91425" tIns="91425" rIns="91425" bIns="91425" anchor="ctr" anchorCtr="0">
             <a:noAutofit/>
           </a:bodyPr>
           <a:lstStyle/>
@@ -5560,8 +5792,9 @@
             </a:pPr>
             <a:fld id="{00000000-1234-1234-1234-123412341234}" type="slidenum">
               <a:rPr lang="en"/>
-              <a:t>‹#›</a:t>
+              <a:t>‹Nr.›</a:t>
             </a:fld>
+            <a:endParaRPr lang="en"/>
           </a:p>
         </p:txBody>
       </p:sp>
@@ -5574,11 +5807,11 @@
 </file>
 
 <file path=ppt/slideLayouts/slideLayout9.xml><?xml version="1.0" encoding="utf-8"?>
-<p:sldLayout xmlns:a="http://schemas.openxmlformats.org/drawingml/2006/main" xmlns:r="http://schemas.openxmlformats.org/officeDocument/2006/relationships" xmlns:mc="http://schemas.openxmlformats.org/markup-compatibility/2006" xmlns:mv="urn:schemas-microsoft-com:mac:vml" xmlns:p="http://schemas.openxmlformats.org/presentationml/2006/main" xmlns:c="http://schemas.openxmlformats.org/drawingml/2006/chart" xmlns:dgm="http://schemas.openxmlformats.org/drawingml/2006/diagram" xmlns:o="urn:schemas-microsoft-com:office:office" xmlns:v="urn:schemas-microsoft-com:vml" xmlns:pvml="urn:schemas-microsoft-com:office:powerpoint" xmlns:com="http://schemas.openxmlformats.org/drawingml/2006/compatibility" xmlns:p14="http://schemas.microsoft.com/office/powerpoint/2010/main" xmlns:p15="http://schemas.microsoft.com/office/powerpoint/2012/main">
+<p:sldLayout xmlns:a="http://schemas.openxmlformats.org/drawingml/2006/main" xmlns:r="http://schemas.openxmlformats.org/officeDocument/2006/relationships" xmlns:p="http://schemas.openxmlformats.org/presentationml/2006/main">
   <p:cSld name="Caption">
     <p:spTree>
       <p:nvGrpSpPr>
-        <p:cNvPr id="70" name="Shape 70"/>
+        <p:cNvPr id="1" name="Shape 70"/>
         <p:cNvGrpSpPr/>
         <p:nvPr/>
       </p:nvGrpSpPr>
@@ -5593,9 +5826,11 @@
       <p:sp>
         <p:nvSpPr>
           <p:cNvPr id="71" name="Shape 71"/>
-          <p:cNvSpPr txBox="1"/>
+          <p:cNvSpPr txBox="1">
+            <a:spLocks noGrp="1"/>
+          </p:cNvSpPr>
           <p:nvPr>
-            <p:ph idx="1" type="body"/>
+            <p:ph type="body" idx="1"/>
           </p:nvPr>
         </p:nvSpPr>
         <p:spPr>
@@ -5608,7 +5843,7 @@
           </a:prstGeom>
         </p:spPr>
         <p:txBody>
-          <a:bodyPr anchorCtr="0" anchor="ctr" bIns="91425" lIns="91425" rIns="91425" wrap="square" tIns="91425"/>
+          <a:bodyPr wrap="square" lIns="91425" tIns="91425" rIns="91425" bIns="91425" anchor="ctr" anchorCtr="0"/>
           <a:lstStyle>
             <a:lvl1pPr lvl="0">
               <a:lnSpc>
@@ -5624,15 +5859,19 @@
               <a:defRPr/>
             </a:lvl1pPr>
           </a:lstStyle>
-          <a:p/>
+          <a:p>
+            <a:endParaRPr/>
+          </a:p>
         </p:txBody>
       </p:sp>
       <p:sp>
         <p:nvSpPr>
           <p:cNvPr id="72" name="Shape 72"/>
-          <p:cNvSpPr txBox="1"/>
+          <p:cNvSpPr txBox="1">
+            <a:spLocks noGrp="1"/>
+          </p:cNvSpPr>
           <p:nvPr>
-            <p:ph idx="12" type="sldNum"/>
+            <p:ph type="sldNum" idx="12"/>
           </p:nvPr>
         </p:nvSpPr>
         <p:spPr>
@@ -5645,7 +5884,7 @@
           </a:prstGeom>
         </p:spPr>
         <p:txBody>
-          <a:bodyPr anchorCtr="0" anchor="ctr" bIns="91425" lIns="91425" rIns="91425" wrap="square" tIns="91425">
+          <a:bodyPr wrap="square" lIns="91425" tIns="91425" rIns="91425" bIns="91425" anchor="ctr" anchorCtr="0">
             <a:noAutofit/>
           </a:bodyPr>
           <a:lstStyle/>
@@ -5658,8 +5897,9 @@
             </a:pPr>
             <a:fld id="{00000000-1234-1234-1234-123412341234}" type="slidenum">
               <a:rPr lang="en"/>
-              <a:t>‹#›</a:t>
+              <a:t>‹Nr.›</a:t>
             </a:fld>
+            <a:endParaRPr lang="en"/>
           </a:p>
         </p:txBody>
       </p:sp>
@@ -5672,18 +5912,19 @@
 </file>
 
 <file path=ppt/slideMasters/slideMaster1.xml><?xml version="1.0" encoding="utf-8"?>
-<p:sldMaster xmlns:a="http://schemas.openxmlformats.org/drawingml/2006/main" xmlns:r="http://schemas.openxmlformats.org/officeDocument/2006/relationships" xmlns:mc="http://schemas.openxmlformats.org/markup-compatibility/2006" xmlns:mv="urn:schemas-microsoft-com:mac:vml" xmlns:p="http://schemas.openxmlformats.org/presentationml/2006/main" xmlns:c="http://schemas.openxmlformats.org/drawingml/2006/chart" xmlns:dgm="http://schemas.openxmlformats.org/drawingml/2006/diagram" xmlns:o="urn:schemas-microsoft-com:office:office" xmlns:v="urn:schemas-microsoft-com:vml" xmlns:pvml="urn:schemas-microsoft-com:office:powerpoint" xmlns:com="http://schemas.openxmlformats.org/drawingml/2006/compatibility" xmlns:p14="http://schemas.microsoft.com/office/powerpoint/2010/main" xmlns:p15="http://schemas.microsoft.com/office/powerpoint/2012/main">
+<p:sldMaster xmlns:a="http://schemas.openxmlformats.org/drawingml/2006/main" xmlns:r="http://schemas.openxmlformats.org/officeDocument/2006/relationships" xmlns:p="http://schemas.openxmlformats.org/presentationml/2006/main">
   <p:cSld name="streamline">
     <p:bg>
       <p:bgPr>
         <a:solidFill>
           <a:schemeClr val="lt1"/>
         </a:solidFill>
+        <a:effectLst/>
       </p:bgPr>
     </p:bg>
     <p:spTree>
       <p:nvGrpSpPr>
-        <p:cNvPr id="5" name="Shape 5"/>
+        <p:cNvPr id="1" name="Shape 5"/>
         <p:cNvGrpSpPr/>
         <p:nvPr/>
       </p:nvGrpSpPr>
@@ -5698,7 +5939,9 @@
       <p:sp>
         <p:nvSpPr>
           <p:cNvPr id="6" name="Shape 6"/>
-          <p:cNvSpPr txBox="1"/>
+          <p:cNvSpPr txBox="1">
+            <a:spLocks noGrp="1"/>
+          </p:cNvSpPr>
           <p:nvPr>
             <p:ph type="title"/>
           </p:nvPr>
@@ -5717,7 +5960,7 @@
           </a:ln>
         </p:spPr>
         <p:txBody>
-          <a:bodyPr anchorCtr="0" anchor="t" bIns="91425" lIns="91425" rIns="91425" wrap="square" tIns="91425"/>
+          <a:bodyPr wrap="square" lIns="91425" tIns="91425" rIns="91425" bIns="91425" anchor="t" anchorCtr="0"/>
           <a:lstStyle>
             <a:lvl1pPr lvl="0">
               <a:spcBef>
@@ -5726,7 +5969,7 @@
               <a:buSzPct val="100000"/>
               <a:buFont typeface="Raleway"/>
               <a:buNone/>
-              <a:defRPr b="1" sz="2800">
+              <a:defRPr sz="2800" b="1">
                 <a:latin typeface="Raleway"/>
                 <a:ea typeface="Raleway"/>
                 <a:cs typeface="Raleway"/>
@@ -5740,7 +5983,7 @@
               <a:buSzPct val="100000"/>
               <a:buFont typeface="Raleway"/>
               <a:buNone/>
-              <a:defRPr b="1" sz="2800">
+              <a:defRPr sz="2800" b="1">
                 <a:latin typeface="Raleway"/>
                 <a:ea typeface="Raleway"/>
                 <a:cs typeface="Raleway"/>
@@ -5754,7 +5997,7 @@
               <a:buSzPct val="100000"/>
               <a:buFont typeface="Raleway"/>
               <a:buNone/>
-              <a:defRPr b="1" sz="2800">
+              <a:defRPr sz="2800" b="1">
                 <a:latin typeface="Raleway"/>
                 <a:ea typeface="Raleway"/>
                 <a:cs typeface="Raleway"/>
@@ -5768,7 +6011,7 @@
               <a:buSzPct val="100000"/>
               <a:buFont typeface="Raleway"/>
               <a:buNone/>
-              <a:defRPr b="1" sz="2800">
+              <a:defRPr sz="2800" b="1">
                 <a:latin typeface="Raleway"/>
                 <a:ea typeface="Raleway"/>
                 <a:cs typeface="Raleway"/>
@@ -5782,7 +6025,7 @@
               <a:buSzPct val="100000"/>
               <a:buFont typeface="Raleway"/>
               <a:buNone/>
-              <a:defRPr b="1" sz="2800">
+              <a:defRPr sz="2800" b="1">
                 <a:latin typeface="Raleway"/>
                 <a:ea typeface="Raleway"/>
                 <a:cs typeface="Raleway"/>
@@ -5796,7 +6039,7 @@
               <a:buSzPct val="100000"/>
               <a:buFont typeface="Raleway"/>
               <a:buNone/>
-              <a:defRPr b="1" sz="2800">
+              <a:defRPr sz="2800" b="1">
                 <a:latin typeface="Raleway"/>
                 <a:ea typeface="Raleway"/>
                 <a:cs typeface="Raleway"/>
@@ -5810,7 +6053,7 @@
               <a:buSzPct val="100000"/>
               <a:buFont typeface="Raleway"/>
               <a:buNone/>
-              <a:defRPr b="1" sz="2800">
+              <a:defRPr sz="2800" b="1">
                 <a:latin typeface="Raleway"/>
                 <a:ea typeface="Raleway"/>
                 <a:cs typeface="Raleway"/>
@@ -5824,7 +6067,7 @@
               <a:buSzPct val="100000"/>
               <a:buFont typeface="Raleway"/>
               <a:buNone/>
-              <a:defRPr b="1" sz="2800">
+              <a:defRPr sz="2800" b="1">
                 <a:latin typeface="Raleway"/>
                 <a:ea typeface="Raleway"/>
                 <a:cs typeface="Raleway"/>
@@ -5838,7 +6081,7 @@
               <a:buSzPct val="100000"/>
               <a:buFont typeface="Raleway"/>
               <a:buNone/>
-              <a:defRPr b="1" sz="2800">
+              <a:defRPr sz="2800" b="1">
                 <a:latin typeface="Raleway"/>
                 <a:ea typeface="Raleway"/>
                 <a:cs typeface="Raleway"/>
@@ -5846,15 +6089,19 @@
               </a:defRPr>
             </a:lvl9pPr>
           </a:lstStyle>
-          <a:p/>
+          <a:p>
+            <a:endParaRPr/>
+          </a:p>
         </p:txBody>
       </p:sp>
       <p:sp>
         <p:nvSpPr>
           <p:cNvPr id="7" name="Shape 7"/>
-          <p:cNvSpPr txBox="1"/>
+          <p:cNvSpPr txBox="1">
+            <a:spLocks noGrp="1"/>
+          </p:cNvSpPr>
           <p:nvPr>
-            <p:ph idx="1" type="body"/>
+            <p:ph type="body" idx="1"/>
           </p:nvPr>
         </p:nvSpPr>
         <p:spPr>
@@ -5871,7 +6118,7 @@
           </a:ln>
         </p:spPr>
         <p:txBody>
-          <a:bodyPr anchorCtr="0" anchor="t" bIns="91425" lIns="91425" rIns="91425" wrap="square" tIns="91425"/>
+          <a:bodyPr wrap="square" lIns="91425" tIns="91425" rIns="91425" bIns="91425" anchor="t" anchorCtr="0"/>
           <a:lstStyle>
             <a:lvl1pPr lvl="0">
               <a:lnSpc>
@@ -6108,15 +6355,19 @@
               </a:defRPr>
             </a:lvl9pPr>
           </a:lstStyle>
-          <a:p/>
+          <a:p>
+            <a:endParaRPr/>
+          </a:p>
         </p:txBody>
       </p:sp>
       <p:sp>
         <p:nvSpPr>
           <p:cNvPr id="8" name="Shape 8"/>
-          <p:cNvSpPr txBox="1"/>
+          <p:cNvSpPr txBox="1">
+            <a:spLocks noGrp="1"/>
+          </p:cNvSpPr>
           <p:nvPr>
-            <p:ph idx="12" type="sldNum"/>
+            <p:ph type="sldNum" idx="12"/>
           </p:nvPr>
         </p:nvSpPr>
         <p:spPr>
@@ -6133,7 +6384,7 @@
           </a:ln>
         </p:spPr>
         <p:txBody>
-          <a:bodyPr anchorCtr="0" anchor="ctr" bIns="91425" lIns="91425" rIns="91425" wrap="square" tIns="91425">
+          <a:bodyPr wrap="square" lIns="91425" tIns="91425" rIns="91425" bIns="91425" anchor="ctr" anchorCtr="0">
             <a:noAutofit/>
           </a:bodyPr>
           <a:lstStyle/>
@@ -6154,14 +6405,23 @@
                 <a:cs typeface="Lato"/>
                 <a:sym typeface="Lato"/>
               </a:rPr>
-              <a:t>‹#›</a:t>
+              <a:t>‹Nr.›</a:t>
             </a:fld>
+            <a:endParaRPr lang="en" sz="1000">
+              <a:solidFill>
+                <a:schemeClr val="accent1"/>
+              </a:solidFill>
+              <a:latin typeface="Lato"/>
+              <a:ea typeface="Lato"/>
+              <a:cs typeface="Lato"/>
+              <a:sym typeface="Lato"/>
+            </a:endParaRPr>
           </a:p>
         </p:txBody>
       </p:sp>
     </p:spTree>
   </p:cSld>
-  <p:clrMap accent1="accent1" accent2="accent2" accent3="accent3" accent4="accent4" accent5="accent5" accent6="accent6" bg1="lt1" bg2="dk2" tx1="dk1" tx2="lt2" folHlink="folHlink" hlink="hlink"/>
+  <p:clrMap bg1="lt1" tx1="dk1" bg2="dk2" tx2="lt2" accent1="accent1" accent2="accent2" accent3="accent3" accent4="accent4" accent5="accent5" accent6="accent6" hlink="hlink" folHlink="folHlink"/>
   <p:sldLayoutIdLst>
     <p:sldLayoutId id="2147483648" r:id="rId1"/>
     <p:sldLayoutId id="2147483649" r:id="rId2"/>
@@ -6175,10 +6435,10 @@
     <p:sldLayoutId id="2147483657" r:id="rId10"/>
     <p:sldLayoutId id="2147483658" r:id="rId11"/>
   </p:sldLayoutIdLst>
-  <p:hf dt="0" ftr="0" hdr="0"/>
+  <p:hf hdr="0" ftr="0" dt="0"/>
   <p:txStyles>
     <p:titleStyle>
-      <a:defPPr lvl="0" marR="0" rtl="0" algn="l">
+      <a:defPPr marR="0" lvl="0" algn="l" rtl="0">
         <a:lnSpc>
           <a:spcPct val="100000"/>
         </a:lnSpc>
@@ -6189,7 +6449,7 @@
           <a:spcPts val="0"/>
         </a:spcAft>
       </a:defPPr>
-      <a:lvl1pPr lvl="0" marR="0" rtl="0" algn="l">
+      <a:lvl1pPr marR="0" lvl="0" algn="l" rtl="0">
         <a:lnSpc>
           <a:spcPct val="100000"/>
         </a:lnSpc>
@@ -6200,7 +6460,7 @@
           <a:spcPts val="0"/>
         </a:spcAft>
         <a:buNone/>
-        <a:defRPr b="0" i="0" sz="1400" u="none" cap="none" strike="noStrike">
+        <a:defRPr sz="1400" b="0" i="0" u="none" strike="noStrike" cap="none">
           <a:solidFill>
             <a:srgbClr val="000000"/>
           </a:solidFill>
@@ -6212,7 +6472,7 @@
       </a:lvl1pPr>
     </p:titleStyle>
     <p:bodyStyle>
-      <a:defPPr lvl="0" marR="0" rtl="0" algn="l">
+      <a:defPPr marR="0" lvl="0" algn="l" rtl="0">
         <a:lnSpc>
           <a:spcPct val="100000"/>
         </a:lnSpc>
@@ -6223,7 +6483,7 @@
           <a:spcPts val="0"/>
         </a:spcAft>
       </a:defPPr>
-      <a:lvl1pPr lvl="0" marR="0" rtl="0" algn="l">
+      <a:lvl1pPr marR="0" lvl="0" algn="l" rtl="0">
         <a:lnSpc>
           <a:spcPct val="100000"/>
         </a:lnSpc>
@@ -6234,7 +6494,7 @@
           <a:spcPts val="0"/>
         </a:spcAft>
         <a:buNone/>
-        <a:defRPr b="0" i="0" sz="1400" u="none" cap="none" strike="noStrike">
+        <a:defRPr sz="1400" b="0" i="0" u="none" strike="noStrike" cap="none">
           <a:solidFill>
             <a:srgbClr val="000000"/>
           </a:solidFill>
@@ -6244,7 +6504,7 @@
           <a:sym typeface="Arial"/>
         </a:defRPr>
       </a:lvl1pPr>
-      <a:lvl2pPr lvl="1" marR="0" rtl="0" algn="l">
+      <a:lvl2pPr marR="0" lvl="1" algn="l" rtl="0">
         <a:lnSpc>
           <a:spcPct val="100000"/>
         </a:lnSpc>
@@ -6255,7 +6515,7 @@
           <a:spcPts val="0"/>
         </a:spcAft>
         <a:buNone/>
-        <a:defRPr b="0" i="0" sz="1400" u="none" cap="none" strike="noStrike">
+        <a:defRPr sz="1400" b="0" i="0" u="none" strike="noStrike" cap="none">
           <a:solidFill>
             <a:srgbClr val="000000"/>
           </a:solidFill>
@@ -6265,7 +6525,7 @@
           <a:sym typeface="Arial"/>
         </a:defRPr>
       </a:lvl2pPr>
-      <a:lvl3pPr lvl="2" marR="0" rtl="0" algn="l">
+      <a:lvl3pPr marR="0" lvl="2" algn="l" rtl="0">
         <a:lnSpc>
           <a:spcPct val="100000"/>
         </a:lnSpc>
@@ -6276,7 +6536,7 @@
           <a:spcPts val="0"/>
         </a:spcAft>
         <a:buNone/>
-        <a:defRPr b="0" i="0" sz="1400" u="none" cap="none" strike="noStrike">
+        <a:defRPr sz="1400" b="0" i="0" u="none" strike="noStrike" cap="none">
           <a:solidFill>
             <a:srgbClr val="000000"/>
           </a:solidFill>
@@ -6286,7 +6546,7 @@
           <a:sym typeface="Arial"/>
         </a:defRPr>
       </a:lvl3pPr>
-      <a:lvl4pPr lvl="3" marR="0" rtl="0" algn="l">
+      <a:lvl4pPr marR="0" lvl="3" algn="l" rtl="0">
         <a:lnSpc>
           <a:spcPct val="100000"/>
         </a:lnSpc>
@@ -6297,7 +6557,7 @@
           <a:spcPts val="0"/>
         </a:spcAft>
         <a:buNone/>
-        <a:defRPr b="0" i="0" sz="1400" u="none" cap="none" strike="noStrike">
+        <a:defRPr sz="1400" b="0" i="0" u="none" strike="noStrike" cap="none">
           <a:solidFill>
             <a:srgbClr val="000000"/>
           </a:solidFill>
@@ -6307,7 +6567,7 @@
           <a:sym typeface="Arial"/>
         </a:defRPr>
       </a:lvl4pPr>
-      <a:lvl5pPr lvl="4" marR="0" rtl="0" algn="l">
+      <a:lvl5pPr marR="0" lvl="4" algn="l" rtl="0">
         <a:lnSpc>
           <a:spcPct val="100000"/>
         </a:lnSpc>
@@ -6318,7 +6578,7 @@
           <a:spcPts val="0"/>
         </a:spcAft>
         <a:buNone/>
-        <a:defRPr b="0" i="0" sz="1400" u="none" cap="none" strike="noStrike">
+        <a:defRPr sz="1400" b="0" i="0" u="none" strike="noStrike" cap="none">
           <a:solidFill>
             <a:srgbClr val="000000"/>
           </a:solidFill>
@@ -6328,7 +6588,7 @@
           <a:sym typeface="Arial"/>
         </a:defRPr>
       </a:lvl5pPr>
-      <a:lvl6pPr lvl="5" marR="0" rtl="0" algn="l">
+      <a:lvl6pPr marR="0" lvl="5" algn="l" rtl="0">
         <a:lnSpc>
           <a:spcPct val="100000"/>
         </a:lnSpc>
@@ -6339,7 +6599,7 @@
           <a:spcPts val="0"/>
         </a:spcAft>
         <a:buNone/>
-        <a:defRPr b="0" i="0" sz="1400" u="none" cap="none" strike="noStrike">
+        <a:defRPr sz="1400" b="0" i="0" u="none" strike="noStrike" cap="none">
           <a:solidFill>
             <a:srgbClr val="000000"/>
           </a:solidFill>
@@ -6349,7 +6609,7 @@
           <a:sym typeface="Arial"/>
         </a:defRPr>
       </a:lvl6pPr>
-      <a:lvl7pPr lvl="6" marR="0" rtl="0" algn="l">
+      <a:lvl7pPr marR="0" lvl="6" algn="l" rtl="0">
         <a:lnSpc>
           <a:spcPct val="100000"/>
         </a:lnSpc>
@@ -6360,7 +6620,7 @@
           <a:spcPts val="0"/>
         </a:spcAft>
         <a:buNone/>
-        <a:defRPr b="0" i="0" sz="1400" u="none" cap="none" strike="noStrike">
+        <a:defRPr sz="1400" b="0" i="0" u="none" strike="noStrike" cap="none">
           <a:solidFill>
             <a:srgbClr val="000000"/>
           </a:solidFill>
@@ -6370,7 +6630,7 @@
           <a:sym typeface="Arial"/>
         </a:defRPr>
       </a:lvl7pPr>
-      <a:lvl8pPr lvl="7" marR="0" rtl="0" algn="l">
+      <a:lvl8pPr marR="0" lvl="7" algn="l" rtl="0">
         <a:lnSpc>
           <a:spcPct val="100000"/>
         </a:lnSpc>
@@ -6381,7 +6641,7 @@
           <a:spcPts val="0"/>
         </a:spcAft>
         <a:buNone/>
-        <a:defRPr b="0" i="0" sz="1400" u="none" cap="none" strike="noStrike">
+        <a:defRPr sz="1400" b="0" i="0" u="none" strike="noStrike" cap="none">
           <a:solidFill>
             <a:srgbClr val="000000"/>
           </a:solidFill>
@@ -6391,7 +6651,7 @@
           <a:sym typeface="Arial"/>
         </a:defRPr>
       </a:lvl8pPr>
-      <a:lvl9pPr lvl="8" marR="0" rtl="0" algn="l">
+      <a:lvl9pPr marR="0" lvl="8" algn="l" rtl="0">
         <a:lnSpc>
           <a:spcPct val="100000"/>
         </a:lnSpc>
@@ -6402,7 +6662,7 @@
           <a:spcPts val="0"/>
         </a:spcAft>
         <a:buNone/>
-        <a:defRPr b="0" i="0" sz="1400" u="none" cap="none" strike="noStrike">
+        <a:defRPr sz="1400" b="0" i="0" u="none" strike="noStrike" cap="none">
           <a:solidFill>
             <a:srgbClr val="000000"/>
           </a:solidFill>
@@ -6414,7 +6674,7 @@
       </a:lvl9pPr>
     </p:bodyStyle>
     <p:otherStyle>
-      <a:defPPr lvl="0" marR="0" rtl="0" algn="l">
+      <a:defPPr marR="0" lvl="0" algn="l" rtl="0">
         <a:lnSpc>
           <a:spcPct val="100000"/>
         </a:lnSpc>
@@ -6425,7 +6685,7 @@
           <a:spcPts val="0"/>
         </a:spcAft>
       </a:defPPr>
-      <a:lvl1pPr lvl="0" marR="0" rtl="0" algn="l">
+      <a:lvl1pPr marR="0" lvl="0" algn="l" rtl="0">
         <a:lnSpc>
           <a:spcPct val="100000"/>
         </a:lnSpc>
@@ -6436,7 +6696,7 @@
           <a:spcPts val="0"/>
         </a:spcAft>
         <a:buNone/>
-        <a:defRPr b="0" i="0" sz="1400" u="none" cap="none" strike="noStrike">
+        <a:defRPr sz="1400" b="0" i="0" u="none" strike="noStrike" cap="none">
           <a:solidFill>
             <a:srgbClr val="000000"/>
           </a:solidFill>
@@ -6446,7 +6706,7 @@
           <a:sym typeface="Arial"/>
         </a:defRPr>
       </a:lvl1pPr>
-      <a:lvl2pPr lvl="1" marR="0" rtl="0" algn="l">
+      <a:lvl2pPr marR="0" lvl="1" algn="l" rtl="0">
         <a:lnSpc>
           <a:spcPct val="100000"/>
         </a:lnSpc>
@@ -6457,7 +6717,7 @@
           <a:spcPts val="0"/>
         </a:spcAft>
         <a:buNone/>
-        <a:defRPr b="0" i="0" sz="1400" u="none" cap="none" strike="noStrike">
+        <a:defRPr sz="1400" b="0" i="0" u="none" strike="noStrike" cap="none">
           <a:solidFill>
             <a:srgbClr val="000000"/>
           </a:solidFill>
@@ -6467,7 +6727,7 @@
           <a:sym typeface="Arial"/>
         </a:defRPr>
       </a:lvl2pPr>
-      <a:lvl3pPr lvl="2" marR="0" rtl="0" algn="l">
+      <a:lvl3pPr marR="0" lvl="2" algn="l" rtl="0">
         <a:lnSpc>
           <a:spcPct val="100000"/>
         </a:lnSpc>
@@ -6478,7 +6738,7 @@
           <a:spcPts val="0"/>
         </a:spcAft>
         <a:buNone/>
-        <a:defRPr b="0" i="0" sz="1400" u="none" cap="none" strike="noStrike">
+        <a:defRPr sz="1400" b="0" i="0" u="none" strike="noStrike" cap="none">
           <a:solidFill>
             <a:srgbClr val="000000"/>
           </a:solidFill>
@@ -6488,7 +6748,7 @@
           <a:sym typeface="Arial"/>
         </a:defRPr>
       </a:lvl3pPr>
-      <a:lvl4pPr lvl="3" marR="0" rtl="0" algn="l">
+      <a:lvl4pPr marR="0" lvl="3" algn="l" rtl="0">
         <a:lnSpc>
           <a:spcPct val="100000"/>
         </a:lnSpc>
@@ -6499,7 +6759,7 @@
           <a:spcPts val="0"/>
         </a:spcAft>
         <a:buNone/>
-        <a:defRPr b="0" i="0" sz="1400" u="none" cap="none" strike="noStrike">
+        <a:defRPr sz="1400" b="0" i="0" u="none" strike="noStrike" cap="none">
           <a:solidFill>
             <a:srgbClr val="000000"/>
           </a:solidFill>
@@ -6509,7 +6769,7 @@
           <a:sym typeface="Arial"/>
         </a:defRPr>
       </a:lvl4pPr>
-      <a:lvl5pPr lvl="4" marR="0" rtl="0" algn="l">
+      <a:lvl5pPr marR="0" lvl="4" algn="l" rtl="0">
         <a:lnSpc>
           <a:spcPct val="100000"/>
         </a:lnSpc>
@@ -6520,7 +6780,7 @@
           <a:spcPts val="0"/>
         </a:spcAft>
         <a:buNone/>
-        <a:defRPr b="0" i="0" sz="1400" u="none" cap="none" strike="noStrike">
+        <a:defRPr sz="1400" b="0" i="0" u="none" strike="noStrike" cap="none">
           <a:solidFill>
             <a:srgbClr val="000000"/>
           </a:solidFill>
@@ -6530,7 +6790,7 @@
           <a:sym typeface="Arial"/>
         </a:defRPr>
       </a:lvl5pPr>
-      <a:lvl6pPr lvl="5" marR="0" rtl="0" algn="l">
+      <a:lvl6pPr marR="0" lvl="5" algn="l" rtl="0">
         <a:lnSpc>
           <a:spcPct val="100000"/>
         </a:lnSpc>
@@ -6541,7 +6801,7 @@
           <a:spcPts val="0"/>
         </a:spcAft>
         <a:buNone/>
-        <a:defRPr b="0" i="0" sz="1400" u="none" cap="none" strike="noStrike">
+        <a:defRPr sz="1400" b="0" i="0" u="none" strike="noStrike" cap="none">
           <a:solidFill>
             <a:srgbClr val="000000"/>
           </a:solidFill>
@@ -6551,7 +6811,7 @@
           <a:sym typeface="Arial"/>
         </a:defRPr>
       </a:lvl6pPr>
-      <a:lvl7pPr lvl="6" marR="0" rtl="0" algn="l">
+      <a:lvl7pPr marR="0" lvl="6" algn="l" rtl="0">
         <a:lnSpc>
           <a:spcPct val="100000"/>
         </a:lnSpc>
@@ -6562,7 +6822,7 @@
           <a:spcPts val="0"/>
         </a:spcAft>
         <a:buNone/>
-        <a:defRPr b="0" i="0" sz="1400" u="none" cap="none" strike="noStrike">
+        <a:defRPr sz="1400" b="0" i="0" u="none" strike="noStrike" cap="none">
           <a:solidFill>
             <a:srgbClr val="000000"/>
           </a:solidFill>
@@ -6572,7 +6832,7 @@
           <a:sym typeface="Arial"/>
         </a:defRPr>
       </a:lvl7pPr>
-      <a:lvl8pPr lvl="7" marR="0" rtl="0" algn="l">
+      <a:lvl8pPr marR="0" lvl="7" algn="l" rtl="0">
         <a:lnSpc>
           <a:spcPct val="100000"/>
         </a:lnSpc>
@@ -6583,7 +6843,7 @@
           <a:spcPts val="0"/>
         </a:spcAft>
         <a:buNone/>
-        <a:defRPr b="0" i="0" sz="1400" u="none" cap="none" strike="noStrike">
+        <a:defRPr sz="1400" b="0" i="0" u="none" strike="noStrike" cap="none">
           <a:solidFill>
             <a:srgbClr val="000000"/>
           </a:solidFill>
@@ -6593,7 +6853,7 @@
           <a:sym typeface="Arial"/>
         </a:defRPr>
       </a:lvl8pPr>
-      <a:lvl9pPr lvl="8" marR="0" rtl="0" algn="l">
+      <a:lvl9pPr marR="0" lvl="8" algn="l" rtl="0">
         <a:lnSpc>
           <a:spcPct val="100000"/>
         </a:lnSpc>
@@ -6604,7 +6864,7 @@
           <a:spcPts val="0"/>
         </a:spcAft>
         <a:buNone/>
-        <a:defRPr b="0" i="0" sz="1400" u="none" cap="none" strike="noStrike">
+        <a:defRPr sz="1400" b="0" i="0" u="none" strike="noStrike" cap="none">
           <a:solidFill>
             <a:srgbClr val="000000"/>
           </a:solidFill>
@@ -6620,11 +6880,11 @@
 </file>
 
 <file path=ppt/slides/slide1.xml><?xml version="1.0" encoding="utf-8"?>
-<p:sld xmlns:a="http://schemas.openxmlformats.org/drawingml/2006/main" xmlns:r="http://schemas.openxmlformats.org/officeDocument/2006/relationships" xmlns:mc="http://schemas.openxmlformats.org/markup-compatibility/2006" xmlns:mv="urn:schemas-microsoft-com:mac:vml" xmlns:p="http://schemas.openxmlformats.org/presentationml/2006/main" xmlns:c="http://schemas.openxmlformats.org/drawingml/2006/chart" xmlns:dgm="http://schemas.openxmlformats.org/drawingml/2006/diagram" xmlns:o="urn:schemas-microsoft-com:office:office" xmlns:v="urn:schemas-microsoft-com:vml" xmlns:pvml="urn:schemas-microsoft-com:office:powerpoint" xmlns:com="http://schemas.openxmlformats.org/drawingml/2006/compatibility" xmlns:p14="http://schemas.microsoft.com/office/powerpoint/2010/main" xmlns:p15="http://schemas.microsoft.com/office/powerpoint/2012/main">
+<p:sld xmlns:a="http://schemas.openxmlformats.org/drawingml/2006/main" xmlns:r="http://schemas.openxmlformats.org/officeDocument/2006/relationships" xmlns:p="http://schemas.openxmlformats.org/presentationml/2006/main">
   <p:cSld>
     <p:spTree>
       <p:nvGrpSpPr>
-        <p:cNvPr id="85" name="Shape 85"/>
+        <p:cNvPr id="1" name="Shape 85"/>
         <p:cNvGrpSpPr/>
         <p:nvPr/>
       </p:nvGrpSpPr>
@@ -6639,7 +6899,9 @@
       <p:sp>
         <p:nvSpPr>
           <p:cNvPr id="86" name="Shape 86"/>
-          <p:cNvSpPr txBox="1"/>
+          <p:cNvSpPr txBox="1">
+            <a:spLocks noGrp="1"/>
+          </p:cNvSpPr>
           <p:nvPr>
             <p:ph type="ctrTitle"/>
           </p:nvPr>
@@ -6654,7 +6916,7 @@
           </a:prstGeom>
         </p:spPr>
         <p:txBody>
-          <a:bodyPr anchorCtr="0" anchor="t" bIns="91425" lIns="91425" rIns="91425" wrap="square" tIns="91425">
+          <a:bodyPr wrap="square" lIns="91425" tIns="91425" rIns="91425" bIns="91425" anchor="t" anchorCtr="0">
             <a:noAutofit/>
           </a:bodyPr>
           <a:lstStyle/>
@@ -6708,9 +6970,6 @@
               </a:spcBef>
               <a:buNone/>
             </a:pPr>
-            <a:r>
-              <a:t/>
-            </a:r>
             <a:endParaRPr sz="1400"/>
           </a:p>
           <a:p>
@@ -6720,9 +6979,6 @@
               </a:spcBef>
               <a:buNone/>
             </a:pPr>
-            <a:r>
-              <a:t/>
-            </a:r>
             <a:endParaRPr sz="1400"/>
           </a:p>
           <a:p>
@@ -6742,9 +6998,11 @@
       <p:sp>
         <p:nvSpPr>
           <p:cNvPr id="87" name="Shape 87"/>
-          <p:cNvSpPr txBox="1"/>
+          <p:cNvSpPr txBox="1">
+            <a:spLocks noGrp="1"/>
+          </p:cNvSpPr>
           <p:nvPr>
-            <p:ph idx="1" type="subTitle"/>
+            <p:ph type="subTitle" idx="1"/>
           </p:nvPr>
         </p:nvSpPr>
         <p:spPr>
@@ -6757,7 +7015,7 @@
           </a:prstGeom>
         </p:spPr>
         <p:txBody>
-          <a:bodyPr anchorCtr="0" anchor="t" bIns="91425" lIns="91425" rIns="91425" wrap="square" tIns="91425">
+          <a:bodyPr wrap="square" lIns="91425" tIns="91425" rIns="91425" bIns="91425" anchor="t" anchorCtr="0">
             <a:noAutofit/>
           </a:bodyPr>
           <a:lstStyle/>
@@ -6796,11 +7054,11 @@
 </file>
 
 <file path=ppt/slides/slide10.xml><?xml version="1.0" encoding="utf-8"?>
-<p:sld xmlns:a="http://schemas.openxmlformats.org/drawingml/2006/main" xmlns:r="http://schemas.openxmlformats.org/officeDocument/2006/relationships" xmlns:mc="http://schemas.openxmlformats.org/markup-compatibility/2006" xmlns:mv="urn:schemas-microsoft-com:mac:vml" xmlns:p="http://schemas.openxmlformats.org/presentationml/2006/main" xmlns:c="http://schemas.openxmlformats.org/drawingml/2006/chart" xmlns:dgm="http://schemas.openxmlformats.org/drawingml/2006/diagram" xmlns:o="urn:schemas-microsoft-com:office:office" xmlns:v="urn:schemas-microsoft-com:vml" xmlns:pvml="urn:schemas-microsoft-com:office:powerpoint" xmlns:com="http://schemas.openxmlformats.org/drawingml/2006/compatibility" xmlns:p14="http://schemas.microsoft.com/office/powerpoint/2010/main" xmlns:p15="http://schemas.microsoft.com/office/powerpoint/2012/main">
+<p:sld xmlns:a="http://schemas.openxmlformats.org/drawingml/2006/main" xmlns:r="http://schemas.openxmlformats.org/officeDocument/2006/relationships" xmlns:p="http://schemas.openxmlformats.org/presentationml/2006/main">
   <p:cSld>
     <p:spTree>
       <p:nvGrpSpPr>
-        <p:cNvPr id="153" name="Shape 153"/>
+        <p:cNvPr id="1" name="Shape 121"/>
         <p:cNvGrpSpPr/>
         <p:nvPr/>
       </p:nvGrpSpPr>
@@ -6812,10 +7070,39 @@
           <a:chExt cx="0" cy="0"/>
         </a:xfrm>
       </p:grpSpPr>
-      <p:sp>
-        <p:nvSpPr>
-          <p:cNvPr id="154" name="Shape 154"/>
-          <p:cNvSpPr txBox="1"/>
+      <p:pic>
+        <p:nvPicPr>
+          <p:cNvPr id="125" name="Shape 125" descr="AND.png"/>
+          <p:cNvPicPr preferRelativeResize="0"/>
+          <p:nvPr/>
+        </p:nvPicPr>
+        <p:blipFill rotWithShape="1">
+          <a:blip r:embed="rId3">
+            <a:alphaModFix/>
+          </a:blip>
+          <a:srcRect l="9692" b="6546"/>
+          <a:stretch/>
+        </p:blipFill>
+        <p:spPr>
+          <a:xfrm>
+            <a:off x="62598" y="1716488"/>
+            <a:ext cx="5696436" cy="3310099"/>
+          </a:xfrm>
+          <a:prstGeom prst="rect">
+            <a:avLst/>
+          </a:prstGeom>
+          <a:noFill/>
+          <a:ln>
+            <a:noFill/>
+          </a:ln>
+        </p:spPr>
+      </p:pic>
+      <p:sp>
+        <p:nvSpPr>
+          <p:cNvPr id="122" name="Shape 122"/>
+          <p:cNvSpPr txBox="1">
+            <a:spLocks noGrp="1"/>
+          </p:cNvSpPr>
           <p:nvPr>
             <p:ph type="title"/>
           </p:nvPr>
@@ -6830,7 +7117,138 @@
           </a:prstGeom>
         </p:spPr>
         <p:txBody>
-          <a:bodyPr anchorCtr="0" anchor="t" bIns="91425" lIns="91425" rIns="91425" wrap="square" tIns="91425">
+          <a:bodyPr wrap="square" lIns="91425" tIns="91425" rIns="91425" bIns="91425" anchor="t" anchorCtr="0">
+            <a:noAutofit/>
+          </a:bodyPr>
+          <a:lstStyle/>
+          <a:p>
+            <a:pPr lvl="0">
+              <a:spcBef>
+                <a:spcPts val="0"/>
+              </a:spcBef>
+              <a:buNone/>
+            </a:pPr>
+            <a:r>
+              <a:rPr lang="en" dirty="0"/>
+              <a:t>AND</a:t>
+            </a:r>
+          </a:p>
+        </p:txBody>
+      </p:sp>
+      <p:sp>
+        <p:nvSpPr>
+          <p:cNvPr id="124" name="Shape 124"/>
+          <p:cNvSpPr txBox="1">
+            <a:spLocks noGrp="1"/>
+          </p:cNvSpPr>
+          <p:nvPr>
+            <p:ph type="sldNum" idx="12"/>
+          </p:nvPr>
+        </p:nvSpPr>
+        <p:spPr>
+          <a:xfrm>
+            <a:off x="8536302" y="4749851"/>
+            <a:ext cx="548700" cy="393600"/>
+          </a:xfrm>
+          <a:prstGeom prst="rect">
+            <a:avLst/>
+          </a:prstGeom>
+        </p:spPr>
+        <p:txBody>
+          <a:bodyPr wrap="square" lIns="91425" tIns="91425" rIns="91425" bIns="91425" anchor="ctr" anchorCtr="0">
+            <a:noAutofit/>
+          </a:bodyPr>
+          <a:lstStyle/>
+          <a:p>
+            <a:pPr lvl="0">
+              <a:spcBef>
+                <a:spcPts val="0"/>
+              </a:spcBef>
+              <a:buNone/>
+            </a:pPr>
+            <a:fld id="{00000000-1234-1234-1234-123412341234}" type="slidenum">
+              <a:rPr lang="en"/>
+              <a:t>10</a:t>
+            </a:fld>
+            <a:endParaRPr lang="en"/>
+          </a:p>
+        </p:txBody>
+      </p:sp>
+      <p:pic>
+        <p:nvPicPr>
+          <p:cNvPr id="5" name="Grafik 4">
+            <a:extLst>
+              <a:ext uri="{FF2B5EF4-FFF2-40B4-BE49-F238E27FC236}">
+                <a16:creationId xmlns:a16="http://schemas.microsoft.com/office/drawing/2014/main" id="{CB82B63F-1C39-46DA-BF15-96FA4FBEF903}"/>
+              </a:ext>
+            </a:extLst>
+          </p:cNvPr>
+          <p:cNvPicPr>
+            <a:picLocks noChangeAspect="1"/>
+          </p:cNvPicPr>
+          <p:nvPr/>
+        </p:nvPicPr>
+        <p:blipFill rotWithShape="1">
+          <a:blip r:embed="rId4"/>
+          <a:srcRect l="10300" t="10287" r="7872" b="4989"/>
+          <a:stretch/>
+        </p:blipFill>
+        <p:spPr>
+          <a:xfrm>
+            <a:off x="4255912" y="501613"/>
+            <a:ext cx="4829090" cy="2928380"/>
+          </a:xfrm>
+          <a:prstGeom prst="rect">
+            <a:avLst/>
+          </a:prstGeom>
+        </p:spPr>
+      </p:pic>
+    </p:spTree>
+  </p:cSld>
+  <p:clrMapOvr>
+    <a:masterClrMapping/>
+  </p:clrMapOvr>
+</p:sld>
+</file>
+
+<file path=ppt/slides/slide11.xml><?xml version="1.0" encoding="utf-8"?>
+<p:sld xmlns:a="http://schemas.openxmlformats.org/drawingml/2006/main" xmlns:r="http://schemas.openxmlformats.org/officeDocument/2006/relationships" xmlns:p="http://schemas.openxmlformats.org/presentationml/2006/main">
+  <p:cSld>
+    <p:spTree>
+      <p:nvGrpSpPr>
+        <p:cNvPr id="1" name="Shape 129"/>
+        <p:cNvGrpSpPr/>
+        <p:nvPr/>
+      </p:nvGrpSpPr>
+      <p:grpSpPr>
+        <a:xfrm>
+          <a:off x="0" y="0"/>
+          <a:ext cx="0" cy="0"/>
+          <a:chOff x="0" y="0"/>
+          <a:chExt cx="0" cy="0"/>
+        </a:xfrm>
+      </p:grpSpPr>
+      <p:sp>
+        <p:nvSpPr>
+          <p:cNvPr id="130" name="Shape 130"/>
+          <p:cNvSpPr txBox="1">
+            <a:spLocks noGrp="1"/>
+          </p:cNvSpPr>
+          <p:nvPr>
+            <p:ph type="title"/>
+          </p:nvPr>
+        </p:nvSpPr>
+        <p:spPr>
+          <a:xfrm>
+            <a:off x="729450" y="1318650"/>
+            <a:ext cx="7688700" cy="535200"/>
+          </a:xfrm>
+          <a:prstGeom prst="rect">
+            <a:avLst/>
+          </a:prstGeom>
+        </p:spPr>
+        <p:txBody>
+          <a:bodyPr wrap="square" lIns="91425" tIns="91425" rIns="91425" bIns="91425" anchor="t" anchorCtr="0">
             <a:noAutofit/>
           </a:bodyPr>
           <a:lstStyle/>
@@ -6843,30 +7261,32 @@
             </a:pPr>
             <a:r>
               <a:rPr lang="en"/>
-              <a:t>GRAN</a:t>
+              <a:t>AND - Mean</a:t>
             </a:r>
           </a:p>
         </p:txBody>
       </p:sp>
       <p:sp>
         <p:nvSpPr>
-          <p:cNvPr id="155" name="Shape 155"/>
-          <p:cNvSpPr txBox="1"/>
+          <p:cNvPr id="131" name="Shape 131"/>
+          <p:cNvSpPr txBox="1">
+            <a:spLocks noGrp="1"/>
+          </p:cNvSpPr>
           <p:nvPr>
-            <p:ph idx="1" type="body"/>
+            <p:ph type="body" idx="1"/>
           </p:nvPr>
         </p:nvSpPr>
         <p:spPr>
           <a:xfrm>
-            <a:off x="729450" y="2078875"/>
-            <a:ext cx="7688700" cy="2261100"/>
+            <a:off x="5011528" y="3681465"/>
+            <a:ext cx="3799124" cy="891381"/>
           </a:xfrm>
           <a:prstGeom prst="rect">
             <a:avLst/>
           </a:prstGeom>
         </p:spPr>
         <p:txBody>
-          <a:bodyPr anchorCtr="0" anchor="t" bIns="91425" lIns="91425" rIns="91425" wrap="square" tIns="91425">
+          <a:bodyPr wrap="square" lIns="91425" tIns="91425" rIns="91425" bIns="91425" anchor="t" anchorCtr="0">
             <a:noAutofit/>
           </a:bodyPr>
           <a:lstStyle/>
@@ -6878,18 +7298,41 @@
               <a:buNone/>
             </a:pPr>
             <a:r>
-              <a:t/>
+              <a:rPr lang="de-DE" dirty="0" err="1"/>
+              <a:t>Similar</a:t>
             </a:r>
-            <a:endParaRPr/>
+            <a:r>
+              <a:rPr lang="de-DE" dirty="0"/>
+              <a:t> </a:t>
+            </a:r>
+            <a:r>
+              <a:rPr lang="de-DE" dirty="0" err="1"/>
+              <a:t>figures</a:t>
+            </a:r>
+            <a:r>
+              <a:rPr lang="de-DE" dirty="0"/>
+              <a:t> </a:t>
+            </a:r>
+            <a:r>
+              <a:rPr lang="de-DE" dirty="0" err="1"/>
+              <a:t>for</a:t>
+            </a:r>
+            <a:r>
+              <a:rPr lang="de-DE" dirty="0"/>
+              <a:t> SD and TD</a:t>
+            </a:r>
+            <a:endParaRPr dirty="0"/>
           </a:p>
         </p:txBody>
       </p:sp>
       <p:sp>
         <p:nvSpPr>
-          <p:cNvPr id="156" name="Shape 156"/>
-          <p:cNvSpPr txBox="1"/>
+          <p:cNvPr id="132" name="Shape 132"/>
+          <p:cNvSpPr txBox="1">
+            <a:spLocks noGrp="1"/>
+          </p:cNvSpPr>
           <p:nvPr>
-            <p:ph idx="12" type="sldNum"/>
+            <p:ph type="sldNum" idx="12"/>
           </p:nvPr>
         </p:nvSpPr>
         <p:spPr>
@@ -6902,7 +7345,7 @@
           </a:prstGeom>
         </p:spPr>
         <p:txBody>
-          <a:bodyPr anchorCtr="0" anchor="ctr" bIns="91425" lIns="91425" rIns="91425" wrap="square" tIns="91425">
+          <a:bodyPr wrap="square" lIns="91425" tIns="91425" rIns="91425" bIns="91425" anchor="ctr" anchorCtr="0">
             <a:noAutofit/>
           </a:bodyPr>
           <a:lstStyle/>
@@ -6915,14 +7358,96 @@
             </a:pPr>
             <a:fld id="{00000000-1234-1234-1234-123412341234}" type="slidenum">
               <a:rPr lang="en"/>
-              <a:t>‹#›</a:t>
+              <a:t>11</a:t>
             </a:fld>
+            <a:endParaRPr lang="en"/>
           </a:p>
         </p:txBody>
       </p:sp>
       <p:pic>
         <p:nvPicPr>
-          <p:cNvPr descr="GRAN.png" id="157" name="Shape 157"/>
+          <p:cNvPr id="133" name="Shape 133" descr="AND-MEAN.png"/>
+          <p:cNvPicPr preferRelativeResize="0"/>
+          <p:nvPr/>
+        </p:nvPicPr>
+        <p:blipFill rotWithShape="1">
+          <a:blip r:embed="rId3">
+            <a:alphaModFix/>
+          </a:blip>
+          <a:srcRect l="8437" t="7342" r="7922" b="5503"/>
+          <a:stretch/>
+        </p:blipFill>
+        <p:spPr>
+          <a:xfrm>
+            <a:off x="184552" y="2275675"/>
+            <a:ext cx="4376584" cy="2670976"/>
+          </a:xfrm>
+          <a:prstGeom prst="rect">
+            <a:avLst/>
+          </a:prstGeom>
+          <a:noFill/>
+          <a:ln>
+            <a:noFill/>
+          </a:ln>
+        </p:spPr>
+      </p:pic>
+      <p:pic>
+        <p:nvPicPr>
+          <p:cNvPr id="5" name="Grafik 4">
+            <a:extLst>
+              <a:ext uri="{FF2B5EF4-FFF2-40B4-BE49-F238E27FC236}">
+                <a16:creationId xmlns:a16="http://schemas.microsoft.com/office/drawing/2014/main" id="{168665CD-0323-4B74-8E37-BFE25CAE7525}"/>
+              </a:ext>
+            </a:extLst>
+          </p:cNvPr>
+          <p:cNvPicPr>
+            <a:picLocks noChangeAspect="1"/>
+          </p:cNvPicPr>
+          <p:nvPr/>
+        </p:nvPicPr>
+        <p:blipFill rotWithShape="1">
+          <a:blip r:embed="rId4"/>
+          <a:srcRect l="8193" t="9043" r="8252" b="8322"/>
+          <a:stretch/>
+        </p:blipFill>
+        <p:spPr>
+          <a:xfrm>
+            <a:off x="4303996" y="538335"/>
+            <a:ext cx="4781006" cy="2769326"/>
+          </a:xfrm>
+          <a:prstGeom prst="rect">
+            <a:avLst/>
+          </a:prstGeom>
+        </p:spPr>
+      </p:pic>
+    </p:spTree>
+  </p:cSld>
+  <p:clrMapOvr>
+    <a:masterClrMapping/>
+  </p:clrMapOvr>
+</p:sld>
+</file>
+
+<file path=ppt/slides/slide12.xml><?xml version="1.0" encoding="utf-8"?>
+<p:sld xmlns:a="http://schemas.openxmlformats.org/drawingml/2006/main" xmlns:r="http://schemas.openxmlformats.org/officeDocument/2006/relationships" xmlns:p="http://schemas.openxmlformats.org/presentationml/2006/main">
+  <p:cSld>
+    <p:spTree>
+      <p:nvGrpSpPr>
+        <p:cNvPr id="1" name="Shape 153"/>
+        <p:cNvGrpSpPr/>
+        <p:nvPr/>
+      </p:nvGrpSpPr>
+      <p:grpSpPr>
+        <a:xfrm>
+          <a:off x="0" y="0"/>
+          <a:ext cx="0" cy="0"/>
+          <a:chOff x="0" y="0"/>
+          <a:chExt cx="0" cy="0"/>
+        </a:xfrm>
+      </p:grpSpPr>
+      <p:pic>
+        <p:nvPicPr>
+          <p:cNvPr id="157" name="Shape 157" descr="GRAN.png"/>
           <p:cNvPicPr preferRelativeResize="0"/>
           <p:nvPr/>
         </p:nvPicPr>
@@ -6936,8 +7461,8 @@
         </p:blipFill>
         <p:spPr>
           <a:xfrm>
-            <a:off x="1859151" y="1853850"/>
-            <a:ext cx="5425699" cy="3177724"/>
+            <a:off x="1498616" y="660517"/>
+            <a:ext cx="7075843" cy="4482934"/>
           </a:xfrm>
           <a:prstGeom prst="rect">
             <a:avLst/>
@@ -6948,6 +7473,118 @@
           </a:ln>
         </p:spPr>
       </p:pic>
+      <p:sp>
+        <p:nvSpPr>
+          <p:cNvPr id="154" name="Shape 154"/>
+          <p:cNvSpPr txBox="1">
+            <a:spLocks noGrp="1"/>
+          </p:cNvSpPr>
+          <p:nvPr>
+            <p:ph type="title"/>
+          </p:nvPr>
+        </p:nvSpPr>
+        <p:spPr>
+          <a:xfrm>
+            <a:off x="729450" y="1318650"/>
+            <a:ext cx="7688700" cy="535200"/>
+          </a:xfrm>
+          <a:prstGeom prst="rect">
+            <a:avLst/>
+          </a:prstGeom>
+        </p:spPr>
+        <p:txBody>
+          <a:bodyPr wrap="square" lIns="91425" tIns="91425" rIns="91425" bIns="91425" anchor="t" anchorCtr="0">
+            <a:noAutofit/>
+          </a:bodyPr>
+          <a:lstStyle/>
+          <a:p>
+            <a:pPr lvl="0">
+              <a:spcBef>
+                <a:spcPts val="0"/>
+              </a:spcBef>
+              <a:buNone/>
+            </a:pPr>
+            <a:r>
+              <a:rPr lang="en"/>
+              <a:t>GRAN</a:t>
+            </a:r>
+          </a:p>
+        </p:txBody>
+      </p:sp>
+      <p:sp>
+        <p:nvSpPr>
+          <p:cNvPr id="155" name="Shape 155"/>
+          <p:cNvSpPr txBox="1">
+            <a:spLocks noGrp="1"/>
+          </p:cNvSpPr>
+          <p:nvPr>
+            <p:ph type="body" idx="1"/>
+          </p:nvPr>
+        </p:nvSpPr>
+        <p:spPr>
+          <a:xfrm>
+            <a:off x="729450" y="2078875"/>
+            <a:ext cx="7688700" cy="2261100"/>
+          </a:xfrm>
+          <a:prstGeom prst="rect">
+            <a:avLst/>
+          </a:prstGeom>
+        </p:spPr>
+        <p:txBody>
+          <a:bodyPr wrap="square" lIns="91425" tIns="91425" rIns="91425" bIns="91425" anchor="t" anchorCtr="0">
+            <a:noAutofit/>
+          </a:bodyPr>
+          <a:lstStyle/>
+          <a:p>
+            <a:pPr lvl="0">
+              <a:spcBef>
+                <a:spcPts val="0"/>
+              </a:spcBef>
+              <a:buNone/>
+            </a:pPr>
+            <a:endParaRPr/>
+          </a:p>
+        </p:txBody>
+      </p:sp>
+      <p:sp>
+        <p:nvSpPr>
+          <p:cNvPr id="156" name="Shape 156"/>
+          <p:cNvSpPr txBox="1">
+            <a:spLocks noGrp="1"/>
+          </p:cNvSpPr>
+          <p:nvPr>
+            <p:ph type="sldNum" idx="12"/>
+          </p:nvPr>
+        </p:nvSpPr>
+        <p:spPr>
+          <a:xfrm>
+            <a:off x="8536302" y="4749851"/>
+            <a:ext cx="548700" cy="393600"/>
+          </a:xfrm>
+          <a:prstGeom prst="rect">
+            <a:avLst/>
+          </a:prstGeom>
+        </p:spPr>
+        <p:txBody>
+          <a:bodyPr wrap="square" lIns="91425" tIns="91425" rIns="91425" bIns="91425" anchor="ctr" anchorCtr="0">
+            <a:noAutofit/>
+          </a:bodyPr>
+          <a:lstStyle/>
+          <a:p>
+            <a:pPr lvl="0">
+              <a:spcBef>
+                <a:spcPts val="0"/>
+              </a:spcBef>
+              <a:buNone/>
+            </a:pPr>
+            <a:fld id="{00000000-1234-1234-1234-123412341234}" type="slidenum">
+              <a:rPr lang="en"/>
+              <a:t>12</a:t>
+            </a:fld>
+            <a:endParaRPr lang="en"/>
+          </a:p>
+        </p:txBody>
+      </p:sp>
     </p:spTree>
   </p:cSld>
   <p:clrMapOvr>
@@ -6956,12 +7593,12 @@
 </p:sld>
 </file>
 
-<file path=ppt/slides/slide11.xml><?xml version="1.0" encoding="utf-8"?>
-<p:sld xmlns:a="http://schemas.openxmlformats.org/drawingml/2006/main" xmlns:r="http://schemas.openxmlformats.org/officeDocument/2006/relationships" xmlns:mc="http://schemas.openxmlformats.org/markup-compatibility/2006" xmlns:mv="urn:schemas-microsoft-com:mac:vml" xmlns:p="http://schemas.openxmlformats.org/presentationml/2006/main" xmlns:c="http://schemas.openxmlformats.org/drawingml/2006/chart" xmlns:dgm="http://schemas.openxmlformats.org/drawingml/2006/diagram" xmlns:o="urn:schemas-microsoft-com:office:office" xmlns:v="urn:schemas-microsoft-com:vml" xmlns:pvml="urn:schemas-microsoft-com:office:powerpoint" xmlns:com="http://schemas.openxmlformats.org/drawingml/2006/compatibility" xmlns:p14="http://schemas.microsoft.com/office/powerpoint/2010/main" xmlns:p15="http://schemas.microsoft.com/office/powerpoint/2012/main">
+<file path=ppt/slides/slide13.xml><?xml version="1.0" encoding="utf-8"?>
+<p:sld xmlns:a="http://schemas.openxmlformats.org/drawingml/2006/main" xmlns:r="http://schemas.openxmlformats.org/officeDocument/2006/relationships" xmlns:p="http://schemas.openxmlformats.org/presentationml/2006/main">
   <p:cSld>
     <p:spTree>
       <p:nvGrpSpPr>
-        <p:cNvPr id="161" name="Shape 161"/>
+        <p:cNvPr id="1" name="Shape 169"/>
         <p:cNvGrpSpPr/>
         <p:nvPr/>
       </p:nvGrpSpPr>
@@ -6975,8 +7612,10 @@
       </p:grpSpPr>
       <p:sp>
         <p:nvSpPr>
-          <p:cNvPr id="162" name="Shape 162"/>
-          <p:cNvSpPr txBox="1"/>
+          <p:cNvPr id="170" name="Shape 170"/>
+          <p:cNvSpPr txBox="1">
+            <a:spLocks noGrp="1"/>
+          </p:cNvSpPr>
           <p:nvPr>
             <p:ph type="title"/>
           </p:nvPr>
@@ -6991,7 +7630,7 @@
           </a:prstGeom>
         </p:spPr>
         <p:txBody>
-          <a:bodyPr anchorCtr="0" anchor="t" bIns="91425" lIns="91425" rIns="91425" wrap="square" tIns="91425">
+          <a:bodyPr wrap="square" lIns="91425" tIns="91425" rIns="91425" bIns="91425" anchor="t" anchorCtr="0">
             <a:noAutofit/>
           </a:bodyPr>
           <a:lstStyle/>
@@ -7004,17 +7643,19 @@
             </a:pPr>
             <a:r>
               <a:rPr lang="en"/>
-              <a:t>VP</a:t>
+              <a:t>TYPE</a:t>
             </a:r>
           </a:p>
         </p:txBody>
       </p:sp>
       <p:sp>
         <p:nvSpPr>
-          <p:cNvPr id="163" name="Shape 163"/>
-          <p:cNvSpPr txBox="1"/>
+          <p:cNvPr id="171" name="Shape 171"/>
+          <p:cNvSpPr txBox="1">
+            <a:spLocks noGrp="1"/>
+          </p:cNvSpPr>
           <p:nvPr>
-            <p:ph idx="1" type="body"/>
+            <p:ph type="body" idx="1"/>
           </p:nvPr>
         </p:nvSpPr>
         <p:spPr>
@@ -7027,7 +7668,7 @@
           </a:prstGeom>
         </p:spPr>
         <p:txBody>
-          <a:bodyPr anchorCtr="0" anchor="t" bIns="91425" lIns="91425" rIns="91425" wrap="square" tIns="91425">
+          <a:bodyPr wrap="square" lIns="91425" tIns="91425" rIns="91425" bIns="91425" anchor="t" anchorCtr="0">
             <a:noAutofit/>
           </a:bodyPr>
           <a:lstStyle/>
@@ -7038,19 +7679,18 @@
               </a:spcBef>
               <a:buNone/>
             </a:pPr>
-            <a:r>
-              <a:t/>
-            </a:r>
             <a:endParaRPr/>
           </a:p>
         </p:txBody>
       </p:sp>
       <p:sp>
         <p:nvSpPr>
-          <p:cNvPr id="164" name="Shape 164"/>
-          <p:cNvSpPr txBox="1"/>
+          <p:cNvPr id="172" name="Shape 172"/>
+          <p:cNvSpPr txBox="1">
+            <a:spLocks noGrp="1"/>
+          </p:cNvSpPr>
           <p:nvPr>
-            <p:ph idx="12" type="sldNum"/>
+            <p:ph type="sldNum" idx="12"/>
           </p:nvPr>
         </p:nvSpPr>
         <p:spPr>
@@ -7063,7 +7703,7 @@
           </a:prstGeom>
         </p:spPr>
         <p:txBody>
-          <a:bodyPr anchorCtr="0" anchor="ctr" bIns="91425" lIns="91425" rIns="91425" wrap="square" tIns="91425">
+          <a:bodyPr wrap="square" lIns="91425" tIns="91425" rIns="91425" bIns="91425" anchor="ctr" anchorCtr="0">
             <a:noAutofit/>
           </a:bodyPr>
           <a:lstStyle/>
@@ -7076,14 +7716,15 @@
             </a:pPr>
             <a:fld id="{00000000-1234-1234-1234-123412341234}" type="slidenum">
               <a:rPr lang="en"/>
-              <a:t>‹#›</a:t>
+              <a:t>13</a:t>
             </a:fld>
+            <a:endParaRPr lang="en"/>
           </a:p>
         </p:txBody>
       </p:sp>
       <p:pic>
         <p:nvPicPr>
-          <p:cNvPr descr="VP.png" id="165" name="Shape 165"/>
+          <p:cNvPr id="173" name="Shape 173" descr="TYPE.png"/>
           <p:cNvPicPr preferRelativeResize="0"/>
           <p:nvPr/>
         </p:nvPicPr>
@@ -7097,8 +7738,8 @@
         </p:blipFill>
         <p:spPr>
           <a:xfrm>
-            <a:off x="1905101" y="1921425"/>
-            <a:ext cx="5337400" cy="3126000"/>
+            <a:off x="1730066" y="642693"/>
+            <a:ext cx="6688084" cy="4397356"/>
           </a:xfrm>
           <a:prstGeom prst="rect">
             <a:avLst/>
@@ -7117,12 +7758,12 @@
 </p:sld>
 </file>
 
-<file path=ppt/slides/slide12.xml><?xml version="1.0" encoding="utf-8"?>
-<p:sld xmlns:a="http://schemas.openxmlformats.org/drawingml/2006/main" xmlns:r="http://schemas.openxmlformats.org/officeDocument/2006/relationships" xmlns:mc="http://schemas.openxmlformats.org/markup-compatibility/2006" xmlns:mv="urn:schemas-microsoft-com:mac:vml" xmlns:p="http://schemas.openxmlformats.org/presentationml/2006/main" xmlns:c="http://schemas.openxmlformats.org/drawingml/2006/chart" xmlns:dgm="http://schemas.openxmlformats.org/drawingml/2006/diagram" xmlns:o="urn:schemas-microsoft-com:office:office" xmlns:v="urn:schemas-microsoft-com:vml" xmlns:pvml="urn:schemas-microsoft-com:office:powerpoint" xmlns:com="http://schemas.openxmlformats.org/drawingml/2006/compatibility" xmlns:p14="http://schemas.microsoft.com/office/powerpoint/2010/main" xmlns:p15="http://schemas.microsoft.com/office/powerpoint/2012/main">
+<file path=ppt/slides/slide14.xml><?xml version="1.0" encoding="utf-8"?>
+<p:sld xmlns:a="http://schemas.openxmlformats.org/drawingml/2006/main" xmlns:r="http://schemas.openxmlformats.org/officeDocument/2006/relationships" xmlns:p="http://schemas.openxmlformats.org/presentationml/2006/main">
   <p:cSld>
     <p:spTree>
       <p:nvGrpSpPr>
-        <p:cNvPr id="169" name="Shape 169"/>
+        <p:cNvPr id="1" name="Shape 177"/>
         <p:cNvGrpSpPr/>
         <p:nvPr/>
       </p:nvGrpSpPr>
@@ -7136,8 +7777,10 @@
       </p:grpSpPr>
       <p:sp>
         <p:nvSpPr>
-          <p:cNvPr id="170" name="Shape 170"/>
-          <p:cNvSpPr txBox="1"/>
+          <p:cNvPr id="178" name="Shape 178"/>
+          <p:cNvSpPr txBox="1">
+            <a:spLocks noGrp="1"/>
+          </p:cNvSpPr>
           <p:nvPr>
             <p:ph type="title"/>
           </p:nvPr>
@@ -7152,7 +7795,225 @@
           </a:prstGeom>
         </p:spPr>
         <p:txBody>
-          <a:bodyPr anchorCtr="0" anchor="t" bIns="91425" lIns="91425" rIns="91425" wrap="square" tIns="91425">
+          <a:bodyPr wrap="square" lIns="91425" tIns="91425" rIns="91425" bIns="91425" anchor="t" anchorCtr="0">
+            <a:noAutofit/>
+          </a:bodyPr>
+          <a:lstStyle/>
+          <a:p>
+            <a:pPr lvl="0">
+              <a:spcBef>
+                <a:spcPts val="0"/>
+              </a:spcBef>
+              <a:buNone/>
+            </a:pPr>
+            <a:r>
+              <a:rPr lang="en" dirty="0"/>
+              <a:t>Conclusion</a:t>
+            </a:r>
+          </a:p>
+        </p:txBody>
+      </p:sp>
+      <p:sp>
+        <p:nvSpPr>
+          <p:cNvPr id="179" name="Shape 179"/>
+          <p:cNvSpPr txBox="1">
+            <a:spLocks noGrp="1"/>
+          </p:cNvSpPr>
+          <p:nvPr>
+            <p:ph type="body" idx="1"/>
+          </p:nvPr>
+        </p:nvSpPr>
+        <p:spPr>
+          <a:xfrm>
+            <a:off x="729450" y="2078875"/>
+            <a:ext cx="7688700" cy="2261100"/>
+          </a:xfrm>
+          <a:prstGeom prst="rect">
+            <a:avLst/>
+          </a:prstGeom>
+        </p:spPr>
+        <p:txBody>
+          <a:bodyPr wrap="square" lIns="91425" tIns="91425" rIns="91425" bIns="91425" anchor="t" anchorCtr="0">
+            <a:noAutofit/>
+          </a:bodyPr>
+          <a:lstStyle/>
+          <a:p>
+            <a:pPr marL="457200" lvl="0" indent="-342900">
+              <a:spcBef>
+                <a:spcPts val="0"/>
+              </a:spcBef>
+              <a:buSzPct val="100000"/>
+            </a:pPr>
+            <a:r>
+              <a:rPr lang="en" sz="1800" dirty="0"/>
+              <a:t>Still </a:t>
+            </a:r>
+            <a:r>
+              <a:rPr lang="de-DE" sz="1800" dirty="0"/>
+              <a:t>v</a:t>
+            </a:r>
+            <a:r>
+              <a:rPr lang="en" sz="1800" dirty="0"/>
+              <a:t>ersion differences of tools</a:t>
+            </a:r>
+          </a:p>
+          <a:p>
+            <a:pPr marL="457200" lvl="0" indent="-342900">
+              <a:spcBef>
+                <a:spcPts val="0"/>
+              </a:spcBef>
+              <a:buSzPct val="100000"/>
+            </a:pPr>
+            <a:r>
+              <a:rPr lang="de-DE" sz="1800" dirty="0" err="1"/>
+              <a:t>Could</a:t>
+            </a:r>
+            <a:r>
+              <a:rPr lang="de-DE" sz="1800" dirty="0"/>
+              <a:t> not </a:t>
+            </a:r>
+            <a:r>
+              <a:rPr lang="de-DE" sz="1800" dirty="0" err="1"/>
+              <a:t>reproduce</a:t>
+            </a:r>
+            <a:r>
+              <a:rPr lang="de-DE" sz="1800" dirty="0"/>
+              <a:t> </a:t>
+            </a:r>
+            <a:r>
+              <a:rPr lang="de-DE" sz="1800" dirty="0" err="1"/>
+              <a:t>exact</a:t>
+            </a:r>
+            <a:r>
+              <a:rPr lang="de-DE" sz="1800" dirty="0"/>
+              <a:t> </a:t>
+            </a:r>
+            <a:r>
+              <a:rPr lang="de-DE" sz="1800" dirty="0" err="1"/>
+              <a:t>results</a:t>
+            </a:r>
+            <a:endParaRPr lang="en" sz="1800" dirty="0"/>
+          </a:p>
+          <a:p>
+            <a:pPr marL="457200" lvl="0" indent="-342900">
+              <a:spcBef>
+                <a:spcPts val="0"/>
+              </a:spcBef>
+              <a:buSzPct val="100000"/>
+            </a:pPr>
+            <a:r>
+              <a:rPr lang="en" sz="1800" dirty="0"/>
+              <a:t>There are several version of code in different repositories</a:t>
+            </a:r>
+          </a:p>
+          <a:p>
+            <a:pPr marL="457200" lvl="0" indent="-342900">
+              <a:spcBef>
+                <a:spcPts val="0"/>
+              </a:spcBef>
+              <a:buSzPct val="100000"/>
+            </a:pPr>
+            <a:r>
+              <a:rPr lang="en" sz="1800" dirty="0"/>
+              <a:t>The script for plotting the figures are not provided by the authors</a:t>
+            </a:r>
+          </a:p>
+          <a:p>
+            <a:pPr lvl="0" rtl="0">
+              <a:spcBef>
+                <a:spcPts val="0"/>
+              </a:spcBef>
+              <a:buNone/>
+            </a:pPr>
+            <a:endParaRPr sz="1800" dirty="0"/>
+          </a:p>
+        </p:txBody>
+      </p:sp>
+      <p:sp>
+        <p:nvSpPr>
+          <p:cNvPr id="180" name="Shape 180"/>
+          <p:cNvSpPr txBox="1">
+            <a:spLocks noGrp="1"/>
+          </p:cNvSpPr>
+          <p:nvPr>
+            <p:ph type="sldNum" idx="12"/>
+          </p:nvPr>
+        </p:nvSpPr>
+        <p:spPr>
+          <a:xfrm>
+            <a:off x="8536302" y="4749851"/>
+            <a:ext cx="548700" cy="393600"/>
+          </a:xfrm>
+          <a:prstGeom prst="rect">
+            <a:avLst/>
+          </a:prstGeom>
+        </p:spPr>
+        <p:txBody>
+          <a:bodyPr wrap="square" lIns="91425" tIns="91425" rIns="91425" bIns="91425" anchor="ctr" anchorCtr="0">
+            <a:noAutofit/>
+          </a:bodyPr>
+          <a:lstStyle/>
+          <a:p>
+            <a:pPr lvl="0">
+              <a:spcBef>
+                <a:spcPts val="0"/>
+              </a:spcBef>
+              <a:buNone/>
+            </a:pPr>
+            <a:fld id="{00000000-1234-1234-1234-123412341234}" type="slidenum">
+              <a:rPr lang="en"/>
+              <a:t>14</a:t>
+            </a:fld>
+            <a:endParaRPr lang="en"/>
+          </a:p>
+        </p:txBody>
+      </p:sp>
+    </p:spTree>
+  </p:cSld>
+  <p:clrMapOvr>
+    <a:masterClrMapping/>
+  </p:clrMapOvr>
+</p:sld>
+</file>
+
+<file path=ppt/slides/slide2.xml><?xml version="1.0" encoding="utf-8"?>
+<p:sld xmlns:a="http://schemas.openxmlformats.org/drawingml/2006/main" xmlns:r="http://schemas.openxmlformats.org/officeDocument/2006/relationships" xmlns:p="http://schemas.openxmlformats.org/presentationml/2006/main">
+  <p:cSld>
+    <p:spTree>
+      <p:nvGrpSpPr>
+        <p:cNvPr id="1" name="Shape 91"/>
+        <p:cNvGrpSpPr/>
+        <p:nvPr/>
+      </p:nvGrpSpPr>
+      <p:grpSpPr>
+        <a:xfrm>
+          <a:off x="0" y="0"/>
+          <a:ext cx="0" cy="0"/>
+          <a:chOff x="0" y="0"/>
+          <a:chExt cx="0" cy="0"/>
+        </a:xfrm>
+      </p:grpSpPr>
+      <p:sp>
+        <p:nvSpPr>
+          <p:cNvPr id="92" name="Shape 92"/>
+          <p:cNvSpPr txBox="1">
+            <a:spLocks noGrp="1"/>
+          </p:cNvSpPr>
+          <p:nvPr>
+            <p:ph type="title"/>
+          </p:nvPr>
+        </p:nvSpPr>
+        <p:spPr>
+          <a:xfrm>
+            <a:off x="729450" y="1318650"/>
+            <a:ext cx="7688700" cy="535200"/>
+          </a:xfrm>
+          <a:prstGeom prst="rect">
+            <a:avLst/>
+          </a:prstGeom>
+        </p:spPr>
+        <p:txBody>
+          <a:bodyPr wrap="square" lIns="91425" tIns="91425" rIns="91425" bIns="91425" anchor="t" anchorCtr="0">
             <a:noAutofit/>
           </a:bodyPr>
           <a:lstStyle/>
@@ -7165,17 +8026,19 @@
             </a:pPr>
             <a:r>
               <a:rPr lang="en"/>
-              <a:t>TYPE</a:t>
+              <a:t>The Motivation</a:t>
             </a:r>
           </a:p>
         </p:txBody>
       </p:sp>
       <p:sp>
         <p:nvSpPr>
-          <p:cNvPr id="171" name="Shape 171"/>
-          <p:cNvSpPr txBox="1"/>
+          <p:cNvPr id="93" name="Shape 93"/>
+          <p:cNvSpPr txBox="1">
+            <a:spLocks noGrp="1"/>
+          </p:cNvSpPr>
           <p:nvPr>
-            <p:ph idx="1" type="body"/>
+            <p:ph type="body" idx="1"/>
           </p:nvPr>
         </p:nvSpPr>
         <p:spPr>
@@ -7188,30 +8051,100 @@
           </a:prstGeom>
         </p:spPr>
         <p:txBody>
-          <a:bodyPr anchorCtr="0" anchor="t" bIns="91425" lIns="91425" rIns="91425" wrap="square" tIns="91425">
+          <a:bodyPr wrap="square" lIns="91425" tIns="91425" rIns="91425" bIns="91425" anchor="t" anchorCtr="0">
             <a:noAutofit/>
           </a:bodyPr>
           <a:lstStyle/>
           <a:p>
-            <a:pPr lvl="0">
-              <a:spcBef>
-                <a:spcPts val="0"/>
-              </a:spcBef>
-              <a:buNone/>
+            <a:pPr marL="457200" lvl="0" indent="-342900">
+              <a:spcBef>
+                <a:spcPts val="0"/>
+              </a:spcBef>
+              <a:buSzPct val="100000"/>
             </a:pPr>
             <a:r>
-              <a:t/>
+              <a:rPr lang="en" sz="1800"/>
+              <a:t>How does </a:t>
             </a:r>
-            <a:endParaRPr/>
+            <a:r>
+              <a:rPr lang="en" sz="1800" b="1"/>
+              <a:t>program size</a:t>
+            </a:r>
+            <a:r>
+              <a:rPr lang="en" sz="1800"/>
+              <a:t> influence variability? </a:t>
+            </a:r>
+          </a:p>
+          <a:p>
+            <a:pPr marL="457200" lvl="0" indent="-342900">
+              <a:spcBef>
+                <a:spcPts val="0"/>
+              </a:spcBef>
+              <a:buSzPct val="100000"/>
+            </a:pPr>
+            <a:r>
+              <a:rPr lang="en" sz="1800"/>
+              <a:t>How </a:t>
+            </a:r>
+            <a:r>
+              <a:rPr lang="en" sz="1800" b="1"/>
+              <a:t>complex</a:t>
+            </a:r>
+            <a:r>
+              <a:rPr lang="en" sz="1800"/>
+              <a:t> are extensions made via cpp’s variability mechanisms? </a:t>
+            </a:r>
+          </a:p>
+          <a:p>
+            <a:pPr marL="457200" lvl="0" indent="-342900">
+              <a:spcBef>
+                <a:spcPts val="0"/>
+              </a:spcBef>
+              <a:buSzPct val="100000"/>
+            </a:pPr>
+            <a:r>
+              <a:rPr lang="en" sz="1800"/>
+              <a:t>At which level of </a:t>
+            </a:r>
+            <a:r>
+              <a:rPr lang="en" sz="1800" b="1"/>
+              <a:t>granularity</a:t>
+            </a:r>
+            <a:r>
+              <a:rPr lang="en" sz="1800"/>
+              <a:t> are extensions applied?</a:t>
+            </a:r>
+          </a:p>
+          <a:p>
+            <a:pPr marL="457200" lvl="0" indent="-342900">
+              <a:spcBef>
+                <a:spcPts val="0"/>
+              </a:spcBef>
+              <a:buSzPct val="100000"/>
+            </a:pPr>
+            <a:r>
+              <a:rPr lang="en" sz="1800"/>
+              <a:t> Which types of </a:t>
+            </a:r>
+            <a:r>
+              <a:rPr lang="en" sz="1800" b="1"/>
+              <a:t>extension</a:t>
+            </a:r>
+            <a:r>
+              <a:rPr lang="en" sz="1800"/>
+              <a:t> occur?</a:t>
+            </a:r>
           </a:p>
         </p:txBody>
       </p:sp>
       <p:sp>
         <p:nvSpPr>
-          <p:cNvPr id="172" name="Shape 172"/>
-          <p:cNvSpPr txBox="1"/>
+          <p:cNvPr id="94" name="Shape 94"/>
+          <p:cNvSpPr txBox="1">
+            <a:spLocks noGrp="1"/>
+          </p:cNvSpPr>
           <p:nvPr>
-            <p:ph idx="12" type="sldNum"/>
+            <p:ph type="sldNum" idx="12"/>
           </p:nvPr>
         </p:nvSpPr>
         <p:spPr>
@@ -7224,7 +8157,7 @@
           </a:prstGeom>
         </p:spPr>
         <p:txBody>
-          <a:bodyPr anchorCtr="0" anchor="ctr" bIns="91425" lIns="91425" rIns="91425" wrap="square" tIns="91425">
+          <a:bodyPr wrap="square" lIns="91425" tIns="91425" rIns="91425" bIns="91425" anchor="ctr" anchorCtr="0">
             <a:noAutofit/>
           </a:bodyPr>
           <a:lstStyle/>
@@ -7237,14 +8170,388 @@
             </a:pPr>
             <a:fld id="{00000000-1234-1234-1234-123412341234}" type="slidenum">
               <a:rPr lang="en"/>
-              <a:t>‹#›</a:t>
+              <a:t>2</a:t>
             </a:fld>
+            <a:endParaRPr lang="en"/>
+          </a:p>
+        </p:txBody>
+      </p:sp>
+    </p:spTree>
+  </p:cSld>
+  <p:clrMapOvr>
+    <a:masterClrMapping/>
+  </p:clrMapOvr>
+</p:sld>
+</file>
+
+<file path=ppt/slides/slide3.xml><?xml version="1.0" encoding="utf-8"?>
+<p:sld xmlns:a="http://schemas.openxmlformats.org/drawingml/2006/main" xmlns:r="http://schemas.openxmlformats.org/officeDocument/2006/relationships" xmlns:p="http://schemas.openxmlformats.org/presentationml/2006/main">
+  <p:cSld>
+    <p:spTree>
+      <p:nvGrpSpPr>
+        <p:cNvPr id="1" name="Shape 98"/>
+        <p:cNvGrpSpPr/>
+        <p:nvPr/>
+      </p:nvGrpSpPr>
+      <p:grpSpPr>
+        <a:xfrm>
+          <a:off x="0" y="0"/>
+          <a:ext cx="0" cy="0"/>
+          <a:chOff x="0" y="0"/>
+          <a:chExt cx="0" cy="0"/>
+        </a:xfrm>
+      </p:grpSpPr>
+      <p:sp>
+        <p:nvSpPr>
+          <p:cNvPr id="99" name="Shape 99"/>
+          <p:cNvSpPr txBox="1">
+            <a:spLocks noGrp="1"/>
+          </p:cNvSpPr>
+          <p:nvPr>
+            <p:ph type="title"/>
+          </p:nvPr>
+        </p:nvSpPr>
+        <p:spPr>
+          <a:xfrm>
+            <a:off x="729450" y="1318650"/>
+            <a:ext cx="7688700" cy="535200"/>
+          </a:xfrm>
+          <a:prstGeom prst="rect">
+            <a:avLst/>
+          </a:prstGeom>
+        </p:spPr>
+        <p:txBody>
+          <a:bodyPr wrap="square" lIns="91425" tIns="91425" rIns="91425" bIns="91425" anchor="t" anchorCtr="0">
+            <a:noAutofit/>
+          </a:bodyPr>
+          <a:lstStyle/>
+          <a:p>
+            <a:pPr lvl="0">
+              <a:spcBef>
+                <a:spcPts val="0"/>
+              </a:spcBef>
+              <a:buNone/>
+            </a:pPr>
+            <a:r>
+              <a:rPr lang="en"/>
+              <a:t>The Replication</a:t>
+            </a:r>
+          </a:p>
+        </p:txBody>
+      </p:sp>
+      <p:sp>
+        <p:nvSpPr>
+          <p:cNvPr id="100" name="Shape 100"/>
+          <p:cNvSpPr txBox="1">
+            <a:spLocks noGrp="1"/>
+          </p:cNvSpPr>
+          <p:nvPr>
+            <p:ph type="body" idx="1"/>
+          </p:nvPr>
+        </p:nvSpPr>
+        <p:spPr>
+          <a:xfrm>
+            <a:off x="729450" y="2078875"/>
+            <a:ext cx="7688700" cy="2261100"/>
+          </a:xfrm>
+          <a:prstGeom prst="rect">
+            <a:avLst/>
+          </a:prstGeom>
+        </p:spPr>
+        <p:txBody>
+          <a:bodyPr wrap="square" lIns="91425" tIns="91425" rIns="91425" bIns="91425" anchor="t" anchorCtr="0">
+            <a:noAutofit/>
+          </a:bodyPr>
+          <a:lstStyle/>
+          <a:p>
+            <a:pPr marL="457200" lvl="0" indent="-355600" rtl="0">
+              <a:spcBef>
+                <a:spcPts val="0"/>
+              </a:spcBef>
+              <a:buSzPct val="100000"/>
+            </a:pPr>
+            <a:r>
+              <a:rPr lang="en" sz="2000" b="1"/>
+              <a:t>Step #1:</a:t>
+            </a:r>
+            <a:r>
+              <a:rPr lang="en" sz="2000"/>
+              <a:t> Run </a:t>
+            </a:r>
+            <a:r>
+              <a:rPr lang="en" sz="2000" i="1"/>
+              <a:t>cppstats</a:t>
+            </a:r>
+            <a:r>
+              <a:rPr lang="en" sz="2000"/>
+              <a:t> on </a:t>
+            </a:r>
+            <a:r>
+              <a:rPr lang="en" sz="2000" i="1"/>
+              <a:t>Apache 2.2.11</a:t>
+            </a:r>
+          </a:p>
+          <a:p>
+            <a:pPr marL="457200" lvl="0" indent="-355600" rtl="0">
+              <a:spcBef>
+                <a:spcPts val="0"/>
+              </a:spcBef>
+              <a:buSzPct val="100000"/>
+            </a:pPr>
+            <a:r>
+              <a:rPr lang="en" sz="2000" b="1"/>
+              <a:t>Step #2:</a:t>
+            </a:r>
+            <a:r>
+              <a:rPr lang="en" sz="2000"/>
+              <a:t> Run cpp on the </a:t>
+            </a:r>
+            <a:r>
+              <a:rPr lang="en" sz="2000" i="1"/>
+              <a:t>5 latest </a:t>
+            </a:r>
+            <a:r>
+              <a:rPr lang="en" sz="2000"/>
+              <a:t>version of </a:t>
+            </a:r>
+            <a:r>
+              <a:rPr lang="en" sz="2000" i="1"/>
+              <a:t>Apache</a:t>
+            </a:r>
+            <a:r>
+              <a:rPr lang="en" sz="2000"/>
+              <a:t> and compare them together</a:t>
+            </a:r>
+          </a:p>
+          <a:p>
+            <a:pPr marL="457200" lvl="0" indent="-355600" rtl="0">
+              <a:spcBef>
+                <a:spcPts val="0"/>
+              </a:spcBef>
+              <a:buSzPct val="100000"/>
+            </a:pPr>
+            <a:r>
+              <a:rPr lang="en" sz="2000"/>
+              <a:t>Write a straightforward script to generate result and plot everything</a:t>
+            </a:r>
+          </a:p>
+        </p:txBody>
+      </p:sp>
+      <p:sp>
+        <p:nvSpPr>
+          <p:cNvPr id="101" name="Shape 101"/>
+          <p:cNvSpPr txBox="1">
+            <a:spLocks noGrp="1"/>
+          </p:cNvSpPr>
+          <p:nvPr>
+            <p:ph type="sldNum" idx="12"/>
+          </p:nvPr>
+        </p:nvSpPr>
+        <p:spPr>
+          <a:xfrm>
+            <a:off x="8536302" y="4749851"/>
+            <a:ext cx="548700" cy="393600"/>
+          </a:xfrm>
+          <a:prstGeom prst="rect">
+            <a:avLst/>
+          </a:prstGeom>
+        </p:spPr>
+        <p:txBody>
+          <a:bodyPr wrap="square" lIns="91425" tIns="91425" rIns="91425" bIns="91425" anchor="ctr" anchorCtr="0">
+            <a:noAutofit/>
+          </a:bodyPr>
+          <a:lstStyle/>
+          <a:p>
+            <a:pPr lvl="0">
+              <a:spcBef>
+                <a:spcPts val="0"/>
+              </a:spcBef>
+              <a:buNone/>
+            </a:pPr>
+            <a:fld id="{00000000-1234-1234-1234-123412341234}" type="slidenum">
+              <a:rPr lang="en"/>
+              <a:t>3</a:t>
+            </a:fld>
+            <a:endParaRPr lang="en"/>
+          </a:p>
+        </p:txBody>
+      </p:sp>
+    </p:spTree>
+  </p:cSld>
+  <p:clrMapOvr>
+    <a:masterClrMapping/>
+  </p:clrMapOvr>
+</p:sld>
+</file>
+
+<file path=ppt/slides/slide4.xml><?xml version="1.0" encoding="utf-8"?>
+<p:sld xmlns:a="http://schemas.openxmlformats.org/drawingml/2006/main" xmlns:r="http://schemas.openxmlformats.org/officeDocument/2006/relationships" xmlns:p="http://schemas.openxmlformats.org/presentationml/2006/main">
+  <p:cSld>
+    <p:spTree>
+      <p:nvGrpSpPr>
+        <p:cNvPr id="1" name=""/>
+        <p:cNvGrpSpPr/>
+        <p:nvPr/>
+      </p:nvGrpSpPr>
+      <p:grpSpPr>
+        <a:xfrm>
+          <a:off x="0" y="0"/>
+          <a:ext cx="0" cy="0"/>
+          <a:chOff x="0" y="0"/>
+          <a:chExt cx="0" cy="0"/>
+        </a:xfrm>
+      </p:grpSpPr>
+      <p:sp>
+        <p:nvSpPr>
+          <p:cNvPr id="2" name="Titel 1">
+            <a:extLst>
+              <a:ext uri="{FF2B5EF4-FFF2-40B4-BE49-F238E27FC236}">
+                <a16:creationId xmlns:a16="http://schemas.microsoft.com/office/drawing/2014/main" id="{E84FE901-C07F-4B20-91F0-99CBC6EFDEDF}"/>
+              </a:ext>
+            </a:extLst>
+          </p:cNvPr>
+          <p:cNvSpPr>
+            <a:spLocks noGrp="1"/>
+          </p:cNvSpPr>
+          <p:nvPr>
+            <p:ph type="title"/>
+          </p:nvPr>
+        </p:nvSpPr>
+        <p:spPr/>
+        <p:txBody>
+          <a:bodyPr/>
+          <a:lstStyle/>
+          <a:p>
+            <a:r>
+              <a:rPr lang="en-GB" dirty="0"/>
+              <a:t>Comparison</a:t>
+            </a:r>
+          </a:p>
+        </p:txBody>
+      </p:sp>
+      <p:sp>
+        <p:nvSpPr>
+          <p:cNvPr id="3" name="Textplatzhalter 2">
+            <a:extLst>
+              <a:ext uri="{FF2B5EF4-FFF2-40B4-BE49-F238E27FC236}">
+                <a16:creationId xmlns:a16="http://schemas.microsoft.com/office/drawing/2014/main" id="{B8F65438-D01D-4032-B0D5-C9879E6B4915}"/>
+              </a:ext>
+            </a:extLst>
+          </p:cNvPr>
+          <p:cNvSpPr>
+            <a:spLocks noGrp="1"/>
+          </p:cNvSpPr>
+          <p:nvPr>
+            <p:ph type="body" idx="1"/>
+          </p:nvPr>
+        </p:nvSpPr>
+        <p:spPr/>
+        <p:txBody>
+          <a:bodyPr/>
+          <a:lstStyle/>
+          <a:p>
+            <a:endParaRPr lang="de-DE" dirty="0"/>
+          </a:p>
+        </p:txBody>
+      </p:sp>
+      <p:sp>
+        <p:nvSpPr>
+          <p:cNvPr id="4" name="Foliennummernplatzhalter 3">
+            <a:extLst>
+              <a:ext uri="{FF2B5EF4-FFF2-40B4-BE49-F238E27FC236}">
+                <a16:creationId xmlns:a16="http://schemas.microsoft.com/office/drawing/2014/main" id="{91B9E9C5-CFF4-4837-8334-81FFFE2A03CD}"/>
+              </a:ext>
+            </a:extLst>
+          </p:cNvPr>
+          <p:cNvSpPr>
+            <a:spLocks noGrp="1"/>
+          </p:cNvSpPr>
+          <p:nvPr>
+            <p:ph type="sldNum" idx="12"/>
+          </p:nvPr>
+        </p:nvSpPr>
+        <p:spPr/>
+        <p:txBody>
+          <a:bodyPr/>
+          <a:lstStyle/>
+          <a:p>
+            <a:pPr lvl="0">
+              <a:spcBef>
+                <a:spcPts val="0"/>
+              </a:spcBef>
+              <a:buNone/>
+            </a:pPr>
+            <a:fld id="{00000000-1234-1234-1234-123412341234}" type="slidenum">
+              <a:rPr lang="en" smtClean="0"/>
+              <a:t>4</a:t>
+            </a:fld>
+            <a:endParaRPr lang="en"/>
           </a:p>
         </p:txBody>
       </p:sp>
       <p:pic>
         <p:nvPicPr>
-          <p:cNvPr descr="TYPE.png" id="173" name="Shape 173"/>
+          <p:cNvPr id="6" name="Grafik 5">
+            <a:extLst>
+              <a:ext uri="{FF2B5EF4-FFF2-40B4-BE49-F238E27FC236}">
+                <a16:creationId xmlns:a16="http://schemas.microsoft.com/office/drawing/2014/main" id="{C144135D-4D98-4435-8E59-78FFE0ABA8AC}"/>
+              </a:ext>
+            </a:extLst>
+          </p:cNvPr>
+          <p:cNvPicPr>
+            <a:picLocks noChangeAspect="1"/>
+          </p:cNvPicPr>
+          <p:nvPr/>
+        </p:nvPicPr>
+        <p:blipFill>
+          <a:blip r:embed="rId2"/>
+          <a:stretch>
+            <a:fillRect/>
+          </a:stretch>
+        </p:blipFill>
+        <p:spPr>
+          <a:xfrm>
+            <a:off x="106407" y="1810252"/>
+            <a:ext cx="8978595" cy="3286222"/>
+          </a:xfrm>
+          <a:prstGeom prst="rect">
+            <a:avLst/>
+          </a:prstGeom>
+        </p:spPr>
+      </p:pic>
+    </p:spTree>
+    <p:extLst>
+      <p:ext uri="{BB962C8B-B14F-4D97-AF65-F5344CB8AC3E}">
+        <p14:creationId xmlns:p14="http://schemas.microsoft.com/office/powerpoint/2010/main" val="1382111062"/>
+      </p:ext>
+    </p:extLst>
+  </p:cSld>
+  <p:clrMapOvr>
+    <a:masterClrMapping/>
+  </p:clrMapOvr>
+</p:sld>
+</file>
+
+<file path=ppt/slides/slide5.xml><?xml version="1.0" encoding="utf-8"?>
+<p:sld xmlns:a="http://schemas.openxmlformats.org/drawingml/2006/main" xmlns:r="http://schemas.openxmlformats.org/officeDocument/2006/relationships" xmlns:p="http://schemas.openxmlformats.org/presentationml/2006/main">
+  <p:cSld>
+    <p:spTree>
+      <p:nvGrpSpPr>
+        <p:cNvPr id="1" name="Shape 105"/>
+        <p:cNvGrpSpPr/>
+        <p:nvPr/>
+      </p:nvGrpSpPr>
+      <p:grpSpPr>
+        <a:xfrm>
+          <a:off x="0" y="0"/>
+          <a:ext cx="0" cy="0"/>
+          <a:chOff x="0" y="0"/>
+          <a:chExt cx="0" cy="0"/>
+        </a:xfrm>
+      </p:grpSpPr>
+      <p:pic>
+        <p:nvPicPr>
+          <p:cNvPr id="109" name="Shape 109" descr="LOC-LOF.png"/>
           <p:cNvPicPr preferRelativeResize="0"/>
           <p:nvPr/>
         </p:nvPicPr>
@@ -7258,8 +8565,8 @@
         </p:blipFill>
         <p:spPr>
           <a:xfrm>
-            <a:off x="1917726" y="1928825"/>
-            <a:ext cx="5312150" cy="3111224"/>
+            <a:off x="1766099" y="602838"/>
+            <a:ext cx="7044554" cy="4397624"/>
           </a:xfrm>
           <a:prstGeom prst="rect">
             <a:avLst/>
@@ -7270,6 +8577,83 @@
           </a:ln>
         </p:spPr>
       </p:pic>
+      <p:sp>
+        <p:nvSpPr>
+          <p:cNvPr id="106" name="Shape 106"/>
+          <p:cNvSpPr txBox="1">
+            <a:spLocks noGrp="1"/>
+          </p:cNvSpPr>
+          <p:nvPr>
+            <p:ph type="title"/>
+          </p:nvPr>
+        </p:nvSpPr>
+        <p:spPr>
+          <a:xfrm>
+            <a:off x="729450" y="1318650"/>
+            <a:ext cx="7688700" cy="535200"/>
+          </a:xfrm>
+          <a:prstGeom prst="rect">
+            <a:avLst/>
+          </a:prstGeom>
+        </p:spPr>
+        <p:txBody>
+          <a:bodyPr wrap="square" lIns="91425" tIns="91425" rIns="91425" bIns="91425" anchor="t" anchorCtr="0">
+            <a:noAutofit/>
+          </a:bodyPr>
+          <a:lstStyle/>
+          <a:p>
+            <a:pPr lvl="0">
+              <a:spcBef>
+                <a:spcPts val="0"/>
+              </a:spcBef>
+              <a:buNone/>
+            </a:pPr>
+            <a:r>
+              <a:rPr lang="en"/>
+              <a:t>LOC-LOF</a:t>
+            </a:r>
+          </a:p>
+        </p:txBody>
+      </p:sp>
+      <p:sp>
+        <p:nvSpPr>
+          <p:cNvPr id="108" name="Shape 108"/>
+          <p:cNvSpPr txBox="1">
+            <a:spLocks noGrp="1"/>
+          </p:cNvSpPr>
+          <p:nvPr>
+            <p:ph type="sldNum" idx="12"/>
+          </p:nvPr>
+        </p:nvSpPr>
+        <p:spPr>
+          <a:xfrm>
+            <a:off x="8536302" y="4749851"/>
+            <a:ext cx="548700" cy="393600"/>
+          </a:xfrm>
+          <a:prstGeom prst="rect">
+            <a:avLst/>
+          </a:prstGeom>
+        </p:spPr>
+        <p:txBody>
+          <a:bodyPr wrap="square" lIns="91425" tIns="91425" rIns="91425" bIns="91425" anchor="ctr" anchorCtr="0">
+            <a:noAutofit/>
+          </a:bodyPr>
+          <a:lstStyle/>
+          <a:p>
+            <a:pPr lvl="0">
+              <a:spcBef>
+                <a:spcPts val="0"/>
+              </a:spcBef>
+              <a:buNone/>
+            </a:pPr>
+            <a:fld id="{00000000-1234-1234-1234-123412341234}" type="slidenum">
+              <a:rPr lang="en"/>
+              <a:t>5</a:t>
+            </a:fld>
+            <a:endParaRPr lang="en"/>
+          </a:p>
+        </p:txBody>
+      </p:sp>
     </p:spTree>
   </p:cSld>
   <p:clrMapOvr>
@@ -7278,12 +8662,12 @@
 </p:sld>
 </file>
 
-<file path=ppt/slides/slide13.xml><?xml version="1.0" encoding="utf-8"?>
-<p:sld xmlns:a="http://schemas.openxmlformats.org/drawingml/2006/main" xmlns:r="http://schemas.openxmlformats.org/officeDocument/2006/relationships" xmlns:mc="http://schemas.openxmlformats.org/markup-compatibility/2006" xmlns:mv="urn:schemas-microsoft-com:mac:vml" xmlns:p="http://schemas.openxmlformats.org/presentationml/2006/main" xmlns:c="http://schemas.openxmlformats.org/drawingml/2006/chart" xmlns:dgm="http://schemas.openxmlformats.org/drawingml/2006/diagram" xmlns:o="urn:schemas-microsoft-com:office:office" xmlns:v="urn:schemas-microsoft-com:vml" xmlns:pvml="urn:schemas-microsoft-com:office:powerpoint" xmlns:com="http://schemas.openxmlformats.org/drawingml/2006/compatibility" xmlns:p14="http://schemas.microsoft.com/office/powerpoint/2010/main" xmlns:p15="http://schemas.microsoft.com/office/powerpoint/2012/main">
+<file path=ppt/slides/slide6.xml><?xml version="1.0" encoding="utf-8"?>
+<p:sld xmlns:a="http://schemas.openxmlformats.org/drawingml/2006/main" xmlns:r="http://schemas.openxmlformats.org/officeDocument/2006/relationships" xmlns:p="http://schemas.openxmlformats.org/presentationml/2006/main">
   <p:cSld>
     <p:spTree>
       <p:nvGrpSpPr>
-        <p:cNvPr id="177" name="Shape 177"/>
+        <p:cNvPr id="1" name="Shape 145"/>
         <p:cNvGrpSpPr/>
         <p:nvPr/>
       </p:nvGrpSpPr>
@@ -7297,8 +8681,10 @@
       </p:grpSpPr>
       <p:sp>
         <p:nvSpPr>
-          <p:cNvPr id="178" name="Shape 178"/>
-          <p:cNvSpPr txBox="1"/>
+          <p:cNvPr id="146" name="Shape 146"/>
+          <p:cNvSpPr txBox="1">
+            <a:spLocks noGrp="1"/>
+          </p:cNvSpPr>
           <p:nvPr>
             <p:ph type="title"/>
           </p:nvPr>
@@ -7313,7 +8699,7 @@
           </a:prstGeom>
         </p:spPr>
         <p:txBody>
-          <a:bodyPr anchorCtr="0" anchor="t" bIns="91425" lIns="91425" rIns="91425" wrap="square" tIns="91425">
+          <a:bodyPr wrap="square" lIns="91425" tIns="91425" rIns="91425" bIns="91425" anchor="t" anchorCtr="0">
             <a:noAutofit/>
           </a:bodyPr>
           <a:lstStyle/>
@@ -7326,97 +8712,19 @@
             </a:pPr>
             <a:r>
               <a:rPr lang="en"/>
-              <a:t>Conclusion</a:t>
+              <a:t>PLOF</a:t>
             </a:r>
           </a:p>
         </p:txBody>
       </p:sp>
       <p:sp>
         <p:nvSpPr>
-          <p:cNvPr id="179" name="Shape 179"/>
-          <p:cNvSpPr txBox="1"/>
+          <p:cNvPr id="148" name="Shape 148"/>
+          <p:cNvSpPr txBox="1">
+            <a:spLocks noGrp="1"/>
+          </p:cNvSpPr>
           <p:nvPr>
-            <p:ph idx="1" type="body"/>
-          </p:nvPr>
-        </p:nvSpPr>
-        <p:spPr>
-          <a:xfrm>
-            <a:off x="729450" y="2078875"/>
-            <a:ext cx="7688700" cy="2261100"/>
-          </a:xfrm>
-          <a:prstGeom prst="rect">
-            <a:avLst/>
-          </a:prstGeom>
-        </p:spPr>
-        <p:txBody>
-          <a:bodyPr anchorCtr="0" anchor="t" bIns="91425" lIns="91425" rIns="91425" wrap="square" tIns="91425">
-            <a:noAutofit/>
-          </a:bodyPr>
-          <a:lstStyle/>
-          <a:p>
-            <a:pPr indent="-342900" lvl="0" marL="457200">
-              <a:spcBef>
-                <a:spcPts val="0"/>
-              </a:spcBef>
-              <a:buSzPct val="100000"/>
-            </a:pPr>
-            <a:r>
-              <a:rPr lang="en" sz="1800"/>
-              <a:t>Still, Version differences of tools</a:t>
-            </a:r>
-          </a:p>
-          <a:p>
-            <a:pPr indent="-342900" lvl="0" marL="457200">
-              <a:spcBef>
-                <a:spcPts val="0"/>
-              </a:spcBef>
-              <a:buSzPct val="100000"/>
-            </a:pPr>
-            <a:r>
-              <a:rPr lang="en" sz="1800"/>
-              <a:t>There are several version of code in </a:t>
-            </a:r>
-            <a:r>
-              <a:rPr lang="en" sz="1800"/>
-              <a:t>different</a:t>
-            </a:r>
-            <a:r>
-              <a:rPr lang="en" sz="1800"/>
-              <a:t> repositories</a:t>
-            </a:r>
-          </a:p>
-          <a:p>
-            <a:pPr indent="-342900" lvl="0" marL="457200">
-              <a:spcBef>
-                <a:spcPts val="0"/>
-              </a:spcBef>
-              <a:buSzPct val="100000"/>
-            </a:pPr>
-            <a:r>
-              <a:rPr lang="en" sz="1800"/>
-              <a:t>The script for plotting the figures are not provided by the authors</a:t>
-            </a:r>
-          </a:p>
-          <a:p>
-            <a:pPr lvl="0" rtl="0">
-              <a:spcBef>
-                <a:spcPts val="0"/>
-              </a:spcBef>
-              <a:buNone/>
-            </a:pPr>
-            <a:r>
-              <a:t/>
-            </a:r>
-            <a:endParaRPr sz="1800"/>
-          </a:p>
-        </p:txBody>
-      </p:sp>
-      <p:sp>
-        <p:nvSpPr>
-          <p:cNvPr id="180" name="Shape 180"/>
-          <p:cNvSpPr txBox="1"/>
-          <p:nvPr>
-            <p:ph idx="12" type="sldNum"/>
+            <p:ph type="sldNum" idx="12"/>
           </p:nvPr>
         </p:nvSpPr>
         <p:spPr>
@@ -7429,7 +8737,7 @@
           </a:prstGeom>
         </p:spPr>
         <p:txBody>
-          <a:bodyPr anchorCtr="0" anchor="ctr" bIns="91425" lIns="91425" rIns="91425" wrap="square" tIns="91425">
+          <a:bodyPr wrap="square" lIns="91425" tIns="91425" rIns="91425" bIns="91425" anchor="ctr" anchorCtr="0">
             <a:noAutofit/>
           </a:bodyPr>
           <a:lstStyle/>
@@ -7442,11 +8750,40 @@
             </a:pPr>
             <a:fld id="{00000000-1234-1234-1234-123412341234}" type="slidenum">
               <a:rPr lang="en"/>
-              <a:t>‹#›</a:t>
+              <a:t>6</a:t>
             </a:fld>
+            <a:endParaRPr lang="en"/>
           </a:p>
         </p:txBody>
       </p:sp>
+      <p:pic>
+        <p:nvPicPr>
+          <p:cNvPr id="149" name="Shape 149" descr="PLOF.png"/>
+          <p:cNvPicPr preferRelativeResize="0"/>
+          <p:nvPr/>
+        </p:nvPicPr>
+        <p:blipFill>
+          <a:blip r:embed="rId3">
+            <a:alphaModFix/>
+          </a:blip>
+          <a:stretch>
+            <a:fillRect/>
+          </a:stretch>
+        </p:blipFill>
+        <p:spPr>
+          <a:xfrm>
+            <a:off x="1918851" y="522514"/>
+            <a:ext cx="7010918" cy="4517510"/>
+          </a:xfrm>
+          <a:prstGeom prst="rect">
+            <a:avLst/>
+          </a:prstGeom>
+          <a:noFill/>
+          <a:ln>
+            <a:noFill/>
+          </a:ln>
+        </p:spPr>
+      </p:pic>
     </p:spTree>
   </p:cSld>
   <p:clrMapOvr>
@@ -7455,12 +8792,12 @@
 </p:sld>
 </file>
 
-<file path=ppt/slides/slide2.xml><?xml version="1.0" encoding="utf-8"?>
-<p:sld xmlns:a="http://schemas.openxmlformats.org/drawingml/2006/main" xmlns:r="http://schemas.openxmlformats.org/officeDocument/2006/relationships" xmlns:mc="http://schemas.openxmlformats.org/markup-compatibility/2006" xmlns:mv="urn:schemas-microsoft-com:mac:vml" xmlns:p="http://schemas.openxmlformats.org/presentationml/2006/main" xmlns:c="http://schemas.openxmlformats.org/drawingml/2006/chart" xmlns:dgm="http://schemas.openxmlformats.org/drawingml/2006/diagram" xmlns:o="urn:schemas-microsoft-com:office:office" xmlns:v="urn:schemas-microsoft-com:vml" xmlns:pvml="urn:schemas-microsoft-com:office:powerpoint" xmlns:com="http://schemas.openxmlformats.org/drawingml/2006/compatibility" xmlns:p14="http://schemas.microsoft.com/office/powerpoint/2010/main" xmlns:p15="http://schemas.microsoft.com/office/powerpoint/2012/main">
+<file path=ppt/slides/slide7.xml><?xml version="1.0" encoding="utf-8"?>
+<p:sld xmlns:a="http://schemas.openxmlformats.org/drawingml/2006/main" xmlns:r="http://schemas.openxmlformats.org/officeDocument/2006/relationships" xmlns:p="http://schemas.openxmlformats.org/presentationml/2006/main">
   <p:cSld>
     <p:spTree>
       <p:nvGrpSpPr>
-        <p:cNvPr id="91" name="Shape 91"/>
+        <p:cNvPr id="1" name="Shape 137"/>
         <p:cNvGrpSpPr/>
         <p:nvPr/>
       </p:nvGrpSpPr>
@@ -7474,8 +8811,10 @@
       </p:grpSpPr>
       <p:sp>
         <p:nvSpPr>
-          <p:cNvPr id="92" name="Shape 92"/>
-          <p:cNvSpPr txBox="1"/>
+          <p:cNvPr id="138" name="Shape 138"/>
+          <p:cNvSpPr txBox="1">
+            <a:spLocks noGrp="1"/>
+          </p:cNvSpPr>
           <p:nvPr>
             <p:ph type="title"/>
           </p:nvPr>
@@ -7490,7 +8829,7 @@
           </a:prstGeom>
         </p:spPr>
         <p:txBody>
-          <a:bodyPr anchorCtr="0" anchor="t" bIns="91425" lIns="91425" rIns="91425" wrap="square" tIns="91425">
+          <a:bodyPr wrap="square" lIns="91425" tIns="91425" rIns="91425" bIns="91425" anchor="t" anchorCtr="0">
             <a:noAutofit/>
           </a:bodyPr>
           <a:lstStyle/>
@@ -7503,17 +8842,19 @@
             </a:pPr>
             <a:r>
               <a:rPr lang="en"/>
-              <a:t>The Motivation</a:t>
+              <a:t>NOFC</a:t>
             </a:r>
           </a:p>
         </p:txBody>
       </p:sp>
       <p:sp>
         <p:nvSpPr>
-          <p:cNvPr id="93" name="Shape 93"/>
-          <p:cNvSpPr txBox="1"/>
+          <p:cNvPr id="139" name="Shape 139"/>
+          <p:cNvSpPr txBox="1">
+            <a:spLocks noGrp="1"/>
+          </p:cNvSpPr>
           <p:nvPr>
-            <p:ph idx="1" type="body"/>
+            <p:ph type="body" idx="1"/>
           </p:nvPr>
         </p:nvSpPr>
         <p:spPr>
@@ -7526,98 +8867,29 @@
           </a:prstGeom>
         </p:spPr>
         <p:txBody>
-          <a:bodyPr anchorCtr="0" anchor="t" bIns="91425" lIns="91425" rIns="91425" wrap="square" tIns="91425">
+          <a:bodyPr wrap="square" lIns="91425" tIns="91425" rIns="91425" bIns="91425" anchor="t" anchorCtr="0">
             <a:noAutofit/>
           </a:bodyPr>
           <a:lstStyle/>
           <a:p>
-            <a:pPr indent="-342900" lvl="0" marL="457200">
-              <a:spcBef>
-                <a:spcPts val="0"/>
-              </a:spcBef>
-              <a:buSzPct val="100000"/>
+            <a:pPr lvl="0">
+              <a:spcBef>
+                <a:spcPts val="0"/>
+              </a:spcBef>
+              <a:buNone/>
             </a:pPr>
-            <a:r>
-              <a:rPr lang="en" sz="1800"/>
-              <a:t>How does </a:t>
-            </a:r>
-            <a:r>
-              <a:rPr b="1" lang="en" sz="1800"/>
-              <a:t>program size</a:t>
-            </a:r>
-            <a:r>
-              <a:rPr lang="en" sz="1800"/>
-              <a:t> influence variability? </a:t>
-            </a:r>
-          </a:p>
-          <a:p>
-            <a:pPr indent="-342900" lvl="0" marL="457200">
-              <a:spcBef>
-                <a:spcPts val="0"/>
-              </a:spcBef>
-              <a:buSzPct val="100000"/>
-            </a:pPr>
-            <a:r>
-              <a:rPr lang="en" sz="1800"/>
-              <a:t>How </a:t>
-            </a:r>
-            <a:r>
-              <a:rPr b="1" lang="en" sz="1800"/>
-              <a:t>complex</a:t>
-            </a:r>
-            <a:r>
-              <a:rPr lang="en" sz="1800"/>
-              <a:t> are extensions made via cpp’s variability mechanisms? </a:t>
-            </a:r>
-          </a:p>
-          <a:p>
-            <a:pPr indent="-342900" lvl="0" marL="457200">
-              <a:spcBef>
-                <a:spcPts val="0"/>
-              </a:spcBef>
-              <a:buSzPct val="100000"/>
-            </a:pPr>
-            <a:r>
-              <a:rPr lang="en" sz="1800"/>
-              <a:t>At which level of </a:t>
-            </a:r>
-            <a:r>
-              <a:rPr b="1" lang="en" sz="1800"/>
-              <a:t>granularity</a:t>
-            </a:r>
-            <a:r>
-              <a:rPr lang="en" sz="1800"/>
-              <a:t> are extensions applied?</a:t>
-            </a:r>
-          </a:p>
-          <a:p>
-            <a:pPr indent="-342900" lvl="0" marL="457200">
-              <a:spcBef>
-                <a:spcPts val="0"/>
-              </a:spcBef>
-              <a:buSzPct val="100000"/>
-            </a:pPr>
-            <a:r>
-              <a:rPr lang="en" sz="1800"/>
-              <a:t> Which types of </a:t>
-            </a:r>
-            <a:r>
-              <a:rPr b="1" lang="en" sz="1800"/>
-              <a:t>extension</a:t>
-            </a:r>
-            <a:r>
-              <a:rPr lang="en" sz="1800"/>
-              <a:t> occur?</a:t>
-            </a:r>
+            <a:endParaRPr/>
           </a:p>
         </p:txBody>
       </p:sp>
       <p:sp>
         <p:nvSpPr>
-          <p:cNvPr id="94" name="Shape 94"/>
-          <p:cNvSpPr txBox="1"/>
+          <p:cNvPr id="140" name="Shape 140"/>
+          <p:cNvSpPr txBox="1">
+            <a:spLocks noGrp="1"/>
+          </p:cNvSpPr>
           <p:nvPr>
-            <p:ph idx="12" type="sldNum"/>
+            <p:ph type="sldNum" idx="12"/>
           </p:nvPr>
         </p:nvSpPr>
         <p:spPr>
@@ -7630,7 +8902,7 @@
           </a:prstGeom>
         </p:spPr>
         <p:txBody>
-          <a:bodyPr anchorCtr="0" anchor="ctr" bIns="91425" lIns="91425" rIns="91425" wrap="square" tIns="91425">
+          <a:bodyPr wrap="square" lIns="91425" tIns="91425" rIns="91425" bIns="91425" anchor="ctr" anchorCtr="0">
             <a:noAutofit/>
           </a:bodyPr>
           <a:lstStyle/>
@@ -7643,11 +8915,40 @@
             </a:pPr>
             <a:fld id="{00000000-1234-1234-1234-123412341234}" type="slidenum">
               <a:rPr lang="en"/>
-              <a:t>‹#›</a:t>
+              <a:t>7</a:t>
             </a:fld>
+            <a:endParaRPr lang="en"/>
           </a:p>
         </p:txBody>
       </p:sp>
+      <p:pic>
+        <p:nvPicPr>
+          <p:cNvPr id="141" name="Shape 141" descr="NOFC.png"/>
+          <p:cNvPicPr preferRelativeResize="0"/>
+          <p:nvPr/>
+        </p:nvPicPr>
+        <p:blipFill>
+          <a:blip r:embed="rId3">
+            <a:alphaModFix/>
+          </a:blip>
+          <a:stretch>
+            <a:fillRect/>
+          </a:stretch>
+        </p:blipFill>
+        <p:spPr>
+          <a:xfrm>
+            <a:off x="1965223" y="512064"/>
+            <a:ext cx="6954096" cy="4520561"/>
+          </a:xfrm>
+          <a:prstGeom prst="rect">
+            <a:avLst/>
+          </a:prstGeom>
+          <a:noFill/>
+          <a:ln>
+            <a:noFill/>
+          </a:ln>
+        </p:spPr>
+      </p:pic>
     </p:spTree>
   </p:cSld>
   <p:clrMapOvr>
@@ -7656,12 +8957,12 @@
 </p:sld>
 </file>
 
-<file path=ppt/slides/slide3.xml><?xml version="1.0" encoding="utf-8"?>
-<p:sld xmlns:a="http://schemas.openxmlformats.org/drawingml/2006/main" xmlns:r="http://schemas.openxmlformats.org/officeDocument/2006/relationships" xmlns:mc="http://schemas.openxmlformats.org/markup-compatibility/2006" xmlns:mv="urn:schemas-microsoft-com:mac:vml" xmlns:p="http://schemas.openxmlformats.org/presentationml/2006/main" xmlns:c="http://schemas.openxmlformats.org/drawingml/2006/chart" xmlns:dgm="http://schemas.openxmlformats.org/drawingml/2006/diagram" xmlns:o="urn:schemas-microsoft-com:office:office" xmlns:v="urn:schemas-microsoft-com:vml" xmlns:pvml="urn:schemas-microsoft-com:office:powerpoint" xmlns:com="http://schemas.openxmlformats.org/drawingml/2006/compatibility" xmlns:p14="http://schemas.microsoft.com/office/powerpoint/2010/main" xmlns:p15="http://schemas.microsoft.com/office/powerpoint/2012/main">
+<file path=ppt/slides/slide8.xml><?xml version="1.0" encoding="utf-8"?>
+<p:sld xmlns:a="http://schemas.openxmlformats.org/drawingml/2006/main" xmlns:r="http://schemas.openxmlformats.org/officeDocument/2006/relationships" xmlns:p="http://schemas.openxmlformats.org/presentationml/2006/main">
   <p:cSld>
     <p:spTree>
       <p:nvGrpSpPr>
-        <p:cNvPr id="98" name="Shape 98"/>
+        <p:cNvPr id="1" name="Shape 161"/>
         <p:cNvGrpSpPr/>
         <p:nvPr/>
       </p:nvGrpSpPr>
@@ -7675,8 +8976,10 @@
       </p:grpSpPr>
       <p:sp>
         <p:nvSpPr>
-          <p:cNvPr id="99" name="Shape 99"/>
-          <p:cNvSpPr txBox="1"/>
+          <p:cNvPr id="162" name="Shape 162"/>
+          <p:cNvSpPr txBox="1">
+            <a:spLocks noGrp="1"/>
+          </p:cNvSpPr>
           <p:nvPr>
             <p:ph type="title"/>
           </p:nvPr>
@@ -7691,7 +8994,7 @@
           </a:prstGeom>
         </p:spPr>
         <p:txBody>
-          <a:bodyPr anchorCtr="0" anchor="t" bIns="91425" lIns="91425" rIns="91425" wrap="square" tIns="91425">
+          <a:bodyPr wrap="square" lIns="91425" tIns="91425" rIns="91425" bIns="91425" anchor="t" anchorCtr="0">
             <a:noAutofit/>
           </a:bodyPr>
           <a:lstStyle/>
@@ -7704,17 +9007,19 @@
             </a:pPr>
             <a:r>
               <a:rPr lang="en"/>
-              <a:t>The Replication</a:t>
+              <a:t>VP</a:t>
             </a:r>
           </a:p>
         </p:txBody>
       </p:sp>
       <p:sp>
         <p:nvSpPr>
-          <p:cNvPr id="100" name="Shape 100"/>
-          <p:cNvSpPr txBox="1"/>
+          <p:cNvPr id="163" name="Shape 163"/>
+          <p:cNvSpPr txBox="1">
+            <a:spLocks noGrp="1"/>
+          </p:cNvSpPr>
           <p:nvPr>
-            <p:ph idx="1" type="body"/>
+            <p:ph type="body" idx="1"/>
           </p:nvPr>
         </p:nvSpPr>
         <p:spPr>
@@ -7727,90 +9032,29 @@
           </a:prstGeom>
         </p:spPr>
         <p:txBody>
-          <a:bodyPr anchorCtr="0" anchor="t" bIns="91425" lIns="91425" rIns="91425" wrap="square" tIns="91425">
+          <a:bodyPr wrap="square" lIns="91425" tIns="91425" rIns="91425" bIns="91425" anchor="t" anchorCtr="0">
             <a:noAutofit/>
           </a:bodyPr>
           <a:lstStyle/>
           <a:p>
-            <a:pPr indent="-355600" lvl="0" marL="457200" rtl="0">
-              <a:spcBef>
-                <a:spcPts val="0"/>
-              </a:spcBef>
-              <a:buSzPct val="100000"/>
+            <a:pPr lvl="0">
+              <a:spcBef>
+                <a:spcPts val="0"/>
+              </a:spcBef>
+              <a:buNone/>
             </a:pPr>
-            <a:r>
-              <a:rPr b="1" lang="en" sz="2000"/>
-              <a:t>Step #1:</a:t>
-            </a:r>
-            <a:r>
-              <a:rPr lang="en" sz="2000"/>
-              <a:t> Run </a:t>
-            </a:r>
-            <a:r>
-              <a:rPr i="1" lang="en" sz="2000"/>
-              <a:t>cppstats</a:t>
-            </a:r>
-            <a:r>
-              <a:rPr lang="en" sz="2000"/>
-              <a:t> on </a:t>
-            </a:r>
-            <a:r>
-              <a:rPr i="1" lang="en" sz="2000"/>
-              <a:t>Apache 2.2.11</a:t>
-            </a:r>
-          </a:p>
-          <a:p>
-            <a:pPr indent="-355600" lvl="0" marL="457200" rtl="0">
-              <a:spcBef>
-                <a:spcPts val="0"/>
-              </a:spcBef>
-              <a:buSzPct val="100000"/>
-            </a:pPr>
-            <a:r>
-              <a:rPr b="1" lang="en" sz="2000"/>
-              <a:t>Step #2:</a:t>
-            </a:r>
-            <a:r>
-              <a:rPr lang="en" sz="2000"/>
-              <a:t> Run cpp on the </a:t>
-            </a:r>
-            <a:r>
-              <a:rPr i="1" lang="en" sz="2000"/>
-              <a:t>5 latest </a:t>
-            </a:r>
-            <a:r>
-              <a:rPr lang="en" sz="2000"/>
-              <a:t>version of </a:t>
-            </a:r>
-            <a:r>
-              <a:rPr i="1" lang="en" sz="2000"/>
-              <a:t>Apache</a:t>
-            </a:r>
-            <a:r>
-              <a:rPr lang="en" sz="2000"/>
-              <a:t> and compare them together</a:t>
-            </a:r>
-          </a:p>
-          <a:p>
-            <a:pPr indent="-355600" lvl="0" marL="457200" rtl="0">
-              <a:spcBef>
-                <a:spcPts val="0"/>
-              </a:spcBef>
-              <a:buSzPct val="100000"/>
-            </a:pPr>
-            <a:r>
-              <a:rPr lang="en" sz="2000"/>
-              <a:t>Write a straightforward script to generate result and plot everything</a:t>
-            </a:r>
+            <a:endParaRPr/>
           </a:p>
         </p:txBody>
       </p:sp>
       <p:sp>
         <p:nvSpPr>
-          <p:cNvPr id="101" name="Shape 101"/>
-          <p:cNvSpPr txBox="1"/>
+          <p:cNvPr id="164" name="Shape 164"/>
+          <p:cNvSpPr txBox="1">
+            <a:spLocks noGrp="1"/>
+          </p:cNvSpPr>
           <p:nvPr>
-            <p:ph idx="12" type="sldNum"/>
+            <p:ph type="sldNum" idx="12"/>
           </p:nvPr>
         </p:nvSpPr>
         <p:spPr>
@@ -7823,7 +9067,7 @@
           </a:prstGeom>
         </p:spPr>
         <p:txBody>
-          <a:bodyPr anchorCtr="0" anchor="ctr" bIns="91425" lIns="91425" rIns="91425" wrap="square" tIns="91425">
+          <a:bodyPr wrap="square" lIns="91425" tIns="91425" rIns="91425" bIns="91425" anchor="ctr" anchorCtr="0">
             <a:noAutofit/>
           </a:bodyPr>
           <a:lstStyle/>
@@ -7836,11 +9080,40 @@
             </a:pPr>
             <a:fld id="{00000000-1234-1234-1234-123412341234}" type="slidenum">
               <a:rPr lang="en"/>
-              <a:t>‹#›</a:t>
+              <a:t>8</a:t>
             </a:fld>
+            <a:endParaRPr lang="en"/>
           </a:p>
         </p:txBody>
       </p:sp>
+      <p:pic>
+        <p:nvPicPr>
+          <p:cNvPr id="165" name="Shape 165" descr="VP.png"/>
+          <p:cNvPicPr preferRelativeResize="0"/>
+          <p:nvPr/>
+        </p:nvPicPr>
+        <p:blipFill>
+          <a:blip r:embed="rId3">
+            <a:alphaModFix/>
+          </a:blip>
+          <a:stretch>
+            <a:fillRect/>
+          </a:stretch>
+        </p:blipFill>
+        <p:spPr>
+          <a:xfrm>
+            <a:off x="1905100" y="553865"/>
+            <a:ext cx="6631201" cy="4493560"/>
+          </a:xfrm>
+          <a:prstGeom prst="rect">
+            <a:avLst/>
+          </a:prstGeom>
+          <a:noFill/>
+          <a:ln>
+            <a:noFill/>
+          </a:ln>
+        </p:spPr>
+      </p:pic>
     </p:spTree>
   </p:cSld>
   <p:clrMapOvr>
@@ -7849,12 +9122,12 @@
 </p:sld>
 </file>
 
-<file path=ppt/slides/slide4.xml><?xml version="1.0" encoding="utf-8"?>
-<p:sld xmlns:a="http://schemas.openxmlformats.org/drawingml/2006/main" xmlns:r="http://schemas.openxmlformats.org/officeDocument/2006/relationships" xmlns:mc="http://schemas.openxmlformats.org/markup-compatibility/2006" xmlns:mv="urn:schemas-microsoft-com:mac:vml" xmlns:p="http://schemas.openxmlformats.org/presentationml/2006/main" xmlns:c="http://schemas.openxmlformats.org/drawingml/2006/chart" xmlns:dgm="http://schemas.openxmlformats.org/drawingml/2006/diagram" xmlns:o="urn:schemas-microsoft-com:office:office" xmlns:v="urn:schemas-microsoft-com:vml" xmlns:pvml="urn:schemas-microsoft-com:office:powerpoint" xmlns:com="http://schemas.openxmlformats.org/drawingml/2006/compatibility" xmlns:p14="http://schemas.microsoft.com/office/powerpoint/2010/main" xmlns:p15="http://schemas.microsoft.com/office/powerpoint/2012/main">
+<file path=ppt/slides/slide9.xml><?xml version="1.0" encoding="utf-8"?>
+<p:sld xmlns:a="http://schemas.openxmlformats.org/drawingml/2006/main" xmlns:r="http://schemas.openxmlformats.org/officeDocument/2006/relationships" xmlns:p="http://schemas.openxmlformats.org/presentationml/2006/main">
   <p:cSld>
     <p:spTree>
       <p:nvGrpSpPr>
-        <p:cNvPr id="105" name="Shape 105"/>
+        <p:cNvPr id="1" name="Shape 113"/>
         <p:cNvGrpSpPr/>
         <p:nvPr/>
       </p:nvGrpSpPr>
@@ -7866,117 +9139,9 @@
           <a:chExt cx="0" cy="0"/>
         </a:xfrm>
       </p:grpSpPr>
-      <p:sp>
-        <p:nvSpPr>
-          <p:cNvPr id="106" name="Shape 106"/>
-          <p:cNvSpPr txBox="1"/>
-          <p:nvPr>
-            <p:ph type="title"/>
-          </p:nvPr>
-        </p:nvSpPr>
-        <p:spPr>
-          <a:xfrm>
-            <a:off x="729450" y="1318650"/>
-            <a:ext cx="7688700" cy="535200"/>
-          </a:xfrm>
-          <a:prstGeom prst="rect">
-            <a:avLst/>
-          </a:prstGeom>
-        </p:spPr>
-        <p:txBody>
-          <a:bodyPr anchorCtr="0" anchor="t" bIns="91425" lIns="91425" rIns="91425" wrap="square" tIns="91425">
-            <a:noAutofit/>
-          </a:bodyPr>
-          <a:lstStyle/>
-          <a:p>
-            <a:pPr lvl="0">
-              <a:spcBef>
-                <a:spcPts val="0"/>
-              </a:spcBef>
-              <a:buNone/>
-            </a:pPr>
-            <a:r>
-              <a:rPr lang="en"/>
-              <a:t>LOC-LOF</a:t>
-            </a:r>
-          </a:p>
-        </p:txBody>
-      </p:sp>
-      <p:sp>
-        <p:nvSpPr>
-          <p:cNvPr id="107" name="Shape 107"/>
-          <p:cNvSpPr txBox="1"/>
-          <p:nvPr>
-            <p:ph idx="1" type="body"/>
-          </p:nvPr>
-        </p:nvSpPr>
-        <p:spPr>
-          <a:xfrm>
-            <a:off x="729450" y="2078875"/>
-            <a:ext cx="7688700" cy="2261100"/>
-          </a:xfrm>
-          <a:prstGeom prst="rect">
-            <a:avLst/>
-          </a:prstGeom>
-        </p:spPr>
-        <p:txBody>
-          <a:bodyPr anchorCtr="0" anchor="t" bIns="91425" lIns="91425" rIns="91425" wrap="square" tIns="91425">
-            <a:noAutofit/>
-          </a:bodyPr>
-          <a:lstStyle/>
-          <a:p>
-            <a:pPr lvl="0">
-              <a:spcBef>
-                <a:spcPts val="0"/>
-              </a:spcBef>
-              <a:buNone/>
-            </a:pPr>
-            <a:r>
-              <a:t/>
-            </a:r>
-            <a:endParaRPr/>
-          </a:p>
-        </p:txBody>
-      </p:sp>
-      <p:sp>
-        <p:nvSpPr>
-          <p:cNvPr id="108" name="Shape 108"/>
-          <p:cNvSpPr txBox="1"/>
-          <p:nvPr>
-            <p:ph idx="12" type="sldNum"/>
-          </p:nvPr>
-        </p:nvSpPr>
-        <p:spPr>
-          <a:xfrm>
-            <a:off x="8536302" y="4749851"/>
-            <a:ext cx="548700" cy="393600"/>
-          </a:xfrm>
-          <a:prstGeom prst="rect">
-            <a:avLst/>
-          </a:prstGeom>
-        </p:spPr>
-        <p:txBody>
-          <a:bodyPr anchorCtr="0" anchor="ctr" bIns="91425" lIns="91425" rIns="91425" wrap="square" tIns="91425">
-            <a:noAutofit/>
-          </a:bodyPr>
-          <a:lstStyle/>
-          <a:p>
-            <a:pPr lvl="0">
-              <a:spcBef>
-                <a:spcPts val="0"/>
-              </a:spcBef>
-              <a:buNone/>
-            </a:pPr>
-            <a:fld id="{00000000-1234-1234-1234-123412341234}" type="slidenum">
-              <a:rPr lang="en"/>
-              <a:t>‹#›</a:t>
-            </a:fld>
-          </a:p>
-        </p:txBody>
-      </p:sp>
       <p:pic>
         <p:nvPicPr>
-          <p:cNvPr descr="LOC-LOF.png" id="109" name="Shape 109"/>
+          <p:cNvPr id="117" name="Shape 117" descr="LOF-VP.png"/>
           <p:cNvPicPr preferRelativeResize="0"/>
           <p:nvPr/>
         </p:nvPicPr>
@@ -7990,8 +9155,8 @@
         </p:blipFill>
         <p:spPr>
           <a:xfrm>
-            <a:off x="1944486" y="1977050"/>
-            <a:ext cx="5255025" cy="3077776"/>
+            <a:off x="1840985" y="475489"/>
+            <a:ext cx="7167161" cy="4704986"/>
           </a:xfrm>
           <a:prstGeom prst="rect">
             <a:avLst/>
@@ -8002,35 +9167,12 @@
           </a:ln>
         </p:spPr>
       </p:pic>
-    </p:spTree>
-  </p:cSld>
-  <p:clrMapOvr>
-    <a:masterClrMapping/>
-  </p:clrMapOvr>
-</p:sld>
-</file>
-
-<file path=ppt/slides/slide5.xml><?xml version="1.0" encoding="utf-8"?>
-<p:sld xmlns:a="http://schemas.openxmlformats.org/drawingml/2006/main" xmlns:r="http://schemas.openxmlformats.org/officeDocument/2006/relationships" xmlns:mc="http://schemas.openxmlformats.org/markup-compatibility/2006" xmlns:mv="urn:schemas-microsoft-com:mac:vml" xmlns:p="http://schemas.openxmlformats.org/presentationml/2006/main" xmlns:c="http://schemas.openxmlformats.org/drawingml/2006/chart" xmlns:dgm="http://schemas.openxmlformats.org/drawingml/2006/diagram" xmlns:o="urn:schemas-microsoft-com:office:office" xmlns:v="urn:schemas-microsoft-com:vml" xmlns:pvml="urn:schemas-microsoft-com:office:powerpoint" xmlns:com="http://schemas.openxmlformats.org/drawingml/2006/compatibility" xmlns:p14="http://schemas.microsoft.com/office/powerpoint/2010/main" xmlns:p15="http://schemas.microsoft.com/office/powerpoint/2012/main">
-  <p:cSld>
-    <p:spTree>
-      <p:nvGrpSpPr>
-        <p:cNvPr id="113" name="Shape 113"/>
-        <p:cNvGrpSpPr/>
-        <p:nvPr/>
-      </p:nvGrpSpPr>
-      <p:grpSpPr>
-        <a:xfrm>
-          <a:off x="0" y="0"/>
-          <a:ext cx="0" cy="0"/>
-          <a:chOff x="0" y="0"/>
-          <a:chExt cx="0" cy="0"/>
-        </a:xfrm>
-      </p:grpSpPr>
       <p:sp>
         <p:nvSpPr>
           <p:cNvPr id="114" name="Shape 114"/>
-          <p:cNvSpPr txBox="1"/>
+          <p:cNvSpPr txBox="1">
+            <a:spLocks noGrp="1"/>
+          </p:cNvSpPr>
           <p:nvPr>
             <p:ph type="title"/>
           </p:nvPr>
@@ -8045,7 +9187,7 @@
           </a:prstGeom>
         </p:spPr>
         <p:txBody>
-          <a:bodyPr anchorCtr="0" anchor="t" bIns="91425" lIns="91425" rIns="91425" wrap="square" tIns="91425">
+          <a:bodyPr wrap="square" lIns="91425" tIns="91425" rIns="91425" bIns="91425" anchor="t" anchorCtr="0">
             <a:noAutofit/>
           </a:bodyPr>
           <a:lstStyle/>
@@ -8066,9 +9208,11 @@
       <p:sp>
         <p:nvSpPr>
           <p:cNvPr id="115" name="Shape 115"/>
-          <p:cNvSpPr txBox="1"/>
+          <p:cNvSpPr txBox="1">
+            <a:spLocks noGrp="1"/>
+          </p:cNvSpPr>
           <p:nvPr>
-            <p:ph idx="1" type="body"/>
+            <p:ph type="body" idx="1"/>
           </p:nvPr>
         </p:nvSpPr>
         <p:spPr>
@@ -8081,7 +9225,7 @@
           </a:prstGeom>
         </p:spPr>
         <p:txBody>
-          <a:bodyPr anchorCtr="0" anchor="t" bIns="91425" lIns="91425" rIns="91425" wrap="square" tIns="91425">
+          <a:bodyPr wrap="square" lIns="91425" tIns="91425" rIns="91425" bIns="91425" anchor="t" anchorCtr="0">
             <a:noAutofit/>
           </a:bodyPr>
           <a:lstStyle/>
@@ -8092,9 +9236,6 @@
               </a:spcBef>
               <a:buNone/>
             </a:pPr>
-            <a:r>
-              <a:t/>
-            </a:r>
             <a:endParaRPr/>
           </a:p>
         </p:txBody>
@@ -8102,9 +9243,11 @@
       <p:sp>
         <p:nvSpPr>
           <p:cNvPr id="116" name="Shape 116"/>
-          <p:cNvSpPr txBox="1"/>
+          <p:cNvSpPr txBox="1">
+            <a:spLocks noGrp="1"/>
+          </p:cNvSpPr>
           <p:nvPr>
-            <p:ph idx="12" type="sldNum"/>
+            <p:ph type="sldNum" idx="12"/>
           </p:nvPr>
         </p:nvSpPr>
         <p:spPr>
@@ -8117,7 +9260,7 @@
           </a:prstGeom>
         </p:spPr>
         <p:txBody>
-          <a:bodyPr anchorCtr="0" anchor="ctr" bIns="91425" lIns="91425" rIns="91425" wrap="square" tIns="91425">
+          <a:bodyPr wrap="square" lIns="91425" tIns="91425" rIns="91425" bIns="91425" anchor="ctr" anchorCtr="0">
             <a:noAutofit/>
           </a:bodyPr>
           <a:lstStyle/>
@@ -8130,683 +9273,12 @@
             </a:pPr>
             <a:fld id="{00000000-1234-1234-1234-123412341234}" type="slidenum">
               <a:rPr lang="en"/>
-              <a:t>‹#›</a:t>
+              <a:t>9</a:t>
             </a:fld>
+            <a:endParaRPr lang="en"/>
           </a:p>
         </p:txBody>
       </p:sp>
-      <p:pic>
-        <p:nvPicPr>
-          <p:cNvPr descr="LOF-VP.png" id="117" name="Shape 117"/>
-          <p:cNvPicPr preferRelativeResize="0"/>
-          <p:nvPr/>
-        </p:nvPicPr>
-        <p:blipFill>
-          <a:blip r:embed="rId3">
-            <a:alphaModFix/>
-          </a:blip>
-          <a:stretch>
-            <a:fillRect/>
-          </a:stretch>
-        </p:blipFill>
-        <p:spPr>
-          <a:xfrm>
-            <a:off x="1840985" y="1979375"/>
-            <a:ext cx="5465625" cy="3201099"/>
-          </a:xfrm>
-          <a:prstGeom prst="rect">
-            <a:avLst/>
-          </a:prstGeom>
-          <a:noFill/>
-          <a:ln>
-            <a:noFill/>
-          </a:ln>
-        </p:spPr>
-      </p:pic>
-    </p:spTree>
-  </p:cSld>
-  <p:clrMapOvr>
-    <a:masterClrMapping/>
-  </p:clrMapOvr>
-</p:sld>
-</file>
-
-<file path=ppt/slides/slide6.xml><?xml version="1.0" encoding="utf-8"?>
-<p:sld xmlns:a="http://schemas.openxmlformats.org/drawingml/2006/main" xmlns:r="http://schemas.openxmlformats.org/officeDocument/2006/relationships" xmlns:mc="http://schemas.openxmlformats.org/markup-compatibility/2006" xmlns:mv="urn:schemas-microsoft-com:mac:vml" xmlns:p="http://schemas.openxmlformats.org/presentationml/2006/main" xmlns:c="http://schemas.openxmlformats.org/drawingml/2006/chart" xmlns:dgm="http://schemas.openxmlformats.org/drawingml/2006/diagram" xmlns:o="urn:schemas-microsoft-com:office:office" xmlns:v="urn:schemas-microsoft-com:vml" xmlns:pvml="urn:schemas-microsoft-com:office:powerpoint" xmlns:com="http://schemas.openxmlformats.org/drawingml/2006/compatibility" xmlns:p14="http://schemas.microsoft.com/office/powerpoint/2010/main" xmlns:p15="http://schemas.microsoft.com/office/powerpoint/2012/main">
-  <p:cSld>
-    <p:spTree>
-      <p:nvGrpSpPr>
-        <p:cNvPr id="121" name="Shape 121"/>
-        <p:cNvGrpSpPr/>
-        <p:nvPr/>
-      </p:nvGrpSpPr>
-      <p:grpSpPr>
-        <a:xfrm>
-          <a:off x="0" y="0"/>
-          <a:ext cx="0" cy="0"/>
-          <a:chOff x="0" y="0"/>
-          <a:chExt cx="0" cy="0"/>
-        </a:xfrm>
-      </p:grpSpPr>
-      <p:sp>
-        <p:nvSpPr>
-          <p:cNvPr id="122" name="Shape 122"/>
-          <p:cNvSpPr txBox="1"/>
-          <p:nvPr>
-            <p:ph type="title"/>
-          </p:nvPr>
-        </p:nvSpPr>
-        <p:spPr>
-          <a:xfrm>
-            <a:off x="729450" y="1318650"/>
-            <a:ext cx="7688700" cy="535200"/>
-          </a:xfrm>
-          <a:prstGeom prst="rect">
-            <a:avLst/>
-          </a:prstGeom>
-        </p:spPr>
-        <p:txBody>
-          <a:bodyPr anchorCtr="0" anchor="t" bIns="91425" lIns="91425" rIns="91425" wrap="square" tIns="91425">
-            <a:noAutofit/>
-          </a:bodyPr>
-          <a:lstStyle/>
-          <a:p>
-            <a:pPr lvl="0">
-              <a:spcBef>
-                <a:spcPts val="0"/>
-              </a:spcBef>
-              <a:buNone/>
-            </a:pPr>
-            <a:r>
-              <a:rPr lang="en"/>
-              <a:t>AND</a:t>
-            </a:r>
-          </a:p>
-        </p:txBody>
-      </p:sp>
-      <p:sp>
-        <p:nvSpPr>
-          <p:cNvPr id="123" name="Shape 123"/>
-          <p:cNvSpPr txBox="1"/>
-          <p:nvPr>
-            <p:ph idx="1" type="body"/>
-          </p:nvPr>
-        </p:nvSpPr>
-        <p:spPr>
-          <a:xfrm>
-            <a:off x="729450" y="2078875"/>
-            <a:ext cx="7688700" cy="2261100"/>
-          </a:xfrm>
-          <a:prstGeom prst="rect">
-            <a:avLst/>
-          </a:prstGeom>
-        </p:spPr>
-        <p:txBody>
-          <a:bodyPr anchorCtr="0" anchor="t" bIns="91425" lIns="91425" rIns="91425" wrap="square" tIns="91425">
-            <a:noAutofit/>
-          </a:bodyPr>
-          <a:lstStyle/>
-          <a:p>
-            <a:pPr lvl="0">
-              <a:spcBef>
-                <a:spcPts val="0"/>
-              </a:spcBef>
-              <a:buNone/>
-            </a:pPr>
-            <a:r>
-              <a:t/>
-            </a:r>
-            <a:endParaRPr/>
-          </a:p>
-        </p:txBody>
-      </p:sp>
-      <p:sp>
-        <p:nvSpPr>
-          <p:cNvPr id="124" name="Shape 124"/>
-          <p:cNvSpPr txBox="1"/>
-          <p:nvPr>
-            <p:ph idx="12" type="sldNum"/>
-          </p:nvPr>
-        </p:nvSpPr>
-        <p:spPr>
-          <a:xfrm>
-            <a:off x="8536302" y="4749851"/>
-            <a:ext cx="548700" cy="393600"/>
-          </a:xfrm>
-          <a:prstGeom prst="rect">
-            <a:avLst/>
-          </a:prstGeom>
-        </p:spPr>
-        <p:txBody>
-          <a:bodyPr anchorCtr="0" anchor="ctr" bIns="91425" lIns="91425" rIns="91425" wrap="square" tIns="91425">
-            <a:noAutofit/>
-          </a:bodyPr>
-          <a:lstStyle/>
-          <a:p>
-            <a:pPr lvl="0">
-              <a:spcBef>
-                <a:spcPts val="0"/>
-              </a:spcBef>
-              <a:buNone/>
-            </a:pPr>
-            <a:fld id="{00000000-1234-1234-1234-123412341234}" type="slidenum">
-              <a:rPr lang="en"/>
-              <a:t>‹#›</a:t>
-            </a:fld>
-          </a:p>
-        </p:txBody>
-      </p:sp>
-      <p:pic>
-        <p:nvPicPr>
-          <p:cNvPr descr="AND.png" id="125" name="Shape 125"/>
-          <p:cNvPicPr preferRelativeResize="0"/>
-          <p:nvPr/>
-        </p:nvPicPr>
-        <p:blipFill>
-          <a:blip r:embed="rId3">
-            <a:alphaModFix/>
-          </a:blip>
-          <a:stretch>
-            <a:fillRect/>
-          </a:stretch>
-        </p:blipFill>
-        <p:spPr>
-          <a:xfrm>
-            <a:off x="1950313" y="2013425"/>
-            <a:ext cx="5243376" cy="3070951"/>
-          </a:xfrm>
-          <a:prstGeom prst="rect">
-            <a:avLst/>
-          </a:prstGeom>
-          <a:noFill/>
-          <a:ln>
-            <a:noFill/>
-          </a:ln>
-        </p:spPr>
-      </p:pic>
-    </p:spTree>
-  </p:cSld>
-  <p:clrMapOvr>
-    <a:masterClrMapping/>
-  </p:clrMapOvr>
-</p:sld>
-</file>
-
-<file path=ppt/slides/slide7.xml><?xml version="1.0" encoding="utf-8"?>
-<p:sld xmlns:a="http://schemas.openxmlformats.org/drawingml/2006/main" xmlns:r="http://schemas.openxmlformats.org/officeDocument/2006/relationships" xmlns:mc="http://schemas.openxmlformats.org/markup-compatibility/2006" xmlns:mv="urn:schemas-microsoft-com:mac:vml" xmlns:p="http://schemas.openxmlformats.org/presentationml/2006/main" xmlns:c="http://schemas.openxmlformats.org/drawingml/2006/chart" xmlns:dgm="http://schemas.openxmlformats.org/drawingml/2006/diagram" xmlns:o="urn:schemas-microsoft-com:office:office" xmlns:v="urn:schemas-microsoft-com:vml" xmlns:pvml="urn:schemas-microsoft-com:office:powerpoint" xmlns:com="http://schemas.openxmlformats.org/drawingml/2006/compatibility" xmlns:p14="http://schemas.microsoft.com/office/powerpoint/2010/main" xmlns:p15="http://schemas.microsoft.com/office/powerpoint/2012/main">
-  <p:cSld>
-    <p:spTree>
-      <p:nvGrpSpPr>
-        <p:cNvPr id="129" name="Shape 129"/>
-        <p:cNvGrpSpPr/>
-        <p:nvPr/>
-      </p:nvGrpSpPr>
-      <p:grpSpPr>
-        <a:xfrm>
-          <a:off x="0" y="0"/>
-          <a:ext cx="0" cy="0"/>
-          <a:chOff x="0" y="0"/>
-          <a:chExt cx="0" cy="0"/>
-        </a:xfrm>
-      </p:grpSpPr>
-      <p:sp>
-        <p:nvSpPr>
-          <p:cNvPr id="130" name="Shape 130"/>
-          <p:cNvSpPr txBox="1"/>
-          <p:nvPr>
-            <p:ph type="title"/>
-          </p:nvPr>
-        </p:nvSpPr>
-        <p:spPr>
-          <a:xfrm>
-            <a:off x="729450" y="1318650"/>
-            <a:ext cx="7688700" cy="535200"/>
-          </a:xfrm>
-          <a:prstGeom prst="rect">
-            <a:avLst/>
-          </a:prstGeom>
-        </p:spPr>
-        <p:txBody>
-          <a:bodyPr anchorCtr="0" anchor="t" bIns="91425" lIns="91425" rIns="91425" wrap="square" tIns="91425">
-            <a:noAutofit/>
-          </a:bodyPr>
-          <a:lstStyle/>
-          <a:p>
-            <a:pPr lvl="0">
-              <a:spcBef>
-                <a:spcPts val="0"/>
-              </a:spcBef>
-              <a:buNone/>
-            </a:pPr>
-            <a:r>
-              <a:rPr lang="en"/>
-              <a:t>AND - Mean</a:t>
-            </a:r>
-          </a:p>
-        </p:txBody>
-      </p:sp>
-      <p:sp>
-        <p:nvSpPr>
-          <p:cNvPr id="131" name="Shape 131"/>
-          <p:cNvSpPr txBox="1"/>
-          <p:nvPr>
-            <p:ph idx="1" type="body"/>
-          </p:nvPr>
-        </p:nvSpPr>
-        <p:spPr>
-          <a:xfrm>
-            <a:off x="729450" y="2078875"/>
-            <a:ext cx="7688700" cy="2261100"/>
-          </a:xfrm>
-          <a:prstGeom prst="rect">
-            <a:avLst/>
-          </a:prstGeom>
-        </p:spPr>
-        <p:txBody>
-          <a:bodyPr anchorCtr="0" anchor="t" bIns="91425" lIns="91425" rIns="91425" wrap="square" tIns="91425">
-            <a:noAutofit/>
-          </a:bodyPr>
-          <a:lstStyle/>
-          <a:p>
-            <a:pPr lvl="0">
-              <a:spcBef>
-                <a:spcPts val="0"/>
-              </a:spcBef>
-              <a:buNone/>
-            </a:pPr>
-            <a:r>
-              <a:t/>
-            </a:r>
-            <a:endParaRPr/>
-          </a:p>
-        </p:txBody>
-      </p:sp>
-      <p:sp>
-        <p:nvSpPr>
-          <p:cNvPr id="132" name="Shape 132"/>
-          <p:cNvSpPr txBox="1"/>
-          <p:nvPr>
-            <p:ph idx="12" type="sldNum"/>
-          </p:nvPr>
-        </p:nvSpPr>
-        <p:spPr>
-          <a:xfrm>
-            <a:off x="8536302" y="4749851"/>
-            <a:ext cx="548700" cy="393600"/>
-          </a:xfrm>
-          <a:prstGeom prst="rect">
-            <a:avLst/>
-          </a:prstGeom>
-        </p:spPr>
-        <p:txBody>
-          <a:bodyPr anchorCtr="0" anchor="ctr" bIns="91425" lIns="91425" rIns="91425" wrap="square" tIns="91425">
-            <a:noAutofit/>
-          </a:bodyPr>
-          <a:lstStyle/>
-          <a:p>
-            <a:pPr lvl="0">
-              <a:spcBef>
-                <a:spcPts val="0"/>
-              </a:spcBef>
-              <a:buNone/>
-            </a:pPr>
-            <a:fld id="{00000000-1234-1234-1234-123412341234}" type="slidenum">
-              <a:rPr lang="en"/>
-              <a:t>‹#›</a:t>
-            </a:fld>
-          </a:p>
-        </p:txBody>
-      </p:sp>
-      <p:pic>
-        <p:nvPicPr>
-          <p:cNvPr descr="AND-MEAN.png" id="133" name="Shape 133"/>
-          <p:cNvPicPr preferRelativeResize="0"/>
-          <p:nvPr/>
-        </p:nvPicPr>
-        <p:blipFill>
-          <a:blip r:embed="rId3">
-            <a:alphaModFix/>
-          </a:blip>
-          <a:stretch>
-            <a:fillRect/>
-          </a:stretch>
-        </p:blipFill>
-        <p:spPr>
-          <a:xfrm>
-            <a:off x="1957513" y="1990175"/>
-            <a:ext cx="5232577" cy="3064626"/>
-          </a:xfrm>
-          <a:prstGeom prst="rect">
-            <a:avLst/>
-          </a:prstGeom>
-          <a:noFill/>
-          <a:ln>
-            <a:noFill/>
-          </a:ln>
-        </p:spPr>
-      </p:pic>
-    </p:spTree>
-  </p:cSld>
-  <p:clrMapOvr>
-    <a:masterClrMapping/>
-  </p:clrMapOvr>
-</p:sld>
-</file>
-
-<file path=ppt/slides/slide8.xml><?xml version="1.0" encoding="utf-8"?>
-<p:sld xmlns:a="http://schemas.openxmlformats.org/drawingml/2006/main" xmlns:r="http://schemas.openxmlformats.org/officeDocument/2006/relationships" xmlns:mc="http://schemas.openxmlformats.org/markup-compatibility/2006" xmlns:mv="urn:schemas-microsoft-com:mac:vml" xmlns:p="http://schemas.openxmlformats.org/presentationml/2006/main" xmlns:c="http://schemas.openxmlformats.org/drawingml/2006/chart" xmlns:dgm="http://schemas.openxmlformats.org/drawingml/2006/diagram" xmlns:o="urn:schemas-microsoft-com:office:office" xmlns:v="urn:schemas-microsoft-com:vml" xmlns:pvml="urn:schemas-microsoft-com:office:powerpoint" xmlns:com="http://schemas.openxmlformats.org/drawingml/2006/compatibility" xmlns:p14="http://schemas.microsoft.com/office/powerpoint/2010/main" xmlns:p15="http://schemas.microsoft.com/office/powerpoint/2012/main">
-  <p:cSld>
-    <p:spTree>
-      <p:nvGrpSpPr>
-        <p:cNvPr id="137" name="Shape 137"/>
-        <p:cNvGrpSpPr/>
-        <p:nvPr/>
-      </p:nvGrpSpPr>
-      <p:grpSpPr>
-        <a:xfrm>
-          <a:off x="0" y="0"/>
-          <a:ext cx="0" cy="0"/>
-          <a:chOff x="0" y="0"/>
-          <a:chExt cx="0" cy="0"/>
-        </a:xfrm>
-      </p:grpSpPr>
-      <p:sp>
-        <p:nvSpPr>
-          <p:cNvPr id="138" name="Shape 138"/>
-          <p:cNvSpPr txBox="1"/>
-          <p:nvPr>
-            <p:ph type="title"/>
-          </p:nvPr>
-        </p:nvSpPr>
-        <p:spPr>
-          <a:xfrm>
-            <a:off x="729450" y="1318650"/>
-            <a:ext cx="7688700" cy="535200"/>
-          </a:xfrm>
-          <a:prstGeom prst="rect">
-            <a:avLst/>
-          </a:prstGeom>
-        </p:spPr>
-        <p:txBody>
-          <a:bodyPr anchorCtr="0" anchor="t" bIns="91425" lIns="91425" rIns="91425" wrap="square" tIns="91425">
-            <a:noAutofit/>
-          </a:bodyPr>
-          <a:lstStyle/>
-          <a:p>
-            <a:pPr lvl="0">
-              <a:spcBef>
-                <a:spcPts val="0"/>
-              </a:spcBef>
-              <a:buNone/>
-            </a:pPr>
-            <a:r>
-              <a:rPr lang="en"/>
-              <a:t>NOFC</a:t>
-            </a:r>
-          </a:p>
-        </p:txBody>
-      </p:sp>
-      <p:sp>
-        <p:nvSpPr>
-          <p:cNvPr id="139" name="Shape 139"/>
-          <p:cNvSpPr txBox="1"/>
-          <p:nvPr>
-            <p:ph idx="1" type="body"/>
-          </p:nvPr>
-        </p:nvSpPr>
-        <p:spPr>
-          <a:xfrm>
-            <a:off x="729450" y="2078875"/>
-            <a:ext cx="7688700" cy="2261100"/>
-          </a:xfrm>
-          <a:prstGeom prst="rect">
-            <a:avLst/>
-          </a:prstGeom>
-        </p:spPr>
-        <p:txBody>
-          <a:bodyPr anchorCtr="0" anchor="t" bIns="91425" lIns="91425" rIns="91425" wrap="square" tIns="91425">
-            <a:noAutofit/>
-          </a:bodyPr>
-          <a:lstStyle/>
-          <a:p>
-            <a:pPr lvl="0">
-              <a:spcBef>
-                <a:spcPts val="0"/>
-              </a:spcBef>
-              <a:buNone/>
-            </a:pPr>
-            <a:r>
-              <a:t/>
-            </a:r>
-            <a:endParaRPr/>
-          </a:p>
-        </p:txBody>
-      </p:sp>
-      <p:sp>
-        <p:nvSpPr>
-          <p:cNvPr id="140" name="Shape 140"/>
-          <p:cNvSpPr txBox="1"/>
-          <p:nvPr>
-            <p:ph idx="12" type="sldNum"/>
-          </p:nvPr>
-        </p:nvSpPr>
-        <p:spPr>
-          <a:xfrm>
-            <a:off x="8536302" y="4749851"/>
-            <a:ext cx="548700" cy="393600"/>
-          </a:xfrm>
-          <a:prstGeom prst="rect">
-            <a:avLst/>
-          </a:prstGeom>
-        </p:spPr>
-        <p:txBody>
-          <a:bodyPr anchorCtr="0" anchor="ctr" bIns="91425" lIns="91425" rIns="91425" wrap="square" tIns="91425">
-            <a:noAutofit/>
-          </a:bodyPr>
-          <a:lstStyle/>
-          <a:p>
-            <a:pPr lvl="0">
-              <a:spcBef>
-                <a:spcPts val="0"/>
-              </a:spcBef>
-              <a:buNone/>
-            </a:pPr>
-            <a:fld id="{00000000-1234-1234-1234-123412341234}" type="slidenum">
-              <a:rPr lang="en"/>
-              <a:t>‹#›</a:t>
-            </a:fld>
-          </a:p>
-        </p:txBody>
-      </p:sp>
-      <p:pic>
-        <p:nvPicPr>
-          <p:cNvPr descr="NOFC.png" id="141" name="Shape 141"/>
-          <p:cNvPicPr preferRelativeResize="0"/>
-          <p:nvPr/>
-        </p:nvPicPr>
-        <p:blipFill>
-          <a:blip r:embed="rId3">
-            <a:alphaModFix/>
-          </a:blip>
-          <a:stretch>
-            <a:fillRect/>
-          </a:stretch>
-        </p:blipFill>
-        <p:spPr>
-          <a:xfrm>
-            <a:off x="1965223" y="1979150"/>
-            <a:ext cx="5213549" cy="3053475"/>
-          </a:xfrm>
-          <a:prstGeom prst="rect">
-            <a:avLst/>
-          </a:prstGeom>
-          <a:noFill/>
-          <a:ln>
-            <a:noFill/>
-          </a:ln>
-        </p:spPr>
-      </p:pic>
-    </p:spTree>
-  </p:cSld>
-  <p:clrMapOvr>
-    <a:masterClrMapping/>
-  </p:clrMapOvr>
-</p:sld>
-</file>
-
-<file path=ppt/slides/slide9.xml><?xml version="1.0" encoding="utf-8"?>
-<p:sld xmlns:a="http://schemas.openxmlformats.org/drawingml/2006/main" xmlns:r="http://schemas.openxmlformats.org/officeDocument/2006/relationships" xmlns:mc="http://schemas.openxmlformats.org/markup-compatibility/2006" xmlns:mv="urn:schemas-microsoft-com:mac:vml" xmlns:p="http://schemas.openxmlformats.org/presentationml/2006/main" xmlns:c="http://schemas.openxmlformats.org/drawingml/2006/chart" xmlns:dgm="http://schemas.openxmlformats.org/drawingml/2006/diagram" xmlns:o="urn:schemas-microsoft-com:office:office" xmlns:v="urn:schemas-microsoft-com:vml" xmlns:pvml="urn:schemas-microsoft-com:office:powerpoint" xmlns:com="http://schemas.openxmlformats.org/drawingml/2006/compatibility" xmlns:p14="http://schemas.microsoft.com/office/powerpoint/2010/main" xmlns:p15="http://schemas.microsoft.com/office/powerpoint/2012/main">
-  <p:cSld>
-    <p:spTree>
-      <p:nvGrpSpPr>
-        <p:cNvPr id="145" name="Shape 145"/>
-        <p:cNvGrpSpPr/>
-        <p:nvPr/>
-      </p:nvGrpSpPr>
-      <p:grpSpPr>
-        <a:xfrm>
-          <a:off x="0" y="0"/>
-          <a:ext cx="0" cy="0"/>
-          <a:chOff x="0" y="0"/>
-          <a:chExt cx="0" cy="0"/>
-        </a:xfrm>
-      </p:grpSpPr>
-      <p:sp>
-        <p:nvSpPr>
-          <p:cNvPr id="146" name="Shape 146"/>
-          <p:cNvSpPr txBox="1"/>
-          <p:nvPr>
-            <p:ph type="title"/>
-          </p:nvPr>
-        </p:nvSpPr>
-        <p:spPr>
-          <a:xfrm>
-            <a:off x="729450" y="1318650"/>
-            <a:ext cx="7688700" cy="535200"/>
-          </a:xfrm>
-          <a:prstGeom prst="rect">
-            <a:avLst/>
-          </a:prstGeom>
-        </p:spPr>
-        <p:txBody>
-          <a:bodyPr anchorCtr="0" anchor="t" bIns="91425" lIns="91425" rIns="91425" wrap="square" tIns="91425">
-            <a:noAutofit/>
-          </a:bodyPr>
-          <a:lstStyle/>
-          <a:p>
-            <a:pPr lvl="0">
-              <a:spcBef>
-                <a:spcPts val="0"/>
-              </a:spcBef>
-              <a:buNone/>
-            </a:pPr>
-            <a:r>
-              <a:rPr lang="en"/>
-              <a:t>PLOF</a:t>
-            </a:r>
-          </a:p>
-        </p:txBody>
-      </p:sp>
-      <p:sp>
-        <p:nvSpPr>
-          <p:cNvPr id="147" name="Shape 147"/>
-          <p:cNvSpPr txBox="1"/>
-          <p:nvPr>
-            <p:ph idx="1" type="body"/>
-          </p:nvPr>
-        </p:nvSpPr>
-        <p:spPr>
-          <a:xfrm>
-            <a:off x="729450" y="2078875"/>
-            <a:ext cx="7688700" cy="2261100"/>
-          </a:xfrm>
-          <a:prstGeom prst="rect">
-            <a:avLst/>
-          </a:prstGeom>
-        </p:spPr>
-        <p:txBody>
-          <a:bodyPr anchorCtr="0" anchor="t" bIns="91425" lIns="91425" rIns="91425" wrap="square" tIns="91425">
-            <a:noAutofit/>
-          </a:bodyPr>
-          <a:lstStyle/>
-          <a:p>
-            <a:pPr lvl="0">
-              <a:spcBef>
-                <a:spcPts val="0"/>
-              </a:spcBef>
-              <a:buNone/>
-            </a:pPr>
-            <a:r>
-              <a:t/>
-            </a:r>
-            <a:endParaRPr/>
-          </a:p>
-        </p:txBody>
-      </p:sp>
-      <p:sp>
-        <p:nvSpPr>
-          <p:cNvPr id="148" name="Shape 148"/>
-          <p:cNvSpPr txBox="1"/>
-          <p:nvPr>
-            <p:ph idx="12" type="sldNum"/>
-          </p:nvPr>
-        </p:nvSpPr>
-        <p:spPr>
-          <a:xfrm>
-            <a:off x="8536302" y="4749851"/>
-            <a:ext cx="548700" cy="393600"/>
-          </a:xfrm>
-          <a:prstGeom prst="rect">
-            <a:avLst/>
-          </a:prstGeom>
-        </p:spPr>
-        <p:txBody>
-          <a:bodyPr anchorCtr="0" anchor="ctr" bIns="91425" lIns="91425" rIns="91425" wrap="square" tIns="91425">
-            <a:noAutofit/>
-          </a:bodyPr>
-          <a:lstStyle/>
-          <a:p>
-            <a:pPr lvl="0">
-              <a:spcBef>
-                <a:spcPts val="0"/>
-              </a:spcBef>
-              <a:buNone/>
-            </a:pPr>
-            <a:fld id="{00000000-1234-1234-1234-123412341234}" type="slidenum">
-              <a:rPr lang="en"/>
-              <a:t>‹#›</a:t>
-            </a:fld>
-          </a:p>
-        </p:txBody>
-      </p:sp>
-      <p:pic>
-        <p:nvPicPr>
-          <p:cNvPr descr="PLOF.png" id="149" name="Shape 149"/>
-          <p:cNvPicPr preferRelativeResize="0"/>
-          <p:nvPr/>
-        </p:nvPicPr>
-        <p:blipFill>
-          <a:blip r:embed="rId3">
-            <a:alphaModFix/>
-          </a:blip>
-          <a:stretch>
-            <a:fillRect/>
-          </a:stretch>
-        </p:blipFill>
-        <p:spPr>
-          <a:xfrm>
-            <a:off x="1918851" y="1930150"/>
-            <a:ext cx="5309877" cy="3109874"/>
-          </a:xfrm>
-          <a:prstGeom prst="rect">
-            <a:avLst/>
-          </a:prstGeom>
-          <a:noFill/>
-          <a:ln>
-            <a:noFill/>
-          </a:ln>
-        </p:spPr>
-      </p:pic>
     </p:spTree>
   </p:cSld>
   <p:clrMapOvr>
@@ -8816,7 +9288,288 @@
 </file>
 
 <file path=ppt/theme/theme1.xml><?xml version="1.0" encoding="utf-8"?>
-<a:theme xmlns:a="http://schemas.openxmlformats.org/drawingml/2006/main" xmlns:r="http://schemas.openxmlformats.org/officeDocument/2006/relationships" name="Custom Theme">
+<a:theme xmlns:a="http://schemas.openxmlformats.org/drawingml/2006/main" name="Streamline">
+  <a:themeElements>
+    <a:clrScheme name="Streamline">
+      <a:dk1>
+        <a:srgbClr val="1A9988"/>
+      </a:dk1>
+      <a:lt1>
+        <a:srgbClr val="FFFFFF"/>
+      </a:lt1>
+      <a:dk2>
+        <a:srgbClr val="1A1A1A"/>
+      </a:dk2>
+      <a:lt2>
+        <a:srgbClr val="E9EDEE"/>
+      </a:lt2>
+      <a:accent1>
+        <a:srgbClr val="595959"/>
+      </a:accent1>
+      <a:accent2>
+        <a:srgbClr val="6AA4C8"/>
+      </a:accent2>
+      <a:accent3>
+        <a:srgbClr val="EB5600"/>
+      </a:accent3>
+      <a:accent4>
+        <a:srgbClr val="A2FFE8"/>
+      </a:accent4>
+      <a:accent5>
+        <a:srgbClr val="1C3678"/>
+      </a:accent5>
+      <a:accent6>
+        <a:srgbClr val="FFB8A2"/>
+      </a:accent6>
+      <a:hlink>
+        <a:srgbClr val="1C3678"/>
+      </a:hlink>
+      <a:folHlink>
+        <a:srgbClr val="1C3678"/>
+      </a:folHlink>
+    </a:clrScheme>
+    <a:fontScheme name="Office">
+      <a:majorFont>
+        <a:latin typeface="Arial"/>
+        <a:ea typeface=""/>
+        <a:cs typeface=""/>
+        <a:font script="Jpan" typeface="ＭＳ Ｐゴシック"/>
+        <a:font script="Hang" typeface="맑은 고딕"/>
+        <a:font script="Hans" typeface="宋体"/>
+        <a:font script="Hant" typeface="新細明體"/>
+        <a:font script="Arab" typeface="Times New Roman"/>
+        <a:font script="Hebr" typeface="Times New Roman"/>
+        <a:font script="Thai" typeface="Angsana New"/>
+        <a:font script="Ethi" typeface="Nyala"/>
+        <a:font script="Beng" typeface="Vrinda"/>
+        <a:font script="Gujr" typeface="Shruti"/>
+        <a:font script="Khmr" typeface="MoolBoran"/>
+        <a:font script="Knda" typeface="Tunga"/>
+        <a:font script="Guru" typeface="Raavi"/>
+        <a:font script="Cans" typeface="Euphemia"/>
+        <a:font script="Cher" typeface="Plantagenet Cherokee"/>
+        <a:font script="Yiii" typeface="Microsoft Yi Baiti"/>
+        <a:font script="Tibt" typeface="Microsoft Himalaya"/>
+        <a:font script="Thaa" typeface="MV Boli"/>
+        <a:font script="Deva" typeface="Mangal"/>
+        <a:font script="Telu" typeface="Gautami"/>
+        <a:font script="Taml" typeface="Latha"/>
+        <a:font script="Syrc" typeface="Estrangelo Edessa"/>
+        <a:font script="Orya" typeface="Kalinga"/>
+        <a:font script="Mlym" typeface="Kartika"/>
+        <a:font script="Laoo" typeface="DokChampa"/>
+        <a:font script="Sinh" typeface="Iskoola Pota"/>
+        <a:font script="Mong" typeface="Mongolian Baiti"/>
+        <a:font script="Viet" typeface="Times New Roman"/>
+        <a:font script="Uigh" typeface="Microsoft Uighur"/>
+        <a:font script="Geor" typeface="Sylfaen"/>
+      </a:majorFont>
+      <a:minorFont>
+        <a:latin typeface="Arial"/>
+        <a:ea typeface=""/>
+        <a:cs typeface=""/>
+        <a:font script="Jpan" typeface="ＭＳ Ｐゴシック"/>
+        <a:font script="Hang" typeface="맑은 고딕"/>
+        <a:font script="Hans" typeface="宋体"/>
+        <a:font script="Hant" typeface="新細明體"/>
+        <a:font script="Arab" typeface="Arial"/>
+        <a:font script="Hebr" typeface="Arial"/>
+        <a:font script="Thai" typeface="Cordia New"/>
+        <a:font script="Ethi" typeface="Nyala"/>
+        <a:font script="Beng" typeface="Vrinda"/>
+        <a:font script="Gujr" typeface="Shruti"/>
+        <a:font script="Khmr" typeface="DaunPenh"/>
+        <a:font script="Knda" typeface="Tunga"/>
+        <a:font script="Guru" typeface="Raavi"/>
+        <a:font script="Cans" typeface="Euphemia"/>
+        <a:font script="Cher" typeface="Plantagenet Cherokee"/>
+        <a:font script="Yiii" typeface="Microsoft Yi Baiti"/>
+        <a:font script="Tibt" typeface="Microsoft Himalaya"/>
+        <a:font script="Thaa" typeface="MV Boli"/>
+        <a:font script="Deva" typeface="Mangal"/>
+        <a:font script="Telu" typeface="Gautami"/>
+        <a:font script="Taml" typeface="Latha"/>
+        <a:font script="Syrc" typeface="Estrangelo Edessa"/>
+        <a:font script="Orya" typeface="Kalinga"/>
+        <a:font script="Mlym" typeface="Kartika"/>
+        <a:font script="Laoo" typeface="DokChampa"/>
+        <a:font script="Sinh" typeface="Iskoola Pota"/>
+        <a:font script="Mong" typeface="Mongolian Baiti"/>
+        <a:font script="Viet" typeface="Arial"/>
+        <a:font script="Uigh" typeface="Microsoft Uighur"/>
+        <a:font script="Geor" typeface="Sylfaen"/>
+      </a:minorFont>
+    </a:fontScheme>
+    <a:fmtScheme name="Office">
+      <a:fillStyleLst>
+        <a:solidFill>
+          <a:schemeClr val="phClr"/>
+        </a:solidFill>
+        <a:gradFill rotWithShape="1">
+          <a:gsLst>
+            <a:gs pos="0">
+              <a:schemeClr val="phClr">
+                <a:tint val="50000"/>
+                <a:satMod val="300000"/>
+              </a:schemeClr>
+            </a:gs>
+            <a:gs pos="35000">
+              <a:schemeClr val="phClr">
+                <a:tint val="37000"/>
+                <a:satMod val="300000"/>
+              </a:schemeClr>
+            </a:gs>
+            <a:gs pos="100000">
+              <a:schemeClr val="phClr">
+                <a:tint val="15000"/>
+                <a:satMod val="350000"/>
+              </a:schemeClr>
+            </a:gs>
+          </a:gsLst>
+          <a:lin ang="16200000" scaled="1"/>
+        </a:gradFill>
+        <a:gradFill rotWithShape="1">
+          <a:gsLst>
+            <a:gs pos="0">
+              <a:schemeClr val="phClr">
+                <a:tint val="100000"/>
+                <a:shade val="100000"/>
+                <a:satMod val="130000"/>
+              </a:schemeClr>
+            </a:gs>
+            <a:gs pos="100000">
+              <a:schemeClr val="phClr">
+                <a:tint val="50000"/>
+                <a:shade val="100000"/>
+                <a:satMod val="350000"/>
+              </a:schemeClr>
+            </a:gs>
+          </a:gsLst>
+          <a:lin ang="16200000" scaled="0"/>
+        </a:gradFill>
+      </a:fillStyleLst>
+      <a:lnStyleLst>
+        <a:ln w="9525" cap="flat" cmpd="sng" algn="ctr">
+          <a:solidFill>
+            <a:schemeClr val="phClr">
+              <a:shade val="95000"/>
+              <a:satMod val="105000"/>
+            </a:schemeClr>
+          </a:solidFill>
+          <a:prstDash val="solid"/>
+        </a:ln>
+        <a:ln w="25400" cap="flat" cmpd="sng" algn="ctr">
+          <a:solidFill>
+            <a:schemeClr val="phClr"/>
+          </a:solidFill>
+          <a:prstDash val="solid"/>
+        </a:ln>
+        <a:ln w="38100" cap="flat" cmpd="sng" algn="ctr">
+          <a:solidFill>
+            <a:schemeClr val="phClr"/>
+          </a:solidFill>
+          <a:prstDash val="solid"/>
+        </a:ln>
+      </a:lnStyleLst>
+      <a:effectStyleLst>
+        <a:effectStyle>
+          <a:effectLst>
+            <a:outerShdw blurRad="40000" dist="20000" dir="5400000" rotWithShape="0">
+              <a:srgbClr val="000000">
+                <a:alpha val="38000"/>
+              </a:srgbClr>
+            </a:outerShdw>
+          </a:effectLst>
+        </a:effectStyle>
+        <a:effectStyle>
+          <a:effectLst>
+            <a:outerShdw blurRad="40000" dist="23000" dir="5400000" rotWithShape="0">
+              <a:srgbClr val="000000">
+                <a:alpha val="35000"/>
+              </a:srgbClr>
+            </a:outerShdw>
+          </a:effectLst>
+        </a:effectStyle>
+        <a:effectStyle>
+          <a:effectLst>
+            <a:outerShdw blurRad="40000" dist="23000" dir="5400000" rotWithShape="0">
+              <a:srgbClr val="000000">
+                <a:alpha val="35000"/>
+              </a:srgbClr>
+            </a:outerShdw>
+          </a:effectLst>
+          <a:scene3d>
+            <a:camera prst="orthographicFront">
+              <a:rot lat="0" lon="0" rev="0"/>
+            </a:camera>
+            <a:lightRig rig="threePt" dir="t">
+              <a:rot lat="0" lon="0" rev="1200000"/>
+            </a:lightRig>
+          </a:scene3d>
+          <a:sp3d>
+            <a:bevelT w="63500" h="25400"/>
+          </a:sp3d>
+        </a:effectStyle>
+      </a:effectStyleLst>
+      <a:bgFillStyleLst>
+        <a:solidFill>
+          <a:schemeClr val="phClr"/>
+        </a:solidFill>
+        <a:gradFill rotWithShape="1">
+          <a:gsLst>
+            <a:gs pos="0">
+              <a:schemeClr val="phClr">
+                <a:tint val="40000"/>
+                <a:satMod val="350000"/>
+              </a:schemeClr>
+            </a:gs>
+            <a:gs pos="40000">
+              <a:schemeClr val="phClr">
+                <a:tint val="45000"/>
+                <a:shade val="99000"/>
+                <a:satMod val="350000"/>
+              </a:schemeClr>
+            </a:gs>
+            <a:gs pos="100000">
+              <a:schemeClr val="phClr">
+                <a:shade val="20000"/>
+                <a:satMod val="255000"/>
+              </a:schemeClr>
+            </a:gs>
+          </a:gsLst>
+          <a:path path="circle">
+            <a:fillToRect l="50000" t="-80000" r="50000" b="180000"/>
+          </a:path>
+        </a:gradFill>
+        <a:gradFill rotWithShape="1">
+          <a:gsLst>
+            <a:gs pos="0">
+              <a:schemeClr val="phClr">
+                <a:tint val="80000"/>
+                <a:satMod val="300000"/>
+              </a:schemeClr>
+            </a:gs>
+            <a:gs pos="100000">
+              <a:schemeClr val="phClr">
+                <a:shade val="30000"/>
+                <a:satMod val="200000"/>
+              </a:schemeClr>
+            </a:gs>
+          </a:gsLst>
+          <a:path path="circle">
+            <a:fillToRect l="50000" t="50000" r="50000" b="50000"/>
+          </a:path>
+        </a:gradFill>
+      </a:bgFillStyleLst>
+    </a:fmtScheme>
+  </a:themeElements>
+  <a:objectDefaults/>
+  <a:extraClrSchemeLst/>
+</a:theme>
+</file>
+
+<file path=ppt/theme/theme2.xml><?xml version="1.0" encoding="utf-8"?>
+<a:theme xmlns:a="http://schemas.openxmlformats.org/drawingml/2006/main" name="Custom Theme">
   <a:themeElements>
     <a:clrScheme name="Default">
       <a:dk1>
@@ -9091,284 +9844,7 @@
       </a:bgFillStyleLst>
     </a:fmtScheme>
   </a:themeElements>
-</a:theme>
-</file>
-
-<file path=ppt/theme/theme2.xml><?xml version="1.0" encoding="utf-8"?>
-<a:theme xmlns:a="http://schemas.openxmlformats.org/drawingml/2006/main" xmlns:r="http://schemas.openxmlformats.org/officeDocument/2006/relationships" name="Streamline">
-  <a:themeElements>
-    <a:clrScheme name="Streamline">
-      <a:dk1>
-        <a:srgbClr val="1A9988"/>
-      </a:dk1>
-      <a:lt1>
-        <a:srgbClr val="FFFFFF"/>
-      </a:lt1>
-      <a:dk2>
-        <a:srgbClr val="1A1A1A"/>
-      </a:dk2>
-      <a:lt2>
-        <a:srgbClr val="E9EDEE"/>
-      </a:lt2>
-      <a:accent1>
-        <a:srgbClr val="595959"/>
-      </a:accent1>
-      <a:accent2>
-        <a:srgbClr val="6AA4C8"/>
-      </a:accent2>
-      <a:accent3>
-        <a:srgbClr val="EB5600"/>
-      </a:accent3>
-      <a:accent4>
-        <a:srgbClr val="A2FFE8"/>
-      </a:accent4>
-      <a:accent5>
-        <a:srgbClr val="1C3678"/>
-      </a:accent5>
-      <a:accent6>
-        <a:srgbClr val="FFB8A2"/>
-      </a:accent6>
-      <a:hlink>
-        <a:srgbClr val="1C3678"/>
-      </a:hlink>
-      <a:folHlink>
-        <a:srgbClr val="1C3678"/>
-      </a:folHlink>
-    </a:clrScheme>
-    <a:fontScheme name="Office">
-      <a:majorFont>
-        <a:latin typeface="Arial"/>
-        <a:ea typeface=""/>
-        <a:cs typeface=""/>
-        <a:font script="Jpan" typeface="ＭＳ Ｐゴシック"/>
-        <a:font script="Hang" typeface="맑은 고딕"/>
-        <a:font script="Hans" typeface="宋体"/>
-        <a:font script="Hant" typeface="新細明體"/>
-        <a:font script="Arab" typeface="Times New Roman"/>
-        <a:font script="Hebr" typeface="Times New Roman"/>
-        <a:font script="Thai" typeface="Angsana New"/>
-        <a:font script="Ethi" typeface="Nyala"/>
-        <a:font script="Beng" typeface="Vrinda"/>
-        <a:font script="Gujr" typeface="Shruti"/>
-        <a:font script="Khmr" typeface="MoolBoran"/>
-        <a:font script="Knda" typeface="Tunga"/>
-        <a:font script="Guru" typeface="Raavi"/>
-        <a:font script="Cans" typeface="Euphemia"/>
-        <a:font script="Cher" typeface="Plantagenet Cherokee"/>
-        <a:font script="Yiii" typeface="Microsoft Yi Baiti"/>
-        <a:font script="Tibt" typeface="Microsoft Himalaya"/>
-        <a:font script="Thaa" typeface="MV Boli"/>
-        <a:font script="Deva" typeface="Mangal"/>
-        <a:font script="Telu" typeface="Gautami"/>
-        <a:font script="Taml" typeface="Latha"/>
-        <a:font script="Syrc" typeface="Estrangelo Edessa"/>
-        <a:font script="Orya" typeface="Kalinga"/>
-        <a:font script="Mlym" typeface="Kartika"/>
-        <a:font script="Laoo" typeface="DokChampa"/>
-        <a:font script="Sinh" typeface="Iskoola Pota"/>
-        <a:font script="Mong" typeface="Mongolian Baiti"/>
-        <a:font script="Viet" typeface="Times New Roman"/>
-        <a:font script="Uigh" typeface="Microsoft Uighur"/>
-        <a:font script="Geor" typeface="Sylfaen"/>
-      </a:majorFont>
-      <a:minorFont>
-        <a:latin typeface="Arial"/>
-        <a:ea typeface=""/>
-        <a:cs typeface=""/>
-        <a:font script="Jpan" typeface="ＭＳ Ｐゴシック"/>
-        <a:font script="Hang" typeface="맑은 고딕"/>
-        <a:font script="Hans" typeface="宋体"/>
-        <a:font script="Hant" typeface="新細明體"/>
-        <a:font script="Arab" typeface="Arial"/>
-        <a:font script="Hebr" typeface="Arial"/>
-        <a:font script="Thai" typeface="Cordia New"/>
-        <a:font script="Ethi" typeface="Nyala"/>
-        <a:font script="Beng" typeface="Vrinda"/>
-        <a:font script="Gujr" typeface="Shruti"/>
-        <a:font script="Khmr" typeface="DaunPenh"/>
-        <a:font script="Knda" typeface="Tunga"/>
-        <a:font script="Guru" typeface="Raavi"/>
-        <a:font script="Cans" typeface="Euphemia"/>
-        <a:font script="Cher" typeface="Plantagenet Cherokee"/>
-        <a:font script="Yiii" typeface="Microsoft Yi Baiti"/>
-        <a:font script="Tibt" typeface="Microsoft Himalaya"/>
-        <a:font script="Thaa" typeface="MV Boli"/>
-        <a:font script="Deva" typeface="Mangal"/>
-        <a:font script="Telu" typeface="Gautami"/>
-        <a:font script="Taml" typeface="Latha"/>
-        <a:font script="Syrc" typeface="Estrangelo Edessa"/>
-        <a:font script="Orya" typeface="Kalinga"/>
-        <a:font script="Mlym" typeface="Kartika"/>
-        <a:font script="Laoo" typeface="DokChampa"/>
-        <a:font script="Sinh" typeface="Iskoola Pota"/>
-        <a:font script="Mong" typeface="Mongolian Baiti"/>
-        <a:font script="Viet" typeface="Arial"/>
-        <a:font script="Uigh" typeface="Microsoft Uighur"/>
-        <a:font script="Geor" typeface="Sylfaen"/>
-      </a:minorFont>
-    </a:fontScheme>
-    <a:fmtScheme name="Office">
-      <a:fillStyleLst>
-        <a:solidFill>
-          <a:schemeClr val="phClr"/>
-        </a:solidFill>
-        <a:gradFill rotWithShape="1">
-          <a:gsLst>
-            <a:gs pos="0">
-              <a:schemeClr val="phClr">
-                <a:tint val="50000"/>
-                <a:satMod val="300000"/>
-              </a:schemeClr>
-            </a:gs>
-            <a:gs pos="35000">
-              <a:schemeClr val="phClr">
-                <a:tint val="37000"/>
-                <a:satMod val="300000"/>
-              </a:schemeClr>
-            </a:gs>
-            <a:gs pos="100000">
-              <a:schemeClr val="phClr">
-                <a:tint val="15000"/>
-                <a:satMod val="350000"/>
-              </a:schemeClr>
-            </a:gs>
-          </a:gsLst>
-          <a:lin ang="16200000" scaled="1"/>
-        </a:gradFill>
-        <a:gradFill rotWithShape="1">
-          <a:gsLst>
-            <a:gs pos="0">
-              <a:schemeClr val="phClr">
-                <a:tint val="100000"/>
-                <a:shade val="100000"/>
-                <a:satMod val="130000"/>
-              </a:schemeClr>
-            </a:gs>
-            <a:gs pos="100000">
-              <a:schemeClr val="phClr">
-                <a:tint val="50000"/>
-                <a:shade val="100000"/>
-                <a:satMod val="350000"/>
-              </a:schemeClr>
-            </a:gs>
-          </a:gsLst>
-          <a:lin ang="16200000" scaled="0"/>
-        </a:gradFill>
-      </a:fillStyleLst>
-      <a:lnStyleLst>
-        <a:ln w="9525" cap="flat" cmpd="sng" algn="ctr">
-          <a:solidFill>
-            <a:schemeClr val="phClr">
-              <a:shade val="95000"/>
-              <a:satMod val="105000"/>
-            </a:schemeClr>
-          </a:solidFill>
-          <a:prstDash val="solid"/>
-        </a:ln>
-        <a:ln w="25400" cap="flat" cmpd="sng" algn="ctr">
-          <a:solidFill>
-            <a:schemeClr val="phClr"/>
-          </a:solidFill>
-          <a:prstDash val="solid"/>
-        </a:ln>
-        <a:ln w="38100" cap="flat" cmpd="sng" algn="ctr">
-          <a:solidFill>
-            <a:schemeClr val="phClr"/>
-          </a:solidFill>
-          <a:prstDash val="solid"/>
-        </a:ln>
-      </a:lnStyleLst>
-      <a:effectStyleLst>
-        <a:effectStyle>
-          <a:effectLst>
-            <a:outerShdw blurRad="40000" dist="20000" dir="5400000" rotWithShape="0">
-              <a:srgbClr val="000000">
-                <a:alpha val="38000"/>
-              </a:srgbClr>
-            </a:outerShdw>
-          </a:effectLst>
-        </a:effectStyle>
-        <a:effectStyle>
-          <a:effectLst>
-            <a:outerShdw blurRad="40000" dist="23000" dir="5400000" rotWithShape="0">
-              <a:srgbClr val="000000">
-                <a:alpha val="35000"/>
-              </a:srgbClr>
-            </a:outerShdw>
-          </a:effectLst>
-        </a:effectStyle>
-        <a:effectStyle>
-          <a:effectLst>
-            <a:outerShdw blurRad="40000" dist="23000" dir="5400000" rotWithShape="0">
-              <a:srgbClr val="000000">
-                <a:alpha val="35000"/>
-              </a:srgbClr>
-            </a:outerShdw>
-          </a:effectLst>
-          <a:scene3d>
-            <a:camera prst="orthographicFront">
-              <a:rot lat="0" lon="0" rev="0"/>
-            </a:camera>
-            <a:lightRig rig="threePt" dir="t">
-              <a:rot lat="0" lon="0" rev="1200000"/>
-            </a:lightRig>
-          </a:scene3d>
-          <a:sp3d>
-            <a:bevelT w="63500" h="25400"/>
-          </a:sp3d>
-        </a:effectStyle>
-      </a:effectStyleLst>
-      <a:bgFillStyleLst>
-        <a:solidFill>
-          <a:schemeClr val="phClr"/>
-        </a:solidFill>
-        <a:gradFill rotWithShape="1">
-          <a:gsLst>
-            <a:gs pos="0">
-              <a:schemeClr val="phClr">
-                <a:tint val="40000"/>
-                <a:satMod val="350000"/>
-              </a:schemeClr>
-            </a:gs>
-            <a:gs pos="40000">
-              <a:schemeClr val="phClr">
-                <a:tint val="45000"/>
-                <a:shade val="99000"/>
-                <a:satMod val="350000"/>
-              </a:schemeClr>
-            </a:gs>
-            <a:gs pos="100000">
-              <a:schemeClr val="phClr">
-                <a:shade val="20000"/>
-                <a:satMod val="255000"/>
-              </a:schemeClr>
-            </a:gs>
-          </a:gsLst>
-          <a:path path="circle">
-            <a:fillToRect l="50000" t="-80000" r="50000" b="180000"/>
-          </a:path>
-        </a:gradFill>
-        <a:gradFill rotWithShape="1">
-          <a:gsLst>
-            <a:gs pos="0">
-              <a:schemeClr val="phClr">
-                <a:tint val="80000"/>
-                <a:satMod val="300000"/>
-              </a:schemeClr>
-            </a:gs>
-            <a:gs pos="100000">
-              <a:schemeClr val="phClr">
-                <a:shade val="30000"/>
-                <a:satMod val="200000"/>
-              </a:schemeClr>
-            </a:gs>
-          </a:gsLst>
-          <a:path path="circle">
-            <a:fillToRect l="50000" t="50000" r="50000" b="50000"/>
-          </a:path>
-        </a:gradFill>
-      </a:bgFillStyleLst>
-    </a:fmtScheme>
-  </a:themeElements>
+  <a:objectDefaults/>
+  <a:extraClrSchemeLst/>
 </a:theme>
 </file>